--- a/JavaEE 学习/流程图&示意图.pptx
+++ b/JavaEE 学习/流程图&示意图.pptx
@@ -8,15 +8,17 @@
     <p:notesMasterId r:id="rId4"/>
   </p:notesMasterIdLst>
   <p:handoutMasterIdLst>
-    <p:handoutMasterId r:id="rId5"/>
+    <p:handoutMasterId r:id="rId7"/>
   </p:handoutMasterIdLst>
   <p:sldIdLst>
     <p:sldId id="256" r:id="rId3"/>
+    <p:sldId id="257" r:id="rId5"/>
+    <p:sldId id="258" r:id="rId6"/>
   </p:sldIdLst>
   <p:sldSz cx="12192000" cy="6858000"/>
   <p:notesSz cx="7103745" cy="10234295"/>
   <p:custDataLst>
-    <p:tags r:id="rId9"/>
+    <p:tags r:id="rId11"/>
   </p:custDataLst>
   <p:defaultTextStyle>
     <a:defPPr>
@@ -4175,7 +4177,2010 @@
 </p:sld>
 </file>
 
+<file path=ppt/slides/slide2.xml><?xml version="1.0" encoding="utf-8"?>
+<p:sld xmlns:a="http://schemas.openxmlformats.org/drawingml/2006/main" xmlns:r="http://schemas.openxmlformats.org/officeDocument/2006/relationships" xmlns:p="http://schemas.openxmlformats.org/presentationml/2006/main">
+  <p:cSld>
+    <p:spTree>
+      <p:nvGrpSpPr>
+        <p:cNvPr id="1" name=""/>
+        <p:cNvGrpSpPr/>
+        <p:nvPr/>
+      </p:nvGrpSpPr>
+      <p:grpSpPr/>
+      <p:sp>
+        <p:nvSpPr>
+          <p:cNvPr id="3" name="圆角矩形 2"/>
+          <p:cNvSpPr/>
+          <p:nvPr/>
+        </p:nvSpPr>
+        <p:spPr>
+          <a:xfrm>
+            <a:off x="2032635" y="420370"/>
+            <a:ext cx="3884295" cy="868045"/>
+          </a:xfrm>
+          <a:prstGeom prst="roundRect">
+            <a:avLst/>
+          </a:prstGeom>
+          <a:solidFill>
+            <a:schemeClr val="accent2">
+              <a:lumMod val="60000"/>
+              <a:lumOff val="40000"/>
+            </a:schemeClr>
+          </a:solidFill>
+        </p:spPr>
+        <p:style>
+          <a:lnRef idx="2">
+            <a:schemeClr val="accent1">
+              <a:lumMod val="75000"/>
+            </a:schemeClr>
+          </a:lnRef>
+          <a:fillRef idx="1">
+            <a:schemeClr val="accent1"/>
+          </a:fillRef>
+          <a:effectRef idx="0">
+            <a:srgbClr val="FFFFFF"/>
+          </a:effectRef>
+          <a:fontRef idx="minor">
+            <a:schemeClr val="lt1"/>
+          </a:fontRef>
+        </p:style>
+        <p:txBody>
+          <a:bodyPr rtlCol="0" anchor="ctr"/>
+          <a:p>
+            <a:pPr algn="ctr"/>
+            <a:endParaRPr lang="zh-CN" altLang="en-US"/>
+          </a:p>
+        </p:txBody>
+      </p:sp>
+      <p:sp>
+        <p:nvSpPr>
+          <p:cNvPr id="6" name="圆角矩形 5"/>
+          <p:cNvSpPr/>
+          <p:nvPr/>
+        </p:nvSpPr>
+        <p:spPr>
+          <a:xfrm>
+            <a:off x="2032635" y="2113915"/>
+            <a:ext cx="3884295" cy="868045"/>
+          </a:xfrm>
+          <a:prstGeom prst="roundRect">
+            <a:avLst/>
+          </a:prstGeom>
+          <a:solidFill>
+            <a:schemeClr val="accent2">
+              <a:lumMod val="60000"/>
+              <a:lumOff val="40000"/>
+            </a:schemeClr>
+          </a:solidFill>
+        </p:spPr>
+        <p:style>
+          <a:lnRef idx="2">
+            <a:schemeClr val="accent1">
+              <a:lumMod val="75000"/>
+            </a:schemeClr>
+          </a:lnRef>
+          <a:fillRef idx="1">
+            <a:schemeClr val="accent1"/>
+          </a:fillRef>
+          <a:effectRef idx="0">
+            <a:srgbClr val="FFFFFF"/>
+          </a:effectRef>
+          <a:fontRef idx="minor">
+            <a:schemeClr val="lt1"/>
+          </a:fontRef>
+        </p:style>
+        <p:txBody>
+          <a:bodyPr rtlCol="0" anchor="ctr"/>
+          <a:p>
+            <a:pPr algn="ctr"/>
+            <a:endParaRPr lang="zh-CN" altLang="en-US"/>
+          </a:p>
+        </p:txBody>
+      </p:sp>
+      <p:sp>
+        <p:nvSpPr>
+          <p:cNvPr id="7" name="上箭头 6"/>
+          <p:cNvSpPr/>
+          <p:nvPr/>
+        </p:nvSpPr>
+        <p:spPr>
+          <a:xfrm>
+            <a:off x="3402965" y="1365885"/>
+            <a:ext cx="1143000" cy="670560"/>
+          </a:xfrm>
+          <a:prstGeom prst="upArrow">
+            <a:avLst/>
+          </a:prstGeom>
+          <a:solidFill>
+            <a:schemeClr val="accent4"/>
+          </a:solidFill>
+        </p:spPr>
+        <p:style>
+          <a:lnRef idx="2">
+            <a:schemeClr val="accent1">
+              <a:lumMod val="75000"/>
+            </a:schemeClr>
+          </a:lnRef>
+          <a:fillRef idx="1">
+            <a:schemeClr val="accent1"/>
+          </a:fillRef>
+          <a:effectRef idx="0">
+            <a:srgbClr val="FFFFFF"/>
+          </a:effectRef>
+          <a:fontRef idx="minor">
+            <a:schemeClr val="lt1"/>
+          </a:fontRef>
+        </p:style>
+        <p:txBody>
+          <a:bodyPr rtlCol="0" anchor="ctr"/>
+          <a:p>
+            <a:pPr algn="ctr"/>
+            <a:endParaRPr lang="zh-CN" altLang="en-US"/>
+          </a:p>
+        </p:txBody>
+      </p:sp>
+      <p:sp>
+        <p:nvSpPr>
+          <p:cNvPr id="8" name="圆角矩形 7"/>
+          <p:cNvSpPr/>
+          <p:nvPr/>
+        </p:nvSpPr>
+        <p:spPr>
+          <a:xfrm>
+            <a:off x="2032635" y="3807460"/>
+            <a:ext cx="3884295" cy="868045"/>
+          </a:xfrm>
+          <a:prstGeom prst="roundRect">
+            <a:avLst/>
+          </a:prstGeom>
+          <a:solidFill>
+            <a:schemeClr val="accent2">
+              <a:lumMod val="60000"/>
+              <a:lumOff val="40000"/>
+            </a:schemeClr>
+          </a:solidFill>
+        </p:spPr>
+        <p:style>
+          <a:lnRef idx="2">
+            <a:schemeClr val="accent1">
+              <a:lumMod val="75000"/>
+            </a:schemeClr>
+          </a:lnRef>
+          <a:fillRef idx="1">
+            <a:schemeClr val="accent1"/>
+          </a:fillRef>
+          <a:effectRef idx="0">
+            <a:srgbClr val="FFFFFF"/>
+          </a:effectRef>
+          <a:fontRef idx="minor">
+            <a:schemeClr val="lt1"/>
+          </a:fontRef>
+        </p:style>
+        <p:txBody>
+          <a:bodyPr rtlCol="0" anchor="ctr"/>
+          <a:p>
+            <a:pPr algn="ctr"/>
+            <a:endParaRPr lang="zh-CN" altLang="en-US"/>
+          </a:p>
+        </p:txBody>
+      </p:sp>
+      <p:sp>
+        <p:nvSpPr>
+          <p:cNvPr id="9" name="圆角矩形 8"/>
+          <p:cNvSpPr/>
+          <p:nvPr/>
+        </p:nvSpPr>
+        <p:spPr>
+          <a:xfrm>
+            <a:off x="2032635" y="5501005"/>
+            <a:ext cx="3884295" cy="868045"/>
+          </a:xfrm>
+          <a:prstGeom prst="roundRect">
+            <a:avLst/>
+          </a:prstGeom>
+          <a:solidFill>
+            <a:schemeClr val="accent2">
+              <a:lumMod val="60000"/>
+              <a:lumOff val="40000"/>
+            </a:schemeClr>
+          </a:solidFill>
+        </p:spPr>
+        <p:style>
+          <a:lnRef idx="2">
+            <a:schemeClr val="accent1">
+              <a:lumMod val="75000"/>
+            </a:schemeClr>
+          </a:lnRef>
+          <a:fillRef idx="1">
+            <a:schemeClr val="accent1"/>
+          </a:fillRef>
+          <a:effectRef idx="0">
+            <a:srgbClr val="FFFFFF"/>
+          </a:effectRef>
+          <a:fontRef idx="minor">
+            <a:schemeClr val="lt1"/>
+          </a:fontRef>
+        </p:style>
+        <p:txBody>
+          <a:bodyPr rtlCol="0" anchor="ctr"/>
+          <a:p>
+            <a:pPr algn="ctr"/>
+            <a:endParaRPr lang="zh-CN" altLang="en-US"/>
+          </a:p>
+        </p:txBody>
+      </p:sp>
+      <p:sp>
+        <p:nvSpPr>
+          <p:cNvPr id="10" name="上箭头 9"/>
+          <p:cNvSpPr/>
+          <p:nvPr/>
+        </p:nvSpPr>
+        <p:spPr>
+          <a:xfrm>
+            <a:off x="3402965" y="4752975"/>
+            <a:ext cx="1143000" cy="670560"/>
+          </a:xfrm>
+          <a:prstGeom prst="upArrow">
+            <a:avLst/>
+          </a:prstGeom>
+          <a:solidFill>
+            <a:schemeClr val="accent4"/>
+          </a:solidFill>
+        </p:spPr>
+        <p:style>
+          <a:lnRef idx="2">
+            <a:schemeClr val="accent1">
+              <a:lumMod val="75000"/>
+            </a:schemeClr>
+          </a:lnRef>
+          <a:fillRef idx="1">
+            <a:schemeClr val="accent1"/>
+          </a:fillRef>
+          <a:effectRef idx="0">
+            <a:srgbClr val="FFFFFF"/>
+          </a:effectRef>
+          <a:fontRef idx="minor">
+            <a:schemeClr val="lt1"/>
+          </a:fontRef>
+        </p:style>
+        <p:txBody>
+          <a:bodyPr rtlCol="0" anchor="ctr"/>
+          <a:p>
+            <a:pPr algn="ctr"/>
+            <a:endParaRPr lang="zh-CN" altLang="en-US"/>
+          </a:p>
+        </p:txBody>
+      </p:sp>
+      <p:sp>
+        <p:nvSpPr>
+          <p:cNvPr id="14" name="上箭头 13"/>
+          <p:cNvSpPr/>
+          <p:nvPr/>
+        </p:nvSpPr>
+        <p:spPr>
+          <a:xfrm>
+            <a:off x="3402965" y="3059430"/>
+            <a:ext cx="1143000" cy="670560"/>
+          </a:xfrm>
+          <a:prstGeom prst="upArrow">
+            <a:avLst/>
+          </a:prstGeom>
+          <a:solidFill>
+            <a:schemeClr val="accent4"/>
+          </a:solidFill>
+        </p:spPr>
+        <p:style>
+          <a:lnRef idx="2">
+            <a:schemeClr val="accent1">
+              <a:lumMod val="75000"/>
+            </a:schemeClr>
+          </a:lnRef>
+          <a:fillRef idx="1">
+            <a:schemeClr val="accent1"/>
+          </a:fillRef>
+          <a:effectRef idx="0">
+            <a:srgbClr val="FFFFFF"/>
+          </a:effectRef>
+          <a:fontRef idx="minor">
+            <a:schemeClr val="lt1"/>
+          </a:fontRef>
+        </p:style>
+        <p:txBody>
+          <a:bodyPr rtlCol="0" anchor="ctr"/>
+          <a:p>
+            <a:pPr algn="ctr"/>
+            <a:endParaRPr lang="zh-CN" altLang="en-US"/>
+          </a:p>
+        </p:txBody>
+      </p:sp>
+      <p:sp>
+        <p:nvSpPr>
+          <p:cNvPr id="15" name="文本框 14"/>
+          <p:cNvSpPr txBox="1"/>
+          <p:nvPr/>
+        </p:nvSpPr>
+        <p:spPr>
+          <a:xfrm>
+            <a:off x="2945130" y="609600"/>
+            <a:ext cx="2071370" cy="460375"/>
+          </a:xfrm>
+          <a:prstGeom prst="rect">
+            <a:avLst/>
+          </a:prstGeom>
+          <a:noFill/>
+        </p:spPr>
+        <p:txBody>
+          <a:bodyPr wrap="square" rtlCol="0">
+            <a:spAutoFit/>
+          </a:bodyPr>
+          <a:p>
+            <a:pPr algn="ctr"/>
+            <a:r>
+              <a:rPr lang="en-US" altLang="zh-CN" sz="2400" b="1">
+                <a:solidFill>
+                  <a:schemeClr val="bg1"/>
+                </a:solidFill>
+                <a:latin typeface="Dream Han Serif CN W14" panose="02020200000000000000" charset="-122"/>
+                <a:ea typeface="Dream Han Serif CN W14" panose="02020200000000000000" charset="-122"/>
+                <a:cs typeface="Dream Han Serif CN W14" panose="02020200000000000000" charset="-122"/>
+              </a:rPr>
+              <a:t>Java </a:t>
+            </a:r>
+            <a:r>
+              <a:rPr lang="zh-CN" altLang="en-US" sz="2400" b="1">
+                <a:solidFill>
+                  <a:schemeClr val="bg1"/>
+                </a:solidFill>
+                <a:latin typeface="Dream Han Serif CN W14" panose="02020200000000000000" charset="-122"/>
+                <a:ea typeface="Dream Han Serif CN W14" panose="02020200000000000000" charset="-122"/>
+                <a:cs typeface="Dream Han Serif CN W14" panose="02020200000000000000" charset="-122"/>
+              </a:rPr>
+              <a:t>代码</a:t>
+            </a:r>
+            <a:endParaRPr lang="zh-CN" altLang="en-US" sz="2400" b="1">
+              <a:solidFill>
+                <a:schemeClr val="bg1"/>
+              </a:solidFill>
+              <a:latin typeface="Dream Han Serif CN W14" panose="02020200000000000000" charset="-122"/>
+              <a:ea typeface="Dream Han Serif CN W14" panose="02020200000000000000" charset="-122"/>
+              <a:cs typeface="Dream Han Serif CN W14" panose="02020200000000000000" charset="-122"/>
+            </a:endParaRPr>
+          </a:p>
+        </p:txBody>
+      </p:sp>
+      <p:sp>
+        <p:nvSpPr>
+          <p:cNvPr id="16" name="文本框 15"/>
+          <p:cNvSpPr txBox="1"/>
+          <p:nvPr/>
+        </p:nvSpPr>
+        <p:spPr>
+          <a:xfrm>
+            <a:off x="2945130" y="2334895"/>
+            <a:ext cx="2071370" cy="460375"/>
+          </a:xfrm>
+          <a:prstGeom prst="rect">
+            <a:avLst/>
+          </a:prstGeom>
+          <a:noFill/>
+        </p:spPr>
+        <p:txBody>
+          <a:bodyPr wrap="square" rtlCol="0">
+            <a:spAutoFit/>
+          </a:bodyPr>
+          <a:p>
+            <a:pPr algn="ctr"/>
+            <a:r>
+              <a:rPr lang="en-US" altLang="zh-CN" sz="2400" b="1">
+                <a:solidFill>
+                  <a:schemeClr val="bg1"/>
+                </a:solidFill>
+                <a:latin typeface="Dream Han Serif CN W14" panose="02020200000000000000" charset="-122"/>
+                <a:ea typeface="Dream Han Serif CN W14" panose="02020200000000000000" charset="-122"/>
+                <a:cs typeface="Dream Han Serif CN W16" panose="02020200000000000000" charset="-122"/>
+              </a:rPr>
+              <a:t>JVM</a:t>
+            </a:r>
+            <a:endParaRPr lang="en-US" altLang="zh-CN" sz="2400" b="1">
+              <a:solidFill>
+                <a:schemeClr val="bg1"/>
+              </a:solidFill>
+              <a:latin typeface="Dream Han Serif CN W14" panose="02020200000000000000" charset="-122"/>
+              <a:ea typeface="Dream Han Serif CN W14" panose="02020200000000000000" charset="-122"/>
+              <a:cs typeface="Dream Han Serif CN W16" panose="02020200000000000000" charset="-122"/>
+            </a:endParaRPr>
+          </a:p>
+        </p:txBody>
+      </p:sp>
+      <p:sp>
+        <p:nvSpPr>
+          <p:cNvPr id="17" name="文本框 16"/>
+          <p:cNvSpPr txBox="1"/>
+          <p:nvPr/>
+        </p:nvSpPr>
+        <p:spPr>
+          <a:xfrm>
+            <a:off x="2945130" y="4004945"/>
+            <a:ext cx="2071370" cy="460375"/>
+          </a:xfrm>
+          <a:prstGeom prst="rect">
+            <a:avLst/>
+          </a:prstGeom>
+          <a:noFill/>
+        </p:spPr>
+        <p:txBody>
+          <a:bodyPr wrap="square" rtlCol="0">
+            <a:spAutoFit/>
+          </a:bodyPr>
+          <a:p>
+            <a:pPr algn="ctr"/>
+            <a:r>
+              <a:rPr lang="zh-CN" altLang="en-US" sz="2400" b="1">
+                <a:solidFill>
+                  <a:schemeClr val="bg1"/>
+                </a:solidFill>
+                <a:latin typeface="Dream Han Serif CN W14" panose="02020200000000000000" charset="-122"/>
+                <a:ea typeface="Dream Han Serif CN W14" panose="02020200000000000000" charset="-122"/>
+                <a:cs typeface="Dream Han Serif CN W16" panose="02020200000000000000" charset="-122"/>
+              </a:rPr>
+              <a:t>操作系统</a:t>
+            </a:r>
+            <a:endParaRPr lang="zh-CN" altLang="en-US" sz="2400" b="1">
+              <a:solidFill>
+                <a:schemeClr val="bg1"/>
+              </a:solidFill>
+              <a:latin typeface="Dream Han Serif CN W14" panose="02020200000000000000" charset="-122"/>
+              <a:ea typeface="Dream Han Serif CN W14" panose="02020200000000000000" charset="-122"/>
+              <a:cs typeface="Dream Han Serif CN W16" panose="02020200000000000000" charset="-122"/>
+            </a:endParaRPr>
+          </a:p>
+        </p:txBody>
+      </p:sp>
+      <p:sp>
+        <p:nvSpPr>
+          <p:cNvPr id="18" name="文本框 17"/>
+          <p:cNvSpPr txBox="1"/>
+          <p:nvPr/>
+        </p:nvSpPr>
+        <p:spPr>
+          <a:xfrm>
+            <a:off x="2945130" y="5711190"/>
+            <a:ext cx="2071370" cy="460375"/>
+          </a:xfrm>
+          <a:prstGeom prst="rect">
+            <a:avLst/>
+          </a:prstGeom>
+          <a:noFill/>
+        </p:spPr>
+        <p:txBody>
+          <a:bodyPr wrap="square" rtlCol="0">
+            <a:spAutoFit/>
+          </a:bodyPr>
+          <a:p>
+            <a:pPr algn="ctr"/>
+            <a:r>
+              <a:rPr lang="en-US" altLang="zh-CN" sz="2400" b="1">
+                <a:solidFill>
+                  <a:schemeClr val="bg1"/>
+                </a:solidFill>
+                <a:latin typeface="Dream Han Serif CN W14" panose="02020200000000000000" charset="-122"/>
+                <a:ea typeface="Dream Han Serif CN W14" panose="02020200000000000000" charset="-122"/>
+                <a:cs typeface="Dream Han Serif CN W16" panose="02020200000000000000" charset="-122"/>
+              </a:rPr>
+              <a:t>CPU</a:t>
+            </a:r>
+            <a:endParaRPr lang="en-US" altLang="zh-CN" sz="2400" b="1">
+              <a:solidFill>
+                <a:schemeClr val="bg1"/>
+              </a:solidFill>
+              <a:latin typeface="Dream Han Serif CN W14" panose="02020200000000000000" charset="-122"/>
+              <a:ea typeface="Dream Han Serif CN W14" panose="02020200000000000000" charset="-122"/>
+              <a:cs typeface="Dream Han Serif CN W16" panose="02020200000000000000" charset="-122"/>
+            </a:endParaRPr>
+          </a:p>
+        </p:txBody>
+      </p:sp>
+      <p:sp>
+        <p:nvSpPr>
+          <p:cNvPr id="19" name="文本框 18"/>
+          <p:cNvSpPr txBox="1"/>
+          <p:nvPr/>
+        </p:nvSpPr>
+        <p:spPr>
+          <a:xfrm>
+            <a:off x="5575300" y="4904105"/>
+            <a:ext cx="4072890" cy="460375"/>
+          </a:xfrm>
+          <a:prstGeom prst="rect">
+            <a:avLst/>
+          </a:prstGeom>
+          <a:noFill/>
+        </p:spPr>
+        <p:txBody>
+          <a:bodyPr wrap="square" rtlCol="0">
+            <a:spAutoFit/>
+          </a:bodyPr>
+          <a:p>
+            <a:r>
+              <a:rPr lang="zh-CN" altLang="en-US" sz="2400">
+                <a:latin typeface="得意黑" charset="-122"/>
+                <a:ea typeface="得意黑" charset="-122"/>
+              </a:rPr>
+              <a:t>提供了原子性的操作指令</a:t>
+            </a:r>
+            <a:endParaRPr lang="zh-CN" altLang="en-US" sz="2400">
+              <a:latin typeface="得意黑" charset="-122"/>
+              <a:ea typeface="得意黑" charset="-122"/>
+            </a:endParaRPr>
+          </a:p>
+        </p:txBody>
+      </p:sp>
+      <p:sp>
+        <p:nvSpPr>
+          <p:cNvPr id="20" name="文本框 19"/>
+          <p:cNvSpPr txBox="1"/>
+          <p:nvPr/>
+        </p:nvSpPr>
+        <p:spPr>
+          <a:xfrm>
+            <a:off x="5575300" y="3199130"/>
+            <a:ext cx="4072890" cy="460375"/>
+          </a:xfrm>
+          <a:prstGeom prst="rect">
+            <a:avLst/>
+          </a:prstGeom>
+          <a:noFill/>
+        </p:spPr>
+        <p:txBody>
+          <a:bodyPr wrap="square" rtlCol="0">
+            <a:spAutoFit/>
+          </a:bodyPr>
+          <a:p>
+            <a:r>
+              <a:rPr lang="zh-CN" altLang="en-US" sz="2400">
+                <a:latin typeface="得意黑" charset="-122"/>
+                <a:ea typeface="得意黑" charset="-122"/>
+              </a:rPr>
+              <a:t>提供了</a:t>
+            </a:r>
+            <a:r>
+              <a:rPr lang="en-US" altLang="zh-CN" sz="2400">
+                <a:latin typeface="得意黑" charset="-122"/>
+                <a:ea typeface="得意黑" charset="-122"/>
+              </a:rPr>
+              <a:t> mutex </a:t>
+            </a:r>
+            <a:r>
+              <a:rPr lang="zh-CN" altLang="en-US" sz="2400">
+                <a:latin typeface="得意黑" charset="-122"/>
+                <a:ea typeface="得意黑" charset="-122"/>
+              </a:rPr>
+              <a:t>互斥锁</a:t>
+            </a:r>
+            <a:endParaRPr lang="zh-CN" altLang="en-US" sz="2400">
+              <a:latin typeface="得意黑" charset="-122"/>
+              <a:ea typeface="得意黑" charset="-122"/>
+            </a:endParaRPr>
+          </a:p>
+        </p:txBody>
+      </p:sp>
+      <p:sp>
+        <p:nvSpPr>
+          <p:cNvPr id="21" name="文本框 20"/>
+          <p:cNvSpPr txBox="1"/>
+          <p:nvPr>
+            <p:custDataLst>
+              <p:tags r:id="rId1"/>
+            </p:custDataLst>
+          </p:nvPr>
+        </p:nvSpPr>
+        <p:spPr>
+          <a:xfrm>
+            <a:off x="5575300" y="1470660"/>
+            <a:ext cx="6565265" cy="460375"/>
+          </a:xfrm>
+          <a:prstGeom prst="rect">
+            <a:avLst/>
+          </a:prstGeom>
+          <a:noFill/>
+        </p:spPr>
+        <p:txBody>
+          <a:bodyPr wrap="square" rtlCol="0">
+            <a:spAutoFit/>
+          </a:bodyPr>
+          <a:p>
+            <a:r>
+              <a:rPr lang="zh-CN" altLang="en-US" sz="2400">
+                <a:latin typeface="得意黑" charset="-122"/>
+                <a:ea typeface="得意黑" charset="-122"/>
+              </a:rPr>
+              <a:t>提供了</a:t>
+            </a:r>
+            <a:r>
+              <a:rPr lang="en-US" altLang="zh-CN" sz="2400">
+                <a:latin typeface="得意黑" charset="-122"/>
+                <a:ea typeface="得意黑" charset="-122"/>
+              </a:rPr>
+              <a:t>synchronized </a:t>
+            </a:r>
+            <a:r>
+              <a:rPr lang="zh-CN" altLang="en-US" sz="2400">
+                <a:latin typeface="得意黑" charset="-122"/>
+                <a:ea typeface="得意黑" charset="-122"/>
+              </a:rPr>
+              <a:t>和</a:t>
+            </a:r>
+            <a:r>
+              <a:rPr lang="en-US" altLang="zh-CN" sz="2400">
+                <a:latin typeface="得意黑" charset="-122"/>
+                <a:ea typeface="得意黑" charset="-122"/>
+              </a:rPr>
+              <a:t> </a:t>
+            </a:r>
+            <a:r>
+              <a:rPr lang="en-US" altLang="zh-CN" sz="2400">
+                <a:latin typeface="得意黑" charset="-122"/>
+                <a:ea typeface="得意黑" charset="-122"/>
+              </a:rPr>
+              <a:t>ReentratnLock</a:t>
+            </a:r>
+            <a:endParaRPr lang="en-US" altLang="zh-CN" sz="2400">
+              <a:latin typeface="得意黑" charset="-122"/>
+              <a:ea typeface="得意黑" charset="-122"/>
+            </a:endParaRPr>
+          </a:p>
+        </p:txBody>
+      </p:sp>
+      <p:sp>
+        <p:nvSpPr>
+          <p:cNvPr id="22" name="文本框 21"/>
+          <p:cNvSpPr txBox="1"/>
+          <p:nvPr>
+            <p:custDataLst>
+              <p:tags r:id="rId2"/>
+            </p:custDataLst>
+          </p:nvPr>
+        </p:nvSpPr>
+        <p:spPr>
+          <a:xfrm>
+            <a:off x="193675" y="1470660"/>
+            <a:ext cx="1143000" cy="460375"/>
+          </a:xfrm>
+          <a:prstGeom prst="rect">
+            <a:avLst/>
+          </a:prstGeom>
+          <a:noFill/>
+        </p:spPr>
+        <p:txBody>
+          <a:bodyPr wrap="square" rtlCol="0">
+            <a:spAutoFit/>
+          </a:bodyPr>
+          <a:p>
+            <a:r>
+              <a:rPr lang="zh-CN" altLang="en-US" sz="2400">
+                <a:latin typeface="得意黑" charset="-122"/>
+                <a:ea typeface="得意黑" charset="-122"/>
+              </a:rPr>
+              <a:t>用户态</a:t>
+            </a:r>
+            <a:endParaRPr lang="zh-CN" altLang="en-US" sz="2400">
+              <a:latin typeface="得意黑" charset="-122"/>
+              <a:ea typeface="得意黑" charset="-122"/>
+            </a:endParaRPr>
+          </a:p>
+        </p:txBody>
+      </p:sp>
+      <p:sp>
+        <p:nvSpPr>
+          <p:cNvPr id="24" name="左大括号 23"/>
+          <p:cNvSpPr/>
+          <p:nvPr/>
+        </p:nvSpPr>
+        <p:spPr>
+          <a:xfrm>
+            <a:off x="1370965" y="897890"/>
+            <a:ext cx="464185" cy="1607185"/>
+          </a:xfrm>
+          <a:prstGeom prst="leftBrace">
+            <a:avLst/>
+          </a:prstGeom>
+          <a:ln w="38100">
+            <a:solidFill>
+              <a:schemeClr val="tx1"/>
+            </a:solidFill>
+          </a:ln>
+        </p:spPr>
+        <p:style>
+          <a:lnRef idx="2">
+            <a:schemeClr val="accent1"/>
+          </a:lnRef>
+          <a:fillRef idx="0">
+            <a:srgbClr val="FFFFFF"/>
+          </a:fillRef>
+          <a:effectRef idx="0">
+            <a:srgbClr val="FFFFFF"/>
+          </a:effectRef>
+          <a:fontRef idx="minor">
+            <a:schemeClr val="tx1"/>
+          </a:fontRef>
+        </p:style>
+        <p:txBody>
+          <a:bodyPr rtlCol="0" anchor="ctr"/>
+          <a:p>
+            <a:pPr algn="ctr"/>
+            <a:endParaRPr lang="zh-CN" altLang="en-US"/>
+          </a:p>
+        </p:txBody>
+      </p:sp>
+      <p:sp>
+        <p:nvSpPr>
+          <p:cNvPr id="26" name="文本框 25"/>
+          <p:cNvSpPr txBox="1"/>
+          <p:nvPr>
+            <p:custDataLst>
+              <p:tags r:id="rId3"/>
+            </p:custDataLst>
+          </p:nvPr>
+        </p:nvSpPr>
+        <p:spPr>
+          <a:xfrm>
+            <a:off x="193675" y="4966335"/>
+            <a:ext cx="1143000" cy="460375"/>
+          </a:xfrm>
+          <a:prstGeom prst="rect">
+            <a:avLst/>
+          </a:prstGeom>
+          <a:noFill/>
+        </p:spPr>
+        <p:txBody>
+          <a:bodyPr wrap="square" rtlCol="0">
+            <a:spAutoFit/>
+          </a:bodyPr>
+          <a:p>
+            <a:r>
+              <a:rPr lang="zh-CN" altLang="en-US" sz="2400">
+                <a:latin typeface="得意黑" charset="-122"/>
+                <a:ea typeface="得意黑" charset="-122"/>
+              </a:rPr>
+              <a:t>内核</a:t>
+            </a:r>
+            <a:r>
+              <a:rPr lang="zh-CN" altLang="en-US" sz="2400">
+                <a:latin typeface="得意黑" charset="-122"/>
+                <a:ea typeface="得意黑" charset="-122"/>
+              </a:rPr>
+              <a:t>态</a:t>
+            </a:r>
+            <a:endParaRPr lang="zh-CN" altLang="en-US" sz="2400">
+              <a:latin typeface="得意黑" charset="-122"/>
+              <a:ea typeface="得意黑" charset="-122"/>
+            </a:endParaRPr>
+          </a:p>
+        </p:txBody>
+      </p:sp>
+      <p:sp>
+        <p:nvSpPr>
+          <p:cNvPr id="27" name="左大括号 26"/>
+          <p:cNvSpPr/>
+          <p:nvPr/>
+        </p:nvSpPr>
+        <p:spPr>
+          <a:xfrm>
+            <a:off x="1370965" y="4393565"/>
+            <a:ext cx="464185" cy="1607185"/>
+          </a:xfrm>
+          <a:prstGeom prst="leftBrace">
+            <a:avLst/>
+          </a:prstGeom>
+          <a:ln w="38100">
+            <a:solidFill>
+              <a:schemeClr val="tx1"/>
+            </a:solidFill>
+          </a:ln>
+        </p:spPr>
+        <p:style>
+          <a:lnRef idx="2">
+            <a:schemeClr val="accent1"/>
+          </a:lnRef>
+          <a:fillRef idx="0">
+            <a:srgbClr val="FFFFFF"/>
+          </a:fillRef>
+          <a:effectRef idx="0">
+            <a:srgbClr val="FFFFFF"/>
+          </a:effectRef>
+          <a:fontRef idx="minor">
+            <a:schemeClr val="tx1"/>
+          </a:fontRef>
+        </p:style>
+        <p:txBody>
+          <a:bodyPr rtlCol="0" anchor="ctr"/>
+          <a:p>
+            <a:pPr algn="ctr"/>
+            <a:endParaRPr lang="zh-CN" altLang="en-US"/>
+          </a:p>
+        </p:txBody>
+      </p:sp>
+    </p:spTree>
+  </p:cSld>
+  <p:clrMapOvr>
+    <a:masterClrMapping/>
+  </p:clrMapOvr>
+</p:sld>
+</file>
+
+<file path=ppt/slides/slide3.xml><?xml version="1.0" encoding="utf-8"?>
+<p:sld xmlns:a="http://schemas.openxmlformats.org/drawingml/2006/main" xmlns:r="http://schemas.openxmlformats.org/officeDocument/2006/relationships" xmlns:p="http://schemas.openxmlformats.org/presentationml/2006/main">
+  <p:cSld>
+    <p:spTree>
+      <p:nvGrpSpPr>
+        <p:cNvPr id="1" name=""/>
+        <p:cNvGrpSpPr/>
+        <p:nvPr/>
+      </p:nvGrpSpPr>
+      <p:grpSpPr/>
+      <p:sp>
+        <p:nvSpPr>
+          <p:cNvPr id="4" name="圆角矩形 3"/>
+          <p:cNvSpPr/>
+          <p:nvPr/>
+        </p:nvSpPr>
+        <p:spPr>
+          <a:xfrm>
+            <a:off x="2999740" y="3025140"/>
+            <a:ext cx="4090670" cy="1564005"/>
+          </a:xfrm>
+          <a:prstGeom prst="roundRect">
+            <a:avLst/>
+          </a:prstGeom>
+          <a:solidFill>
+            <a:schemeClr val="accent6">
+              <a:lumMod val="20000"/>
+              <a:lumOff val="80000"/>
+            </a:schemeClr>
+          </a:solidFill>
+        </p:spPr>
+        <p:style>
+          <a:lnRef idx="2">
+            <a:schemeClr val="accent1">
+              <a:lumMod val="75000"/>
+            </a:schemeClr>
+          </a:lnRef>
+          <a:fillRef idx="1">
+            <a:schemeClr val="accent1"/>
+          </a:fillRef>
+          <a:effectRef idx="0">
+            <a:srgbClr val="FFFFFF"/>
+          </a:effectRef>
+          <a:fontRef idx="minor">
+            <a:schemeClr val="lt1"/>
+          </a:fontRef>
+        </p:style>
+        <p:txBody>
+          <a:bodyPr rtlCol="0" anchor="ctr"/>
+          <a:p>
+            <a:pPr algn="ctr"/>
+            <a:endParaRPr lang="zh-CN" altLang="en-US"/>
+          </a:p>
+        </p:txBody>
+      </p:sp>
+      <p:sp>
+        <p:nvSpPr>
+          <p:cNvPr id="5" name="椭圆 4"/>
+          <p:cNvSpPr/>
+          <p:nvPr/>
+        </p:nvSpPr>
+        <p:spPr>
+          <a:xfrm>
+            <a:off x="2999740" y="1323340"/>
+            <a:ext cx="1684655" cy="945515"/>
+          </a:xfrm>
+          <a:prstGeom prst="ellipse">
+            <a:avLst/>
+          </a:prstGeom>
+          <a:solidFill>
+            <a:schemeClr val="accent2">
+              <a:lumMod val="20000"/>
+              <a:lumOff val="80000"/>
+            </a:schemeClr>
+          </a:solidFill>
+        </p:spPr>
+        <p:style>
+          <a:lnRef idx="2">
+            <a:schemeClr val="accent1">
+              <a:lumMod val="75000"/>
+            </a:schemeClr>
+          </a:lnRef>
+          <a:fillRef idx="1">
+            <a:schemeClr val="accent1"/>
+          </a:fillRef>
+          <a:effectRef idx="0">
+            <a:srgbClr val="FFFFFF"/>
+          </a:effectRef>
+          <a:fontRef idx="minor">
+            <a:schemeClr val="lt1"/>
+          </a:fontRef>
+        </p:style>
+        <p:txBody>
+          <a:bodyPr rtlCol="0" anchor="ctr"/>
+          <a:p>
+            <a:pPr algn="ctr"/>
+            <a:endParaRPr lang="zh-CN" altLang="en-US"/>
+          </a:p>
+        </p:txBody>
+      </p:sp>
+      <p:sp>
+        <p:nvSpPr>
+          <p:cNvPr id="6" name="椭圆 5"/>
+          <p:cNvSpPr/>
+          <p:nvPr/>
+        </p:nvSpPr>
+        <p:spPr>
+          <a:xfrm>
+            <a:off x="1057910" y="1323340"/>
+            <a:ext cx="1684655" cy="945515"/>
+          </a:xfrm>
+          <a:prstGeom prst="ellipse">
+            <a:avLst/>
+          </a:prstGeom>
+          <a:solidFill>
+            <a:schemeClr val="accent2">
+              <a:lumMod val="20000"/>
+              <a:lumOff val="80000"/>
+            </a:schemeClr>
+          </a:solidFill>
+        </p:spPr>
+        <p:style>
+          <a:lnRef idx="2">
+            <a:schemeClr val="accent1">
+              <a:lumMod val="75000"/>
+            </a:schemeClr>
+          </a:lnRef>
+          <a:fillRef idx="1">
+            <a:schemeClr val="accent1"/>
+          </a:fillRef>
+          <a:effectRef idx="0">
+            <a:srgbClr val="FFFFFF"/>
+          </a:effectRef>
+          <a:fontRef idx="minor">
+            <a:schemeClr val="lt1"/>
+          </a:fontRef>
+        </p:style>
+        <p:txBody>
+          <a:bodyPr rtlCol="0" anchor="ctr"/>
+          <a:p>
+            <a:pPr algn="ctr"/>
+            <a:endParaRPr lang="zh-CN" altLang="en-US"/>
+          </a:p>
+        </p:txBody>
+      </p:sp>
+      <p:sp>
+        <p:nvSpPr>
+          <p:cNvPr id="7" name="椭圆 6"/>
+          <p:cNvSpPr/>
+          <p:nvPr/>
+        </p:nvSpPr>
+        <p:spPr>
+          <a:xfrm>
+            <a:off x="6817360" y="1323340"/>
+            <a:ext cx="1684655" cy="945515"/>
+          </a:xfrm>
+          <a:prstGeom prst="ellipse">
+            <a:avLst/>
+          </a:prstGeom>
+          <a:solidFill>
+            <a:schemeClr val="accent2">
+              <a:lumMod val="20000"/>
+              <a:lumOff val="80000"/>
+            </a:schemeClr>
+          </a:solidFill>
+        </p:spPr>
+        <p:style>
+          <a:lnRef idx="2">
+            <a:schemeClr val="accent1">
+              <a:lumMod val="75000"/>
+            </a:schemeClr>
+          </a:lnRef>
+          <a:fillRef idx="1">
+            <a:schemeClr val="accent1"/>
+          </a:fillRef>
+          <a:effectRef idx="0">
+            <a:srgbClr val="FFFFFF"/>
+          </a:effectRef>
+          <a:fontRef idx="minor">
+            <a:schemeClr val="lt1"/>
+          </a:fontRef>
+        </p:style>
+        <p:txBody>
+          <a:bodyPr rtlCol="0" anchor="ctr"/>
+          <a:p>
+            <a:pPr algn="ctr"/>
+            <a:endParaRPr lang="zh-CN" altLang="en-US"/>
+          </a:p>
+        </p:txBody>
+      </p:sp>
+      <p:sp>
+        <p:nvSpPr>
+          <p:cNvPr id="8" name="椭圆 7"/>
+          <p:cNvSpPr/>
+          <p:nvPr/>
+        </p:nvSpPr>
+        <p:spPr>
+          <a:xfrm>
+            <a:off x="4941570" y="1323340"/>
+            <a:ext cx="1684655" cy="945515"/>
+          </a:xfrm>
+          <a:prstGeom prst="ellipse">
+            <a:avLst/>
+          </a:prstGeom>
+          <a:solidFill>
+            <a:schemeClr val="accent2">
+              <a:lumMod val="20000"/>
+              <a:lumOff val="80000"/>
+            </a:schemeClr>
+          </a:solidFill>
+        </p:spPr>
+        <p:style>
+          <a:lnRef idx="2">
+            <a:schemeClr val="accent1">
+              <a:lumMod val="75000"/>
+            </a:schemeClr>
+          </a:lnRef>
+          <a:fillRef idx="1">
+            <a:schemeClr val="accent1"/>
+          </a:fillRef>
+          <a:effectRef idx="0">
+            <a:srgbClr val="FFFFFF"/>
+          </a:effectRef>
+          <a:fontRef idx="minor">
+            <a:schemeClr val="lt1"/>
+          </a:fontRef>
+        </p:style>
+        <p:txBody>
+          <a:bodyPr rtlCol="0" anchor="ctr"/>
+          <a:p>
+            <a:pPr algn="ctr"/>
+            <a:endParaRPr lang="zh-CN" altLang="en-US"/>
+          </a:p>
+        </p:txBody>
+      </p:sp>
+      <p:sp>
+        <p:nvSpPr>
+          <p:cNvPr id="9" name="椭圆 8"/>
+          <p:cNvSpPr/>
+          <p:nvPr/>
+        </p:nvSpPr>
+        <p:spPr>
+          <a:xfrm>
+            <a:off x="204470" y="3864610"/>
+            <a:ext cx="1684655" cy="945515"/>
+          </a:xfrm>
+          <a:prstGeom prst="ellipse">
+            <a:avLst/>
+          </a:prstGeom>
+          <a:solidFill>
+            <a:schemeClr val="accent2">
+              <a:lumMod val="20000"/>
+              <a:lumOff val="80000"/>
+            </a:schemeClr>
+          </a:solidFill>
+        </p:spPr>
+        <p:style>
+          <a:lnRef idx="2">
+            <a:schemeClr val="accent1">
+              <a:lumMod val="75000"/>
+            </a:schemeClr>
+          </a:lnRef>
+          <a:fillRef idx="1">
+            <a:schemeClr val="accent1"/>
+          </a:fillRef>
+          <a:effectRef idx="0">
+            <a:srgbClr val="FFFFFF"/>
+          </a:effectRef>
+          <a:fontRef idx="minor">
+            <a:schemeClr val="lt1"/>
+          </a:fontRef>
+        </p:style>
+        <p:txBody>
+          <a:bodyPr rtlCol="0" anchor="ctr"/>
+          <a:p>
+            <a:pPr algn="ctr"/>
+            <a:endParaRPr lang="zh-CN" altLang="en-US"/>
+          </a:p>
+        </p:txBody>
+      </p:sp>
+      <p:cxnSp>
+        <p:nvCxnSpPr>
+          <p:cNvPr id="11" name="直接箭头连接符 10"/>
+          <p:cNvCxnSpPr>
+            <a:stCxn id="6" idx="5"/>
+            <a:endCxn id="4" idx="0"/>
+          </p:cNvCxnSpPr>
+          <p:nvPr/>
+        </p:nvCxnSpPr>
+        <p:spPr>
+          <a:xfrm>
+            <a:off x="2495550" y="2130425"/>
+            <a:ext cx="2549525" cy="894715"/>
+          </a:xfrm>
+          <a:prstGeom prst="straightConnector1">
+            <a:avLst/>
+          </a:prstGeom>
+          <a:ln w="38100">
+            <a:tailEnd type="arrow"/>
+          </a:ln>
+        </p:spPr>
+        <p:style>
+          <a:lnRef idx="2">
+            <a:schemeClr val="accent1"/>
+          </a:lnRef>
+          <a:fillRef idx="0">
+            <a:srgbClr val="FFFFFF"/>
+          </a:fillRef>
+          <a:effectRef idx="0">
+            <a:srgbClr val="FFFFFF"/>
+          </a:effectRef>
+          <a:fontRef idx="minor">
+            <a:schemeClr val="tx1"/>
+          </a:fontRef>
+        </p:style>
+      </p:cxnSp>
+      <p:cxnSp>
+        <p:nvCxnSpPr>
+          <p:cNvPr id="12" name="直接箭头连接符 11"/>
+          <p:cNvCxnSpPr/>
+          <p:nvPr/>
+        </p:nvCxnSpPr>
+        <p:spPr>
+          <a:xfrm>
+            <a:off x="3834130" y="2257425"/>
+            <a:ext cx="1216660" cy="724535"/>
+          </a:xfrm>
+          <a:prstGeom prst="straightConnector1">
+            <a:avLst/>
+          </a:prstGeom>
+          <a:ln w="38100">
+            <a:tailEnd type="arrow"/>
+          </a:ln>
+        </p:spPr>
+        <p:style>
+          <a:lnRef idx="2">
+            <a:schemeClr val="accent1"/>
+          </a:lnRef>
+          <a:fillRef idx="0">
+            <a:srgbClr val="FFFFFF"/>
+          </a:fillRef>
+          <a:effectRef idx="0">
+            <a:srgbClr val="FFFFFF"/>
+          </a:effectRef>
+          <a:fontRef idx="minor">
+            <a:schemeClr val="tx1"/>
+          </a:fontRef>
+        </p:style>
+      </p:cxnSp>
+      <p:cxnSp>
+        <p:nvCxnSpPr>
+          <p:cNvPr id="13" name="直接箭头连接符 12"/>
+          <p:cNvCxnSpPr>
+            <a:stCxn id="8" idx="4"/>
+          </p:cNvCxnSpPr>
+          <p:nvPr/>
+        </p:nvCxnSpPr>
+        <p:spPr>
+          <a:xfrm flipH="1">
+            <a:off x="5016500" y="2268855"/>
+            <a:ext cx="767715" cy="738505"/>
+          </a:xfrm>
+          <a:prstGeom prst="straightConnector1">
+            <a:avLst/>
+          </a:prstGeom>
+          <a:ln w="38100">
+            <a:tailEnd type="arrow"/>
+          </a:ln>
+        </p:spPr>
+        <p:style>
+          <a:lnRef idx="2">
+            <a:schemeClr val="accent1"/>
+          </a:lnRef>
+          <a:fillRef idx="0">
+            <a:srgbClr val="FFFFFF"/>
+          </a:fillRef>
+          <a:effectRef idx="0">
+            <a:srgbClr val="FFFFFF"/>
+          </a:effectRef>
+          <a:fontRef idx="minor">
+            <a:schemeClr val="tx1"/>
+          </a:fontRef>
+        </p:style>
+      </p:cxnSp>
+      <p:cxnSp>
+        <p:nvCxnSpPr>
+          <p:cNvPr id="14" name="直接箭头连接符 13"/>
+          <p:cNvCxnSpPr>
+            <a:stCxn id="7" idx="4"/>
+          </p:cNvCxnSpPr>
+          <p:nvPr/>
+        </p:nvCxnSpPr>
+        <p:spPr>
+          <a:xfrm flipH="1">
+            <a:off x="4973955" y="2268855"/>
+            <a:ext cx="2686050" cy="755650"/>
+          </a:xfrm>
+          <a:prstGeom prst="straightConnector1">
+            <a:avLst/>
+          </a:prstGeom>
+          <a:ln w="38100">
+            <a:tailEnd type="arrow"/>
+          </a:ln>
+        </p:spPr>
+        <p:style>
+          <a:lnRef idx="2">
+            <a:schemeClr val="accent1"/>
+          </a:lnRef>
+          <a:fillRef idx="0">
+            <a:srgbClr val="FFFFFF"/>
+          </a:fillRef>
+          <a:effectRef idx="0">
+            <a:srgbClr val="FFFFFF"/>
+          </a:effectRef>
+          <a:fontRef idx="minor">
+            <a:schemeClr val="tx1"/>
+          </a:fontRef>
+        </p:style>
+      </p:cxnSp>
+      <p:cxnSp>
+        <p:nvCxnSpPr>
+          <p:cNvPr id="15" name="直接箭头连接符 14"/>
+          <p:cNvCxnSpPr>
+            <a:stCxn id="9" idx="6"/>
+            <a:endCxn id="4" idx="1"/>
+          </p:cNvCxnSpPr>
+          <p:nvPr/>
+        </p:nvCxnSpPr>
+        <p:spPr>
+          <a:xfrm flipV="1">
+            <a:off x="1889125" y="3807460"/>
+            <a:ext cx="1110615" cy="530225"/>
+          </a:xfrm>
+          <a:prstGeom prst="straightConnector1">
+            <a:avLst/>
+          </a:prstGeom>
+          <a:ln w="38100">
+            <a:tailEnd type="arrow"/>
+          </a:ln>
+        </p:spPr>
+        <p:style>
+          <a:lnRef idx="2">
+            <a:schemeClr val="accent1"/>
+          </a:lnRef>
+          <a:fillRef idx="0">
+            <a:srgbClr val="FFFFFF"/>
+          </a:fillRef>
+          <a:effectRef idx="0">
+            <a:srgbClr val="FFFFFF"/>
+          </a:effectRef>
+          <a:fontRef idx="minor">
+            <a:schemeClr val="tx1"/>
+          </a:fontRef>
+        </p:style>
+      </p:cxnSp>
+      <p:sp>
+        <p:nvSpPr>
+          <p:cNvPr id="16" name="文本框 15"/>
+          <p:cNvSpPr txBox="1"/>
+          <p:nvPr/>
+        </p:nvSpPr>
+        <p:spPr>
+          <a:xfrm>
+            <a:off x="4314825" y="3576955"/>
+            <a:ext cx="1469390" cy="460375"/>
+          </a:xfrm>
+          <a:prstGeom prst="rect">
+            <a:avLst/>
+          </a:prstGeom>
+          <a:noFill/>
+        </p:spPr>
+        <p:txBody>
+          <a:bodyPr wrap="square" rtlCol="0">
+            <a:spAutoFit/>
+          </a:bodyPr>
+          <a:p>
+            <a:pPr algn="ctr"/>
+            <a:r>
+              <a:rPr lang="zh-CN" altLang="en-US" sz="2400">
+                <a:latin typeface="得意黑" charset="-122"/>
+                <a:ea typeface="得意黑" charset="-122"/>
+              </a:rPr>
+              <a:t>共享变量</a:t>
+            </a:r>
+            <a:endParaRPr lang="zh-CN" altLang="en-US" sz="2400">
+              <a:latin typeface="得意黑" charset="-122"/>
+              <a:ea typeface="得意黑" charset="-122"/>
+            </a:endParaRPr>
+          </a:p>
+        </p:txBody>
+      </p:sp>
+      <p:sp>
+        <p:nvSpPr>
+          <p:cNvPr id="17" name="文本框 16"/>
+          <p:cNvSpPr txBox="1"/>
+          <p:nvPr>
+            <p:custDataLst>
+              <p:tags r:id="rId1"/>
+            </p:custDataLst>
+          </p:nvPr>
+        </p:nvSpPr>
+        <p:spPr>
+          <a:xfrm>
+            <a:off x="1176020" y="1565910"/>
+            <a:ext cx="1469390" cy="460375"/>
+          </a:xfrm>
+          <a:prstGeom prst="rect">
+            <a:avLst/>
+          </a:prstGeom>
+          <a:noFill/>
+        </p:spPr>
+        <p:txBody>
+          <a:bodyPr wrap="square" rtlCol="0">
+            <a:spAutoFit/>
+          </a:bodyPr>
+          <a:p>
+            <a:pPr algn="ctr"/>
+            <a:r>
+              <a:rPr lang="zh-CN" altLang="en-US" sz="2400">
+                <a:latin typeface="得意黑" charset="-122"/>
+                <a:ea typeface="得意黑" charset="-122"/>
+              </a:rPr>
+              <a:t>读线程</a:t>
+            </a:r>
+            <a:r>
+              <a:rPr lang="en-US" altLang="zh-CN" sz="2400">
+                <a:latin typeface="得意黑" charset="-122"/>
+                <a:ea typeface="得意黑" charset="-122"/>
+              </a:rPr>
+              <a:t>1</a:t>
+            </a:r>
+            <a:endParaRPr lang="en-US" altLang="zh-CN" sz="2400">
+              <a:latin typeface="得意黑" charset="-122"/>
+              <a:ea typeface="得意黑" charset="-122"/>
+            </a:endParaRPr>
+          </a:p>
+        </p:txBody>
+      </p:sp>
+      <p:sp>
+        <p:nvSpPr>
+          <p:cNvPr id="18" name="文本框 17"/>
+          <p:cNvSpPr txBox="1"/>
+          <p:nvPr>
+            <p:custDataLst>
+              <p:tags r:id="rId2"/>
+            </p:custDataLst>
+          </p:nvPr>
+        </p:nvSpPr>
+        <p:spPr>
+          <a:xfrm>
+            <a:off x="3122295" y="1565910"/>
+            <a:ext cx="1469390" cy="460375"/>
+          </a:xfrm>
+          <a:prstGeom prst="rect">
+            <a:avLst/>
+          </a:prstGeom>
+          <a:noFill/>
+        </p:spPr>
+        <p:txBody>
+          <a:bodyPr wrap="square" rtlCol="0">
+            <a:spAutoFit/>
+          </a:bodyPr>
+          <a:p>
+            <a:pPr algn="ctr"/>
+            <a:r>
+              <a:rPr lang="zh-CN" altLang="en-US" sz="2400">
+                <a:latin typeface="得意黑" charset="-122"/>
+                <a:ea typeface="得意黑" charset="-122"/>
+              </a:rPr>
+              <a:t>读线程</a:t>
+            </a:r>
+            <a:r>
+              <a:rPr lang="en-US" altLang="zh-CN" sz="2400">
+                <a:latin typeface="得意黑" charset="-122"/>
+                <a:ea typeface="得意黑" charset="-122"/>
+              </a:rPr>
+              <a:t>2</a:t>
+            </a:r>
+            <a:endParaRPr lang="en-US" altLang="zh-CN" sz="2400">
+              <a:latin typeface="得意黑" charset="-122"/>
+              <a:ea typeface="得意黑" charset="-122"/>
+            </a:endParaRPr>
+          </a:p>
+        </p:txBody>
+      </p:sp>
+      <p:sp>
+        <p:nvSpPr>
+          <p:cNvPr id="19" name="文本框 18"/>
+          <p:cNvSpPr txBox="1"/>
+          <p:nvPr>
+            <p:custDataLst>
+              <p:tags r:id="rId3"/>
+            </p:custDataLst>
+          </p:nvPr>
+        </p:nvSpPr>
+        <p:spPr>
+          <a:xfrm>
+            <a:off x="5068570" y="1565910"/>
+            <a:ext cx="1469390" cy="460375"/>
+          </a:xfrm>
+          <a:prstGeom prst="rect">
+            <a:avLst/>
+          </a:prstGeom>
+          <a:noFill/>
+        </p:spPr>
+        <p:txBody>
+          <a:bodyPr wrap="square" rtlCol="0">
+            <a:spAutoFit/>
+          </a:bodyPr>
+          <a:p>
+            <a:pPr algn="ctr"/>
+            <a:r>
+              <a:rPr lang="zh-CN" altLang="en-US" sz="2400">
+                <a:latin typeface="得意黑" charset="-122"/>
+                <a:ea typeface="得意黑" charset="-122"/>
+              </a:rPr>
+              <a:t>读线程</a:t>
+            </a:r>
+            <a:r>
+              <a:rPr lang="en-US" altLang="zh-CN" sz="2400">
+                <a:latin typeface="得意黑" charset="-122"/>
+                <a:ea typeface="得意黑" charset="-122"/>
+              </a:rPr>
+              <a:t>3</a:t>
+            </a:r>
+            <a:endParaRPr lang="en-US" altLang="zh-CN" sz="2400">
+              <a:latin typeface="得意黑" charset="-122"/>
+              <a:ea typeface="得意黑" charset="-122"/>
+            </a:endParaRPr>
+          </a:p>
+        </p:txBody>
+      </p:sp>
+      <p:sp>
+        <p:nvSpPr>
+          <p:cNvPr id="20" name="文本框 19"/>
+          <p:cNvSpPr txBox="1"/>
+          <p:nvPr>
+            <p:custDataLst>
+              <p:tags r:id="rId4"/>
+            </p:custDataLst>
+          </p:nvPr>
+        </p:nvSpPr>
+        <p:spPr>
+          <a:xfrm>
+            <a:off x="6976110" y="1565910"/>
+            <a:ext cx="1469390" cy="460375"/>
+          </a:xfrm>
+          <a:prstGeom prst="rect">
+            <a:avLst/>
+          </a:prstGeom>
+          <a:noFill/>
+        </p:spPr>
+        <p:txBody>
+          <a:bodyPr wrap="square" rtlCol="0">
+            <a:spAutoFit/>
+          </a:bodyPr>
+          <a:p>
+            <a:pPr algn="ctr"/>
+            <a:r>
+              <a:rPr lang="zh-CN" altLang="en-US" sz="2400">
+                <a:latin typeface="得意黑" charset="-122"/>
+                <a:ea typeface="得意黑" charset="-122"/>
+              </a:rPr>
+              <a:t>读线程</a:t>
+            </a:r>
+            <a:r>
+              <a:rPr lang="en-US" altLang="zh-CN" sz="2400">
+                <a:latin typeface="得意黑" charset="-122"/>
+                <a:ea typeface="得意黑" charset="-122"/>
+              </a:rPr>
+              <a:t>4</a:t>
+            </a:r>
+            <a:endParaRPr lang="en-US" altLang="zh-CN" sz="2400">
+              <a:latin typeface="得意黑" charset="-122"/>
+              <a:ea typeface="得意黑" charset="-122"/>
+            </a:endParaRPr>
+          </a:p>
+        </p:txBody>
+      </p:sp>
+      <p:sp>
+        <p:nvSpPr>
+          <p:cNvPr id="21" name="文本框 20"/>
+          <p:cNvSpPr txBox="1"/>
+          <p:nvPr>
+            <p:custDataLst>
+              <p:tags r:id="rId5"/>
+            </p:custDataLst>
+          </p:nvPr>
+        </p:nvSpPr>
+        <p:spPr>
+          <a:xfrm>
+            <a:off x="312420" y="4128770"/>
+            <a:ext cx="1469390" cy="460375"/>
+          </a:xfrm>
+          <a:prstGeom prst="rect">
+            <a:avLst/>
+          </a:prstGeom>
+          <a:noFill/>
+        </p:spPr>
+        <p:txBody>
+          <a:bodyPr wrap="square" rtlCol="0">
+            <a:spAutoFit/>
+          </a:bodyPr>
+          <a:p>
+            <a:pPr algn="ctr"/>
+            <a:r>
+              <a:rPr lang="zh-CN" altLang="en-US" sz="2400">
+                <a:latin typeface="得意黑" charset="-122"/>
+                <a:ea typeface="得意黑" charset="-122"/>
+              </a:rPr>
+              <a:t>写线程</a:t>
+            </a:r>
+            <a:r>
+              <a:rPr lang="en-US" altLang="zh-CN" sz="2400">
+                <a:latin typeface="得意黑" charset="-122"/>
+                <a:ea typeface="得意黑" charset="-122"/>
+              </a:rPr>
+              <a:t>1</a:t>
+            </a:r>
+            <a:endParaRPr lang="en-US" altLang="zh-CN" sz="2400">
+              <a:latin typeface="得意黑" charset="-122"/>
+              <a:ea typeface="得意黑" charset="-122"/>
+            </a:endParaRPr>
+          </a:p>
+        </p:txBody>
+      </p:sp>
+      <p:sp>
+        <p:nvSpPr>
+          <p:cNvPr id="25" name="任意多边形 24"/>
+          <p:cNvSpPr/>
+          <p:nvPr/>
+        </p:nvSpPr>
+        <p:spPr>
+          <a:xfrm>
+            <a:off x="5979160" y="2619375"/>
+            <a:ext cx="1581150" cy="285115"/>
+          </a:xfrm>
+          <a:custGeom>
+            <a:avLst/>
+            <a:gdLst>
+              <a:gd name="connisteX0" fmla="*/ 0 w 1581150"/>
+              <a:gd name="connsiteY0" fmla="*/ 147461 h 285312"/>
+              <a:gd name="connisteX1" fmla="*/ 68580 w 1581150"/>
+              <a:gd name="connsiteY1" fmla="*/ 164606 h 285312"/>
+              <a:gd name="connisteX2" fmla="*/ 154940 w 1581150"/>
+              <a:gd name="connsiteY2" fmla="*/ 216041 h 285312"/>
+              <a:gd name="connisteX3" fmla="*/ 197485 w 1581150"/>
+              <a:gd name="connsiteY3" fmla="*/ 285256 h 285312"/>
+              <a:gd name="connisteX4" fmla="*/ 240665 w 1581150"/>
+              <a:gd name="connsiteY4" fmla="*/ 207786 h 285312"/>
+              <a:gd name="connisteX5" fmla="*/ 326390 w 1581150"/>
+              <a:gd name="connsiteY5" fmla="*/ 173496 h 285312"/>
+              <a:gd name="connisteX6" fmla="*/ 464185 w 1581150"/>
+              <a:gd name="connsiteY6" fmla="*/ 147461 h 285312"/>
+              <a:gd name="connisteX7" fmla="*/ 558800 w 1581150"/>
+              <a:gd name="connsiteY7" fmla="*/ 139206 h 285312"/>
+              <a:gd name="connisteX8" fmla="*/ 653415 w 1581150"/>
+              <a:gd name="connsiteY8" fmla="*/ 139206 h 285312"/>
+              <a:gd name="connisteX9" fmla="*/ 747395 w 1581150"/>
+              <a:gd name="connsiteY9" fmla="*/ 139206 h 285312"/>
+              <a:gd name="connisteX10" fmla="*/ 842010 w 1581150"/>
+              <a:gd name="connsiteY10" fmla="*/ 147461 h 285312"/>
+              <a:gd name="connisteX11" fmla="*/ 919480 w 1581150"/>
+              <a:gd name="connsiteY11" fmla="*/ 156351 h 285312"/>
+              <a:gd name="connisteX12" fmla="*/ 996950 w 1581150"/>
+              <a:gd name="connsiteY12" fmla="*/ 173496 h 285312"/>
+              <a:gd name="connisteX13" fmla="*/ 1005205 w 1581150"/>
+              <a:gd name="connsiteY13" fmla="*/ 242076 h 285312"/>
+              <a:gd name="connisteX14" fmla="*/ 936625 w 1581150"/>
+              <a:gd name="connsiteY14" fmla="*/ 242076 h 285312"/>
+              <a:gd name="connisteX15" fmla="*/ 936625 w 1581150"/>
+              <a:gd name="connsiteY15" fmla="*/ 173496 h 285312"/>
+              <a:gd name="connisteX16" fmla="*/ 953770 w 1581150"/>
+              <a:gd name="connsiteY16" fmla="*/ 87136 h 285312"/>
+              <a:gd name="connisteX17" fmla="*/ 1057275 w 1581150"/>
+              <a:gd name="connsiteY17" fmla="*/ 18556 h 285312"/>
+              <a:gd name="connisteX18" fmla="*/ 1186180 w 1581150"/>
+              <a:gd name="connsiteY18" fmla="*/ 1411 h 285312"/>
+              <a:gd name="connisteX19" fmla="*/ 1297940 w 1581150"/>
+              <a:gd name="connsiteY19" fmla="*/ 1411 h 285312"/>
+              <a:gd name="connisteX20" fmla="*/ 1391920 w 1581150"/>
+              <a:gd name="connsiteY20" fmla="*/ 1411 h 285312"/>
+              <a:gd name="connisteX21" fmla="*/ 1469390 w 1581150"/>
+              <a:gd name="connsiteY21" fmla="*/ 10301 h 285312"/>
+              <a:gd name="connisteX22" fmla="*/ 1581150 w 1581150"/>
+              <a:gd name="connsiteY22" fmla="*/ 27446 h 285312"/>
+            </a:gdLst>
+            <a:ahLst/>
+            <a:cxnLst>
+              <a:cxn ang="0">
+                <a:pos x="connisteX0" y="connsiteY0"/>
+              </a:cxn>
+              <a:cxn ang="0">
+                <a:pos x="connisteX1" y="connsiteY1"/>
+              </a:cxn>
+              <a:cxn ang="0">
+                <a:pos x="connisteX2" y="connsiteY2"/>
+              </a:cxn>
+              <a:cxn ang="0">
+                <a:pos x="connisteX3" y="connsiteY3"/>
+              </a:cxn>
+              <a:cxn ang="0">
+                <a:pos x="connisteX4" y="connsiteY4"/>
+              </a:cxn>
+              <a:cxn ang="0">
+                <a:pos x="connisteX5" y="connsiteY5"/>
+              </a:cxn>
+              <a:cxn ang="0">
+                <a:pos x="connisteX6" y="connsiteY6"/>
+              </a:cxn>
+              <a:cxn ang="0">
+                <a:pos x="connisteX7" y="connsiteY7"/>
+              </a:cxn>
+              <a:cxn ang="0">
+                <a:pos x="connisteX8" y="connsiteY8"/>
+              </a:cxn>
+              <a:cxn ang="0">
+                <a:pos x="connisteX9" y="connsiteY9"/>
+              </a:cxn>
+              <a:cxn ang="0">
+                <a:pos x="connisteX10" y="connsiteY10"/>
+              </a:cxn>
+              <a:cxn ang="0">
+                <a:pos x="connisteX11" y="connsiteY11"/>
+              </a:cxn>
+              <a:cxn ang="0">
+                <a:pos x="connisteX12" y="connsiteY12"/>
+              </a:cxn>
+              <a:cxn ang="0">
+                <a:pos x="connisteX13" y="connsiteY13"/>
+              </a:cxn>
+              <a:cxn ang="0">
+                <a:pos x="connisteX14" y="connsiteY14"/>
+              </a:cxn>
+              <a:cxn ang="0">
+                <a:pos x="connisteX15" y="connsiteY15"/>
+              </a:cxn>
+              <a:cxn ang="0">
+                <a:pos x="connisteX16" y="connsiteY16"/>
+              </a:cxn>
+              <a:cxn ang="0">
+                <a:pos x="connisteX17" y="connsiteY17"/>
+              </a:cxn>
+              <a:cxn ang="0">
+                <a:pos x="connisteX18" y="connsiteY18"/>
+              </a:cxn>
+              <a:cxn ang="0">
+                <a:pos x="connisteX19" y="connsiteY19"/>
+              </a:cxn>
+              <a:cxn ang="0">
+                <a:pos x="connisteX20" y="connsiteY20"/>
+              </a:cxn>
+              <a:cxn ang="0">
+                <a:pos x="connisteX21" y="connsiteY21"/>
+              </a:cxn>
+              <a:cxn ang="0">
+                <a:pos x="connisteX22" y="connsiteY22"/>
+              </a:cxn>
+            </a:cxnLst>
+            <a:rect l="l" t="t" r="r" b="b"/>
+            <a:pathLst>
+              <a:path w="1581150" h="285312">
+                <a:moveTo>
+                  <a:pt x="0" y="147461"/>
+                </a:moveTo>
+                <a:cubicBezTo>
+                  <a:pt x="12065" y="150001"/>
+                  <a:pt x="37465" y="150636"/>
+                  <a:pt x="68580" y="164606"/>
+                </a:cubicBezTo>
+                <a:cubicBezTo>
+                  <a:pt x="99695" y="178576"/>
+                  <a:pt x="128905" y="191911"/>
+                  <a:pt x="154940" y="216041"/>
+                </a:cubicBezTo>
+                <a:cubicBezTo>
+                  <a:pt x="180975" y="240171"/>
+                  <a:pt x="180340" y="287161"/>
+                  <a:pt x="197485" y="285256"/>
+                </a:cubicBezTo>
+                <a:cubicBezTo>
+                  <a:pt x="214630" y="283351"/>
+                  <a:pt x="214630" y="230011"/>
+                  <a:pt x="240665" y="207786"/>
+                </a:cubicBezTo>
+                <a:cubicBezTo>
+                  <a:pt x="266700" y="185561"/>
+                  <a:pt x="281940" y="185561"/>
+                  <a:pt x="326390" y="173496"/>
+                </a:cubicBezTo>
+                <a:cubicBezTo>
+                  <a:pt x="370840" y="161431"/>
+                  <a:pt x="417830" y="154446"/>
+                  <a:pt x="464185" y="147461"/>
+                </a:cubicBezTo>
+                <a:cubicBezTo>
+                  <a:pt x="510540" y="140476"/>
+                  <a:pt x="520700" y="141111"/>
+                  <a:pt x="558800" y="139206"/>
+                </a:cubicBezTo>
+                <a:cubicBezTo>
+                  <a:pt x="596900" y="137301"/>
+                  <a:pt x="615950" y="139206"/>
+                  <a:pt x="653415" y="139206"/>
+                </a:cubicBezTo>
+                <a:cubicBezTo>
+                  <a:pt x="690880" y="139206"/>
+                  <a:pt x="709930" y="137301"/>
+                  <a:pt x="747395" y="139206"/>
+                </a:cubicBezTo>
+                <a:cubicBezTo>
+                  <a:pt x="784860" y="141111"/>
+                  <a:pt x="807720" y="144286"/>
+                  <a:pt x="842010" y="147461"/>
+                </a:cubicBezTo>
+                <a:cubicBezTo>
+                  <a:pt x="876300" y="150636"/>
+                  <a:pt x="888365" y="151271"/>
+                  <a:pt x="919480" y="156351"/>
+                </a:cubicBezTo>
+                <a:cubicBezTo>
+                  <a:pt x="950595" y="161431"/>
+                  <a:pt x="979805" y="156351"/>
+                  <a:pt x="996950" y="173496"/>
+                </a:cubicBezTo>
+                <a:cubicBezTo>
+                  <a:pt x="1014095" y="190641"/>
+                  <a:pt x="1017270" y="228106"/>
+                  <a:pt x="1005205" y="242076"/>
+                </a:cubicBezTo>
+                <a:cubicBezTo>
+                  <a:pt x="993140" y="256046"/>
+                  <a:pt x="950595" y="256046"/>
+                  <a:pt x="936625" y="242076"/>
+                </a:cubicBezTo>
+                <a:cubicBezTo>
+                  <a:pt x="922655" y="228106"/>
+                  <a:pt x="933450" y="204611"/>
+                  <a:pt x="936625" y="173496"/>
+                </a:cubicBezTo>
+                <a:cubicBezTo>
+                  <a:pt x="939800" y="142381"/>
+                  <a:pt x="929640" y="118251"/>
+                  <a:pt x="953770" y="87136"/>
+                </a:cubicBezTo>
+                <a:cubicBezTo>
+                  <a:pt x="977900" y="56021"/>
+                  <a:pt x="1010920" y="35701"/>
+                  <a:pt x="1057275" y="18556"/>
+                </a:cubicBezTo>
+                <a:cubicBezTo>
+                  <a:pt x="1103630" y="1411"/>
+                  <a:pt x="1137920" y="4586"/>
+                  <a:pt x="1186180" y="1411"/>
+                </a:cubicBezTo>
+                <a:cubicBezTo>
+                  <a:pt x="1234440" y="-1764"/>
+                  <a:pt x="1256665" y="1411"/>
+                  <a:pt x="1297940" y="1411"/>
+                </a:cubicBezTo>
+                <a:cubicBezTo>
+                  <a:pt x="1339215" y="1411"/>
+                  <a:pt x="1357630" y="-494"/>
+                  <a:pt x="1391920" y="1411"/>
+                </a:cubicBezTo>
+                <a:cubicBezTo>
+                  <a:pt x="1426210" y="3316"/>
+                  <a:pt x="1431290" y="5221"/>
+                  <a:pt x="1469390" y="10301"/>
+                </a:cubicBezTo>
+                <a:cubicBezTo>
+                  <a:pt x="1507490" y="15381"/>
+                  <a:pt x="1560195" y="24271"/>
+                  <a:pt x="1581150" y="27446"/>
+                </a:cubicBezTo>
+              </a:path>
+            </a:pathLst>
+          </a:custGeom>
+          <a:noFill/>
+        </p:spPr>
+        <p:style>
+          <a:lnRef idx="2">
+            <a:schemeClr val="accent1">
+              <a:lumMod val="75000"/>
+            </a:schemeClr>
+          </a:lnRef>
+          <a:fillRef idx="1">
+            <a:schemeClr val="accent1"/>
+          </a:fillRef>
+          <a:effectRef idx="0">
+            <a:srgbClr val="FFFFFF"/>
+          </a:effectRef>
+          <a:fontRef idx="minor">
+            <a:schemeClr val="lt1"/>
+          </a:fontRef>
+        </p:style>
+        <p:txBody>
+          <a:bodyPr rtlCol="0" anchor="ctr"/>
+          <a:p>
+            <a:pPr algn="ctr"/>
+            <a:endParaRPr lang="zh-CN" altLang="en-US"/>
+          </a:p>
+        </p:txBody>
+      </p:sp>
+      <p:sp>
+        <p:nvSpPr>
+          <p:cNvPr id="26" name="文本框 25"/>
+          <p:cNvSpPr txBox="1"/>
+          <p:nvPr/>
+        </p:nvSpPr>
+        <p:spPr>
+          <a:xfrm>
+            <a:off x="7414260" y="2457450"/>
+            <a:ext cx="824865" cy="368300"/>
+          </a:xfrm>
+          <a:prstGeom prst="rect">
+            <a:avLst/>
+          </a:prstGeom>
+          <a:noFill/>
+        </p:spPr>
+        <p:txBody>
+          <a:bodyPr wrap="square" rtlCol="0">
+            <a:spAutoFit/>
+          </a:bodyPr>
+          <a:p>
+            <a:pPr algn="ctr"/>
+            <a:r>
+              <a:rPr lang="zh-CN" altLang="en-US">
+                <a:latin typeface="得意黑" charset="-122"/>
+                <a:ea typeface="得意黑" charset="-122"/>
+              </a:rPr>
+              <a:t>读锁</a:t>
+            </a:r>
+            <a:endParaRPr lang="zh-CN" altLang="en-US">
+              <a:latin typeface="得意黑" charset="-122"/>
+              <a:ea typeface="得意黑" charset="-122"/>
+            </a:endParaRPr>
+          </a:p>
+        </p:txBody>
+      </p:sp>
+      <p:cxnSp>
+        <p:nvCxnSpPr>
+          <p:cNvPr id="27" name="直接连接符 26"/>
+          <p:cNvCxnSpPr/>
+          <p:nvPr/>
+        </p:nvCxnSpPr>
+        <p:spPr>
+          <a:xfrm>
+            <a:off x="2172335" y="3712210"/>
+            <a:ext cx="489585" cy="747395"/>
+          </a:xfrm>
+          <a:prstGeom prst="line">
+            <a:avLst/>
+          </a:prstGeom>
+          <a:ln w="57150">
+            <a:solidFill>
+              <a:schemeClr val="accent6"/>
+            </a:solidFill>
+          </a:ln>
+        </p:spPr>
+        <p:style>
+          <a:lnRef idx="2">
+            <a:schemeClr val="accent1"/>
+          </a:lnRef>
+          <a:fillRef idx="0">
+            <a:srgbClr val="FFFFFF"/>
+          </a:fillRef>
+          <a:effectRef idx="0">
+            <a:srgbClr val="FFFFFF"/>
+          </a:effectRef>
+          <a:fontRef idx="minor">
+            <a:schemeClr val="tx1"/>
+          </a:fontRef>
+        </p:style>
+      </p:cxnSp>
+      <p:sp>
+        <p:nvSpPr>
+          <p:cNvPr id="28" name="文本框 27"/>
+          <p:cNvSpPr txBox="1"/>
+          <p:nvPr/>
+        </p:nvSpPr>
+        <p:spPr>
+          <a:xfrm>
+            <a:off x="1325880" y="3170555"/>
+            <a:ext cx="1796415" cy="583565"/>
+          </a:xfrm>
+          <a:prstGeom prst="rect">
+            <a:avLst/>
+          </a:prstGeom>
+          <a:noFill/>
+        </p:spPr>
+        <p:txBody>
+          <a:bodyPr wrap="square" rtlCol="0">
+            <a:spAutoFit/>
+          </a:bodyPr>
+          <a:p>
+            <a:r>
+              <a:rPr lang="zh-CN" altLang="en-US" sz="1600">
+                <a:solidFill>
+                  <a:schemeClr val="accent6"/>
+                </a:solidFill>
+                <a:latin typeface="得意黑" charset="-122"/>
+                <a:ea typeface="得意黑" charset="-122"/>
+              </a:rPr>
+              <a:t>不可以继续写了，因为有线程在读</a:t>
+            </a:r>
+            <a:endParaRPr lang="zh-CN" altLang="en-US" sz="1600">
+              <a:solidFill>
+                <a:schemeClr val="accent6"/>
+              </a:solidFill>
+              <a:latin typeface="得意黑" charset="-122"/>
+              <a:ea typeface="得意黑" charset="-122"/>
+            </a:endParaRPr>
+          </a:p>
+        </p:txBody>
+      </p:sp>
+    </p:spTree>
+  </p:cSld>
+  <p:clrMapOvr>
+    <a:masterClrMapping/>
+  </p:clrMapOvr>
+</p:sld>
+</file>
+
 <file path=ppt/tags/tag1.xml><?xml version="1.0" encoding="utf-8"?>
+<p:tagLst xmlns:p="http://schemas.openxmlformats.org/presentationml/2006/main">
+  <p:tag name="KSO_WM_BEAUTIFY_FLAG" val=""/>
+</p:tagLst>
+</file>
+
+<file path=ppt/tags/tag2.xml><?xml version="1.0" encoding="utf-8"?>
+<p:tagLst xmlns:p="http://schemas.openxmlformats.org/presentationml/2006/main">
+  <p:tag name="KSO_WM_BEAUTIFY_FLAG" val=""/>
+</p:tagLst>
+</file>
+
+<file path=ppt/tags/tag3.xml><?xml version="1.0" encoding="utf-8"?>
+<p:tagLst xmlns:p="http://schemas.openxmlformats.org/presentationml/2006/main">
+  <p:tag name="KSO_WM_BEAUTIFY_FLAG" val=""/>
+</p:tagLst>
+</file>
+
+<file path=ppt/tags/tag4.xml><?xml version="1.0" encoding="utf-8"?>
+<p:tagLst xmlns:p="http://schemas.openxmlformats.org/presentationml/2006/main">
+  <p:tag name="KSO_WM_BEAUTIFY_FLAG" val=""/>
+</p:tagLst>
+</file>
+
+<file path=ppt/tags/tag5.xml><?xml version="1.0" encoding="utf-8"?>
+<p:tagLst xmlns:p="http://schemas.openxmlformats.org/presentationml/2006/main">
+  <p:tag name="KSO_WM_BEAUTIFY_FLAG" val=""/>
+</p:tagLst>
+</file>
+
+<file path=ppt/tags/tag6.xml><?xml version="1.0" encoding="utf-8"?>
+<p:tagLst xmlns:p="http://schemas.openxmlformats.org/presentationml/2006/main">
+  <p:tag name="KSO_WM_BEAUTIFY_FLAG" val=""/>
+</p:tagLst>
+</file>
+
+<file path=ppt/tags/tag7.xml><?xml version="1.0" encoding="utf-8"?>
+<p:tagLst xmlns:p="http://schemas.openxmlformats.org/presentationml/2006/main">
+  <p:tag name="KSO_WM_BEAUTIFY_FLAG" val=""/>
+</p:tagLst>
+</file>
+
+<file path=ppt/tags/tag8.xml><?xml version="1.0" encoding="utf-8"?>
+<p:tagLst xmlns:p="http://schemas.openxmlformats.org/presentationml/2006/main">
+  <p:tag name="KSO_WM_BEAUTIFY_FLAG" val=""/>
+</p:tagLst>
+</file>
+
+<file path=ppt/tags/tag9.xml><?xml version="1.0" encoding="utf-8"?>
 <p:tagLst xmlns:p="http://schemas.openxmlformats.org/presentationml/2006/main">
   <p:tag name="commondata" val="eyJoZGlkIjoiZGRkYjQ2MDljZDFkZWNlN2RlZGFlMzAwNWFkMzZlYmEifQ=="/>
 </p:tagLst>

--- a/JavaEE 学习/流程图&示意图.pptx
+++ b/JavaEE 学习/流程图&示意图.pptx
@@ -8,17 +8,18 @@
     <p:notesMasterId r:id="rId4"/>
   </p:notesMasterIdLst>
   <p:handoutMasterIdLst>
-    <p:handoutMasterId r:id="rId7"/>
+    <p:handoutMasterId r:id="rId8"/>
   </p:handoutMasterIdLst>
   <p:sldIdLst>
     <p:sldId id="256" r:id="rId3"/>
     <p:sldId id="257" r:id="rId5"/>
     <p:sldId id="258" r:id="rId6"/>
+    <p:sldId id="259" r:id="rId7"/>
   </p:sldIdLst>
   <p:sldSz cx="12192000" cy="6858000"/>
   <p:notesSz cx="7103745" cy="10234295"/>
   <p:custDataLst>
-    <p:tags r:id="rId11"/>
+    <p:tags r:id="rId12"/>
   </p:custDataLst>
   <p:defaultTextStyle>
     <a:defPPr>
@@ -123,7 +124,7 @@
             <a:srgbClr val="A4A3A4"/>
           </p15:clr>
         </p15:guide>
-        <p15:guide id="2" pos="3843" userDrawn="1">
+        <p15:guide id="2" pos="3860" userDrawn="1">
           <p15:clr>
             <a:srgbClr val="A4A3A4"/>
           </p15:clr>
@@ -6120,6 +6121,2879 @@
               </a:solidFill>
               <a:latin typeface="得意黑" charset="-122"/>
               <a:ea typeface="得意黑" charset="-122"/>
+            </a:endParaRPr>
+          </a:p>
+        </p:txBody>
+      </p:sp>
+    </p:spTree>
+  </p:cSld>
+  <p:clrMapOvr>
+    <a:masterClrMapping/>
+  </p:clrMapOvr>
+</p:sld>
+</file>
+
+<file path=ppt/slides/slide4.xml><?xml version="1.0" encoding="utf-8"?>
+<p:sld xmlns:a="http://schemas.openxmlformats.org/drawingml/2006/main" xmlns:r="http://schemas.openxmlformats.org/officeDocument/2006/relationships" xmlns:p="http://schemas.openxmlformats.org/presentationml/2006/main">
+  <p:cSld>
+    <p:spTree>
+      <p:nvGrpSpPr>
+        <p:cNvPr id="1" name=""/>
+        <p:cNvGrpSpPr/>
+        <p:nvPr/>
+      </p:nvGrpSpPr>
+      <p:grpSpPr/>
+      <p:grpSp>
+        <p:nvGrpSpPr>
+          <p:cNvPr id="35" name="组合 34"/>
+          <p:cNvGrpSpPr/>
+          <p:nvPr/>
+        </p:nvGrpSpPr>
+        <p:grpSpPr>
+          <a:xfrm>
+            <a:off x="6368415" y="1558290"/>
+            <a:ext cx="5194935" cy="3890645"/>
+            <a:chOff x="908" y="1110"/>
+            <a:chExt cx="9335" cy="7019"/>
+          </a:xfrm>
+        </p:grpSpPr>
+        <p:sp>
+          <p:nvSpPr>
+            <p:cNvPr id="36" name="矩形 35"/>
+            <p:cNvSpPr/>
+            <p:nvPr/>
+          </p:nvSpPr>
+          <p:spPr>
+            <a:xfrm>
+              <a:off x="926" y="1110"/>
+              <a:ext cx="1855" cy="1070"/>
+            </a:xfrm>
+            <a:prstGeom prst="rect">
+              <a:avLst/>
+            </a:prstGeom>
+            <a:solidFill>
+              <a:schemeClr val="accent2">
+                <a:lumMod val="60000"/>
+                <a:lumOff val="40000"/>
+              </a:schemeClr>
+            </a:solidFill>
+            <a:ln w="38100"/>
+          </p:spPr>
+          <p:style>
+            <a:lnRef idx="2">
+              <a:schemeClr val="accent1">
+                <a:lumMod val="75000"/>
+              </a:schemeClr>
+            </a:lnRef>
+            <a:fillRef idx="1">
+              <a:schemeClr val="accent1"/>
+            </a:fillRef>
+            <a:effectRef idx="0">
+              <a:srgbClr val="FFFFFF"/>
+            </a:effectRef>
+            <a:fontRef idx="minor">
+              <a:schemeClr val="lt1"/>
+            </a:fontRef>
+          </p:style>
+          <p:txBody>
+            <a:bodyPr rtlCol="0" anchor="ctr"/>
+            <a:p>
+              <a:pPr algn="ctr"/>
+              <a:endParaRPr lang="zh-CN" altLang="en-US"/>
+            </a:p>
+          </p:txBody>
+        </p:sp>
+        <p:sp>
+          <p:nvSpPr>
+            <p:cNvPr id="37" name="矩形 36"/>
+            <p:cNvSpPr/>
+            <p:nvPr/>
+          </p:nvSpPr>
+          <p:spPr>
+            <a:xfrm>
+              <a:off x="2781" y="1110"/>
+              <a:ext cx="1855" cy="1070"/>
+            </a:xfrm>
+            <a:prstGeom prst="rect">
+              <a:avLst/>
+            </a:prstGeom>
+            <a:solidFill>
+              <a:schemeClr val="accent2">
+                <a:lumMod val="60000"/>
+                <a:lumOff val="40000"/>
+              </a:schemeClr>
+            </a:solidFill>
+            <a:ln w="38100"/>
+          </p:spPr>
+          <p:style>
+            <a:lnRef idx="2">
+              <a:schemeClr val="accent1">
+                <a:lumMod val="75000"/>
+              </a:schemeClr>
+            </a:lnRef>
+            <a:fillRef idx="1">
+              <a:schemeClr val="accent1"/>
+            </a:fillRef>
+            <a:effectRef idx="0">
+              <a:srgbClr val="FFFFFF"/>
+            </a:effectRef>
+            <a:fontRef idx="minor">
+              <a:schemeClr val="lt1"/>
+            </a:fontRef>
+          </p:style>
+          <p:txBody>
+            <a:bodyPr rtlCol="0" anchor="ctr"/>
+            <a:p>
+              <a:pPr algn="ctr"/>
+              <a:endParaRPr lang="zh-CN" altLang="en-US"/>
+            </a:p>
+          </p:txBody>
+        </p:sp>
+        <p:sp>
+          <p:nvSpPr>
+            <p:cNvPr id="38" name="矩形 37"/>
+            <p:cNvSpPr/>
+            <p:nvPr/>
+          </p:nvSpPr>
+          <p:spPr>
+            <a:xfrm>
+              <a:off x="4654" y="1110"/>
+              <a:ext cx="1855" cy="1070"/>
+            </a:xfrm>
+            <a:prstGeom prst="rect">
+              <a:avLst/>
+            </a:prstGeom>
+            <a:solidFill>
+              <a:schemeClr val="accent2">
+                <a:lumMod val="60000"/>
+                <a:lumOff val="40000"/>
+              </a:schemeClr>
+            </a:solidFill>
+            <a:ln w="38100"/>
+          </p:spPr>
+          <p:style>
+            <a:lnRef idx="2">
+              <a:schemeClr val="accent1">
+                <a:lumMod val="75000"/>
+              </a:schemeClr>
+            </a:lnRef>
+            <a:fillRef idx="1">
+              <a:schemeClr val="accent1"/>
+            </a:fillRef>
+            <a:effectRef idx="0">
+              <a:srgbClr val="FFFFFF"/>
+            </a:effectRef>
+            <a:fontRef idx="minor">
+              <a:schemeClr val="lt1"/>
+            </a:fontRef>
+          </p:style>
+          <p:txBody>
+            <a:bodyPr rtlCol="0" anchor="ctr"/>
+            <a:p>
+              <a:pPr algn="ctr"/>
+              <a:endParaRPr lang="zh-CN" altLang="en-US"/>
+            </a:p>
+          </p:txBody>
+        </p:sp>
+        <p:sp>
+          <p:nvSpPr>
+            <p:cNvPr id="39" name="矩形 38"/>
+            <p:cNvSpPr/>
+            <p:nvPr/>
+          </p:nvSpPr>
+          <p:spPr>
+            <a:xfrm>
+              <a:off x="6509" y="1110"/>
+              <a:ext cx="1855" cy="1070"/>
+            </a:xfrm>
+            <a:prstGeom prst="rect">
+              <a:avLst/>
+            </a:prstGeom>
+            <a:solidFill>
+              <a:schemeClr val="accent2">
+                <a:lumMod val="60000"/>
+                <a:lumOff val="40000"/>
+              </a:schemeClr>
+            </a:solidFill>
+            <a:ln w="38100"/>
+          </p:spPr>
+          <p:style>
+            <a:lnRef idx="2">
+              <a:schemeClr val="accent1">
+                <a:lumMod val="75000"/>
+              </a:schemeClr>
+            </a:lnRef>
+            <a:fillRef idx="1">
+              <a:schemeClr val="accent1"/>
+            </a:fillRef>
+            <a:effectRef idx="0">
+              <a:srgbClr val="FFFFFF"/>
+            </a:effectRef>
+            <a:fontRef idx="minor">
+              <a:schemeClr val="lt1"/>
+            </a:fontRef>
+          </p:style>
+          <p:txBody>
+            <a:bodyPr rtlCol="0" anchor="ctr"/>
+            <a:p>
+              <a:pPr algn="ctr"/>
+              <a:endParaRPr lang="zh-CN" altLang="en-US"/>
+            </a:p>
+          </p:txBody>
+        </p:sp>
+        <p:sp>
+          <p:nvSpPr>
+            <p:cNvPr id="40" name="矩形 39"/>
+            <p:cNvSpPr/>
+            <p:nvPr/>
+          </p:nvSpPr>
+          <p:spPr>
+            <a:xfrm>
+              <a:off x="943" y="7059"/>
+              <a:ext cx="1855" cy="1070"/>
+            </a:xfrm>
+            <a:prstGeom prst="rect">
+              <a:avLst/>
+            </a:prstGeom>
+            <a:solidFill>
+              <a:schemeClr val="accent2">
+                <a:lumMod val="60000"/>
+                <a:lumOff val="40000"/>
+              </a:schemeClr>
+            </a:solidFill>
+            <a:ln w="38100"/>
+          </p:spPr>
+          <p:style>
+            <a:lnRef idx="2">
+              <a:schemeClr val="accent1">
+                <a:lumMod val="75000"/>
+              </a:schemeClr>
+            </a:lnRef>
+            <a:fillRef idx="1">
+              <a:schemeClr val="accent1"/>
+            </a:fillRef>
+            <a:effectRef idx="0">
+              <a:srgbClr val="FFFFFF"/>
+            </a:effectRef>
+            <a:fontRef idx="minor">
+              <a:schemeClr val="lt1"/>
+            </a:fontRef>
+          </p:style>
+          <p:txBody>
+            <a:bodyPr rtlCol="0" anchor="ctr"/>
+            <a:p>
+              <a:pPr algn="ctr"/>
+              <a:endParaRPr lang="zh-CN" altLang="en-US"/>
+            </a:p>
+          </p:txBody>
+        </p:sp>
+        <p:sp>
+          <p:nvSpPr>
+            <p:cNvPr id="41" name="矩形 40"/>
+            <p:cNvSpPr/>
+            <p:nvPr/>
+          </p:nvSpPr>
+          <p:spPr>
+            <a:xfrm>
+              <a:off x="908" y="5012"/>
+              <a:ext cx="1855" cy="1070"/>
+            </a:xfrm>
+            <a:prstGeom prst="rect">
+              <a:avLst/>
+            </a:prstGeom>
+            <a:solidFill>
+              <a:schemeClr val="accent2">
+                <a:lumMod val="60000"/>
+                <a:lumOff val="40000"/>
+              </a:schemeClr>
+            </a:solidFill>
+            <a:ln w="38100"/>
+          </p:spPr>
+          <p:style>
+            <a:lnRef idx="2">
+              <a:schemeClr val="accent1">
+                <a:lumMod val="75000"/>
+              </a:schemeClr>
+            </a:lnRef>
+            <a:fillRef idx="1">
+              <a:schemeClr val="accent1"/>
+            </a:fillRef>
+            <a:effectRef idx="0">
+              <a:srgbClr val="FFFFFF"/>
+            </a:effectRef>
+            <a:fontRef idx="minor">
+              <a:schemeClr val="lt1"/>
+            </a:fontRef>
+          </p:style>
+          <p:txBody>
+            <a:bodyPr rtlCol="0" anchor="ctr"/>
+            <a:p>
+              <a:pPr algn="ctr"/>
+              <a:endParaRPr lang="zh-CN" altLang="en-US"/>
+            </a:p>
+          </p:txBody>
+        </p:sp>
+        <p:sp>
+          <p:nvSpPr>
+            <p:cNvPr id="42" name="矩形 41"/>
+            <p:cNvSpPr/>
+            <p:nvPr/>
+          </p:nvSpPr>
+          <p:spPr>
+            <a:xfrm>
+              <a:off x="926" y="3035"/>
+              <a:ext cx="1855" cy="1070"/>
+            </a:xfrm>
+            <a:prstGeom prst="rect">
+              <a:avLst/>
+            </a:prstGeom>
+            <a:solidFill>
+              <a:schemeClr val="accent2">
+                <a:lumMod val="60000"/>
+                <a:lumOff val="40000"/>
+              </a:schemeClr>
+            </a:solidFill>
+            <a:ln w="38100"/>
+          </p:spPr>
+          <p:style>
+            <a:lnRef idx="2">
+              <a:schemeClr val="accent1">
+                <a:lumMod val="75000"/>
+              </a:schemeClr>
+            </a:lnRef>
+            <a:fillRef idx="1">
+              <a:schemeClr val="accent1"/>
+            </a:fillRef>
+            <a:effectRef idx="0">
+              <a:srgbClr val="FFFFFF"/>
+            </a:effectRef>
+            <a:fontRef idx="minor">
+              <a:schemeClr val="lt1"/>
+            </a:fontRef>
+          </p:style>
+          <p:txBody>
+            <a:bodyPr rtlCol="0" anchor="ctr"/>
+            <a:p>
+              <a:pPr algn="ctr"/>
+              <a:endParaRPr lang="zh-CN" altLang="en-US"/>
+            </a:p>
+          </p:txBody>
+        </p:sp>
+        <p:sp>
+          <p:nvSpPr>
+            <p:cNvPr id="43" name="矩形 42"/>
+            <p:cNvSpPr/>
+            <p:nvPr/>
+          </p:nvSpPr>
+          <p:spPr>
+            <a:xfrm>
+              <a:off x="8354" y="1110"/>
+              <a:ext cx="1855" cy="1070"/>
+            </a:xfrm>
+            <a:prstGeom prst="rect">
+              <a:avLst/>
+            </a:prstGeom>
+            <a:solidFill>
+              <a:schemeClr val="accent2">
+                <a:lumMod val="60000"/>
+                <a:lumOff val="40000"/>
+              </a:schemeClr>
+            </a:solidFill>
+            <a:ln w="38100"/>
+          </p:spPr>
+          <p:style>
+            <a:lnRef idx="2">
+              <a:schemeClr val="accent1">
+                <a:lumMod val="75000"/>
+              </a:schemeClr>
+            </a:lnRef>
+            <a:fillRef idx="1">
+              <a:schemeClr val="accent1"/>
+            </a:fillRef>
+            <a:effectRef idx="0">
+              <a:srgbClr val="FFFFFF"/>
+            </a:effectRef>
+            <a:fontRef idx="minor">
+              <a:schemeClr val="lt1"/>
+            </a:fontRef>
+          </p:style>
+          <p:txBody>
+            <a:bodyPr rtlCol="0" anchor="ctr"/>
+            <a:p>
+              <a:pPr algn="ctr"/>
+              <a:endParaRPr lang="zh-CN" altLang="en-US"/>
+            </a:p>
+          </p:txBody>
+        </p:sp>
+        <p:sp>
+          <p:nvSpPr>
+            <p:cNvPr id="44" name="下箭头 43"/>
+            <p:cNvSpPr/>
+            <p:nvPr/>
+          </p:nvSpPr>
+          <p:spPr>
+            <a:xfrm>
+              <a:off x="1556" y="2248"/>
+              <a:ext cx="648" cy="753"/>
+            </a:xfrm>
+            <a:prstGeom prst="downArrow">
+              <a:avLst/>
+            </a:prstGeom>
+            <a:solidFill>
+              <a:schemeClr val="accent4"/>
+            </a:solidFill>
+          </p:spPr>
+          <p:style>
+            <a:lnRef idx="2">
+              <a:schemeClr val="accent1">
+                <a:lumMod val="75000"/>
+              </a:schemeClr>
+            </a:lnRef>
+            <a:fillRef idx="1">
+              <a:schemeClr val="accent1"/>
+            </a:fillRef>
+            <a:effectRef idx="0">
+              <a:srgbClr val="FFFFFF"/>
+            </a:effectRef>
+            <a:fontRef idx="minor">
+              <a:schemeClr val="lt1"/>
+            </a:fontRef>
+          </p:style>
+          <p:txBody>
+            <a:bodyPr rtlCol="0" anchor="ctr"/>
+            <a:p>
+              <a:pPr algn="ctr"/>
+              <a:endParaRPr lang="zh-CN" altLang="en-US"/>
+            </a:p>
+          </p:txBody>
+        </p:sp>
+        <p:sp>
+          <p:nvSpPr>
+            <p:cNvPr id="45" name="下箭头 44"/>
+            <p:cNvSpPr/>
+            <p:nvPr/>
+          </p:nvSpPr>
+          <p:spPr>
+            <a:xfrm>
+              <a:off x="1556" y="4207"/>
+              <a:ext cx="648" cy="753"/>
+            </a:xfrm>
+            <a:prstGeom prst="downArrow">
+              <a:avLst/>
+            </a:prstGeom>
+            <a:solidFill>
+              <a:schemeClr val="accent4"/>
+            </a:solidFill>
+          </p:spPr>
+          <p:style>
+            <a:lnRef idx="2">
+              <a:schemeClr val="accent1">
+                <a:lumMod val="75000"/>
+              </a:schemeClr>
+            </a:lnRef>
+            <a:fillRef idx="1">
+              <a:schemeClr val="accent1"/>
+            </a:fillRef>
+            <a:effectRef idx="0">
+              <a:srgbClr val="FFFFFF"/>
+            </a:effectRef>
+            <a:fontRef idx="minor">
+              <a:schemeClr val="lt1"/>
+            </a:fontRef>
+          </p:style>
+          <p:txBody>
+            <a:bodyPr rtlCol="0" anchor="ctr"/>
+            <a:p>
+              <a:pPr algn="ctr"/>
+              <a:endParaRPr lang="zh-CN" altLang="en-US"/>
+            </a:p>
+          </p:txBody>
+        </p:sp>
+        <p:sp>
+          <p:nvSpPr>
+            <p:cNvPr id="46" name="下箭头 45"/>
+            <p:cNvSpPr/>
+            <p:nvPr/>
+          </p:nvSpPr>
+          <p:spPr>
+            <a:xfrm>
+              <a:off x="1556" y="6194"/>
+              <a:ext cx="648" cy="753"/>
+            </a:xfrm>
+            <a:prstGeom prst="downArrow">
+              <a:avLst/>
+            </a:prstGeom>
+            <a:solidFill>
+              <a:schemeClr val="accent4"/>
+            </a:solidFill>
+          </p:spPr>
+          <p:style>
+            <a:lnRef idx="2">
+              <a:schemeClr val="accent1">
+                <a:lumMod val="75000"/>
+              </a:schemeClr>
+            </a:lnRef>
+            <a:fillRef idx="1">
+              <a:schemeClr val="accent1"/>
+            </a:fillRef>
+            <a:effectRef idx="0">
+              <a:srgbClr val="FFFFFF"/>
+            </a:effectRef>
+            <a:fontRef idx="minor">
+              <a:schemeClr val="lt1"/>
+            </a:fontRef>
+          </p:style>
+          <p:txBody>
+            <a:bodyPr rtlCol="0" anchor="ctr"/>
+            <a:p>
+              <a:pPr algn="ctr"/>
+              <a:endParaRPr lang="zh-CN" altLang="en-US"/>
+            </a:p>
+          </p:txBody>
+        </p:sp>
+        <p:sp>
+          <p:nvSpPr>
+            <p:cNvPr id="47" name="矩形 46"/>
+            <p:cNvSpPr/>
+            <p:nvPr/>
+          </p:nvSpPr>
+          <p:spPr>
+            <a:xfrm>
+              <a:off x="4653" y="7059"/>
+              <a:ext cx="1855" cy="1070"/>
+            </a:xfrm>
+            <a:prstGeom prst="rect">
+              <a:avLst/>
+            </a:prstGeom>
+            <a:solidFill>
+              <a:schemeClr val="accent2">
+                <a:lumMod val="60000"/>
+                <a:lumOff val="40000"/>
+              </a:schemeClr>
+            </a:solidFill>
+            <a:ln w="38100"/>
+          </p:spPr>
+          <p:style>
+            <a:lnRef idx="2">
+              <a:schemeClr val="accent1">
+                <a:lumMod val="75000"/>
+              </a:schemeClr>
+            </a:lnRef>
+            <a:fillRef idx="1">
+              <a:schemeClr val="accent1"/>
+            </a:fillRef>
+            <a:effectRef idx="0">
+              <a:srgbClr val="FFFFFF"/>
+            </a:effectRef>
+            <a:fontRef idx="minor">
+              <a:schemeClr val="lt1"/>
+            </a:fontRef>
+          </p:style>
+          <p:txBody>
+            <a:bodyPr rtlCol="0" anchor="ctr"/>
+            <a:p>
+              <a:pPr algn="ctr"/>
+              <a:endParaRPr lang="zh-CN" altLang="en-US"/>
+            </a:p>
+          </p:txBody>
+        </p:sp>
+        <p:sp>
+          <p:nvSpPr>
+            <p:cNvPr id="48" name="矩形 47"/>
+            <p:cNvSpPr/>
+            <p:nvPr/>
+          </p:nvSpPr>
+          <p:spPr>
+            <a:xfrm>
+              <a:off x="4618" y="5012"/>
+              <a:ext cx="1855" cy="1070"/>
+            </a:xfrm>
+            <a:prstGeom prst="rect">
+              <a:avLst/>
+            </a:prstGeom>
+            <a:solidFill>
+              <a:schemeClr val="accent2">
+                <a:lumMod val="60000"/>
+                <a:lumOff val="40000"/>
+              </a:schemeClr>
+            </a:solidFill>
+            <a:ln w="38100"/>
+          </p:spPr>
+          <p:style>
+            <a:lnRef idx="2">
+              <a:schemeClr val="accent1">
+                <a:lumMod val="75000"/>
+              </a:schemeClr>
+            </a:lnRef>
+            <a:fillRef idx="1">
+              <a:schemeClr val="accent1"/>
+            </a:fillRef>
+            <a:effectRef idx="0">
+              <a:srgbClr val="FFFFFF"/>
+            </a:effectRef>
+            <a:fontRef idx="minor">
+              <a:schemeClr val="lt1"/>
+            </a:fontRef>
+          </p:style>
+          <p:txBody>
+            <a:bodyPr rtlCol="0" anchor="ctr"/>
+            <a:p>
+              <a:pPr algn="ctr"/>
+              <a:endParaRPr lang="zh-CN" altLang="en-US"/>
+            </a:p>
+          </p:txBody>
+        </p:sp>
+        <p:sp>
+          <p:nvSpPr>
+            <p:cNvPr id="49" name="矩形 48"/>
+            <p:cNvSpPr/>
+            <p:nvPr/>
+          </p:nvSpPr>
+          <p:spPr>
+            <a:xfrm>
+              <a:off x="4636" y="3035"/>
+              <a:ext cx="1855" cy="1070"/>
+            </a:xfrm>
+            <a:prstGeom prst="rect">
+              <a:avLst/>
+            </a:prstGeom>
+            <a:solidFill>
+              <a:schemeClr val="accent2">
+                <a:lumMod val="60000"/>
+                <a:lumOff val="40000"/>
+              </a:schemeClr>
+            </a:solidFill>
+            <a:ln w="38100"/>
+          </p:spPr>
+          <p:style>
+            <a:lnRef idx="2">
+              <a:schemeClr val="accent1">
+                <a:lumMod val="75000"/>
+              </a:schemeClr>
+            </a:lnRef>
+            <a:fillRef idx="1">
+              <a:schemeClr val="accent1"/>
+            </a:fillRef>
+            <a:effectRef idx="0">
+              <a:srgbClr val="FFFFFF"/>
+            </a:effectRef>
+            <a:fontRef idx="minor">
+              <a:schemeClr val="lt1"/>
+            </a:fontRef>
+          </p:style>
+          <p:txBody>
+            <a:bodyPr rtlCol="0" anchor="ctr"/>
+            <a:p>
+              <a:pPr algn="ctr"/>
+              <a:endParaRPr lang="zh-CN" altLang="en-US"/>
+            </a:p>
+          </p:txBody>
+        </p:sp>
+        <p:sp>
+          <p:nvSpPr>
+            <p:cNvPr id="50" name="下箭头 49"/>
+            <p:cNvSpPr/>
+            <p:nvPr/>
+          </p:nvSpPr>
+          <p:spPr>
+            <a:xfrm>
+              <a:off x="5266" y="2248"/>
+              <a:ext cx="648" cy="753"/>
+            </a:xfrm>
+            <a:prstGeom prst="downArrow">
+              <a:avLst/>
+            </a:prstGeom>
+            <a:solidFill>
+              <a:schemeClr val="accent4"/>
+            </a:solidFill>
+          </p:spPr>
+          <p:style>
+            <a:lnRef idx="2">
+              <a:schemeClr val="accent1">
+                <a:lumMod val="75000"/>
+              </a:schemeClr>
+            </a:lnRef>
+            <a:fillRef idx="1">
+              <a:schemeClr val="accent1"/>
+            </a:fillRef>
+            <a:effectRef idx="0">
+              <a:srgbClr val="FFFFFF"/>
+            </a:effectRef>
+            <a:fontRef idx="minor">
+              <a:schemeClr val="lt1"/>
+            </a:fontRef>
+          </p:style>
+          <p:txBody>
+            <a:bodyPr rtlCol="0" anchor="ctr"/>
+            <a:p>
+              <a:pPr algn="ctr"/>
+              <a:endParaRPr lang="zh-CN" altLang="en-US"/>
+            </a:p>
+          </p:txBody>
+        </p:sp>
+        <p:sp>
+          <p:nvSpPr>
+            <p:cNvPr id="51" name="下箭头 50"/>
+            <p:cNvSpPr/>
+            <p:nvPr/>
+          </p:nvSpPr>
+          <p:spPr>
+            <a:xfrm>
+              <a:off x="5266" y="4207"/>
+              <a:ext cx="648" cy="753"/>
+            </a:xfrm>
+            <a:prstGeom prst="downArrow">
+              <a:avLst/>
+            </a:prstGeom>
+            <a:solidFill>
+              <a:schemeClr val="accent4"/>
+            </a:solidFill>
+          </p:spPr>
+          <p:style>
+            <a:lnRef idx="2">
+              <a:schemeClr val="accent1">
+                <a:lumMod val="75000"/>
+              </a:schemeClr>
+            </a:lnRef>
+            <a:fillRef idx="1">
+              <a:schemeClr val="accent1"/>
+            </a:fillRef>
+            <a:effectRef idx="0">
+              <a:srgbClr val="FFFFFF"/>
+            </a:effectRef>
+            <a:fontRef idx="minor">
+              <a:schemeClr val="lt1"/>
+            </a:fontRef>
+          </p:style>
+          <p:txBody>
+            <a:bodyPr rtlCol="0" anchor="ctr"/>
+            <a:p>
+              <a:pPr algn="ctr"/>
+              <a:endParaRPr lang="zh-CN" altLang="en-US"/>
+            </a:p>
+          </p:txBody>
+        </p:sp>
+        <p:sp>
+          <p:nvSpPr>
+            <p:cNvPr id="52" name="下箭头 51"/>
+            <p:cNvSpPr/>
+            <p:nvPr/>
+          </p:nvSpPr>
+          <p:spPr>
+            <a:xfrm>
+              <a:off x="5266" y="6194"/>
+              <a:ext cx="648" cy="753"/>
+            </a:xfrm>
+            <a:prstGeom prst="downArrow">
+              <a:avLst/>
+            </a:prstGeom>
+            <a:solidFill>
+              <a:schemeClr val="accent4"/>
+            </a:solidFill>
+          </p:spPr>
+          <p:style>
+            <a:lnRef idx="2">
+              <a:schemeClr val="accent1">
+                <a:lumMod val="75000"/>
+              </a:schemeClr>
+            </a:lnRef>
+            <a:fillRef idx="1">
+              <a:schemeClr val="accent1"/>
+            </a:fillRef>
+            <a:effectRef idx="0">
+              <a:srgbClr val="FFFFFF"/>
+            </a:effectRef>
+            <a:fontRef idx="minor">
+              <a:schemeClr val="lt1"/>
+            </a:fontRef>
+          </p:style>
+          <p:txBody>
+            <a:bodyPr rtlCol="0" anchor="ctr"/>
+            <a:p>
+              <a:pPr algn="ctr"/>
+              <a:endParaRPr lang="zh-CN" altLang="en-US"/>
+            </a:p>
+          </p:txBody>
+        </p:sp>
+        <p:sp>
+          <p:nvSpPr>
+            <p:cNvPr id="53" name="矩形 52"/>
+            <p:cNvSpPr/>
+            <p:nvPr/>
+          </p:nvSpPr>
+          <p:spPr>
+            <a:xfrm>
+              <a:off x="8389" y="7059"/>
+              <a:ext cx="1855" cy="1070"/>
+            </a:xfrm>
+            <a:prstGeom prst="rect">
+              <a:avLst/>
+            </a:prstGeom>
+            <a:solidFill>
+              <a:schemeClr val="accent2">
+                <a:lumMod val="60000"/>
+                <a:lumOff val="40000"/>
+              </a:schemeClr>
+            </a:solidFill>
+            <a:ln w="38100"/>
+          </p:spPr>
+          <p:style>
+            <a:lnRef idx="2">
+              <a:schemeClr val="accent1">
+                <a:lumMod val="75000"/>
+              </a:schemeClr>
+            </a:lnRef>
+            <a:fillRef idx="1">
+              <a:schemeClr val="accent1"/>
+            </a:fillRef>
+            <a:effectRef idx="0">
+              <a:srgbClr val="FFFFFF"/>
+            </a:effectRef>
+            <a:fontRef idx="minor">
+              <a:schemeClr val="lt1"/>
+            </a:fontRef>
+          </p:style>
+          <p:txBody>
+            <a:bodyPr rtlCol="0" anchor="ctr"/>
+            <a:p>
+              <a:pPr algn="ctr"/>
+              <a:endParaRPr lang="zh-CN" altLang="en-US"/>
+            </a:p>
+          </p:txBody>
+        </p:sp>
+        <p:sp>
+          <p:nvSpPr>
+            <p:cNvPr id="54" name="矩形 53"/>
+            <p:cNvSpPr/>
+            <p:nvPr/>
+          </p:nvSpPr>
+          <p:spPr>
+            <a:xfrm>
+              <a:off x="8354" y="5012"/>
+              <a:ext cx="1855" cy="1070"/>
+            </a:xfrm>
+            <a:prstGeom prst="rect">
+              <a:avLst/>
+            </a:prstGeom>
+            <a:solidFill>
+              <a:schemeClr val="accent2">
+                <a:lumMod val="60000"/>
+                <a:lumOff val="40000"/>
+              </a:schemeClr>
+            </a:solidFill>
+            <a:ln w="38100"/>
+          </p:spPr>
+          <p:style>
+            <a:lnRef idx="2">
+              <a:schemeClr val="accent1">
+                <a:lumMod val="75000"/>
+              </a:schemeClr>
+            </a:lnRef>
+            <a:fillRef idx="1">
+              <a:schemeClr val="accent1"/>
+            </a:fillRef>
+            <a:effectRef idx="0">
+              <a:srgbClr val="FFFFFF"/>
+            </a:effectRef>
+            <a:fontRef idx="minor">
+              <a:schemeClr val="lt1"/>
+            </a:fontRef>
+          </p:style>
+          <p:txBody>
+            <a:bodyPr rtlCol="0" anchor="ctr"/>
+            <a:p>
+              <a:pPr algn="ctr"/>
+              <a:endParaRPr lang="zh-CN" altLang="en-US"/>
+            </a:p>
+          </p:txBody>
+        </p:sp>
+        <p:sp>
+          <p:nvSpPr>
+            <p:cNvPr id="55" name="矩形 54"/>
+            <p:cNvSpPr/>
+            <p:nvPr/>
+          </p:nvSpPr>
+          <p:spPr>
+            <a:xfrm>
+              <a:off x="8372" y="3035"/>
+              <a:ext cx="1855" cy="1070"/>
+            </a:xfrm>
+            <a:prstGeom prst="rect">
+              <a:avLst/>
+            </a:prstGeom>
+            <a:solidFill>
+              <a:schemeClr val="accent2">
+                <a:lumMod val="60000"/>
+                <a:lumOff val="40000"/>
+              </a:schemeClr>
+            </a:solidFill>
+            <a:ln w="38100"/>
+          </p:spPr>
+          <p:style>
+            <a:lnRef idx="2">
+              <a:schemeClr val="accent1">
+                <a:lumMod val="75000"/>
+              </a:schemeClr>
+            </a:lnRef>
+            <a:fillRef idx="1">
+              <a:schemeClr val="accent1"/>
+            </a:fillRef>
+            <a:effectRef idx="0">
+              <a:srgbClr val="FFFFFF"/>
+            </a:effectRef>
+            <a:fontRef idx="minor">
+              <a:schemeClr val="lt1"/>
+            </a:fontRef>
+          </p:style>
+          <p:txBody>
+            <a:bodyPr rtlCol="0" anchor="ctr"/>
+            <a:p>
+              <a:pPr algn="ctr"/>
+              <a:endParaRPr lang="zh-CN" altLang="en-US"/>
+            </a:p>
+          </p:txBody>
+        </p:sp>
+        <p:sp>
+          <p:nvSpPr>
+            <p:cNvPr id="56" name="下箭头 55"/>
+            <p:cNvSpPr/>
+            <p:nvPr/>
+          </p:nvSpPr>
+          <p:spPr>
+            <a:xfrm>
+              <a:off x="9002" y="2248"/>
+              <a:ext cx="648" cy="753"/>
+            </a:xfrm>
+            <a:prstGeom prst="downArrow">
+              <a:avLst/>
+            </a:prstGeom>
+            <a:solidFill>
+              <a:schemeClr val="accent4"/>
+            </a:solidFill>
+          </p:spPr>
+          <p:style>
+            <a:lnRef idx="2">
+              <a:schemeClr val="accent1">
+                <a:lumMod val="75000"/>
+              </a:schemeClr>
+            </a:lnRef>
+            <a:fillRef idx="1">
+              <a:schemeClr val="accent1"/>
+            </a:fillRef>
+            <a:effectRef idx="0">
+              <a:srgbClr val="FFFFFF"/>
+            </a:effectRef>
+            <a:fontRef idx="minor">
+              <a:schemeClr val="lt1"/>
+            </a:fontRef>
+          </p:style>
+          <p:txBody>
+            <a:bodyPr rtlCol="0" anchor="ctr"/>
+            <a:p>
+              <a:pPr algn="ctr"/>
+              <a:endParaRPr lang="zh-CN" altLang="en-US"/>
+            </a:p>
+          </p:txBody>
+        </p:sp>
+        <p:sp>
+          <p:nvSpPr>
+            <p:cNvPr id="57" name="下箭头 56"/>
+            <p:cNvSpPr/>
+            <p:nvPr/>
+          </p:nvSpPr>
+          <p:spPr>
+            <a:xfrm>
+              <a:off x="9002" y="4207"/>
+              <a:ext cx="648" cy="753"/>
+            </a:xfrm>
+            <a:prstGeom prst="downArrow">
+              <a:avLst/>
+            </a:prstGeom>
+            <a:solidFill>
+              <a:schemeClr val="accent4"/>
+            </a:solidFill>
+          </p:spPr>
+          <p:style>
+            <a:lnRef idx="2">
+              <a:schemeClr val="accent1">
+                <a:lumMod val="75000"/>
+              </a:schemeClr>
+            </a:lnRef>
+            <a:fillRef idx="1">
+              <a:schemeClr val="accent1"/>
+            </a:fillRef>
+            <a:effectRef idx="0">
+              <a:srgbClr val="FFFFFF"/>
+            </a:effectRef>
+            <a:fontRef idx="minor">
+              <a:schemeClr val="lt1"/>
+            </a:fontRef>
+          </p:style>
+          <p:txBody>
+            <a:bodyPr rtlCol="0" anchor="ctr"/>
+            <a:p>
+              <a:pPr algn="ctr"/>
+              <a:endParaRPr lang="zh-CN" altLang="en-US"/>
+            </a:p>
+          </p:txBody>
+        </p:sp>
+        <p:sp>
+          <p:nvSpPr>
+            <p:cNvPr id="58" name="下箭头 57"/>
+            <p:cNvSpPr/>
+            <p:nvPr/>
+          </p:nvSpPr>
+          <p:spPr>
+            <a:xfrm>
+              <a:off x="9002" y="6194"/>
+              <a:ext cx="648" cy="753"/>
+            </a:xfrm>
+            <a:prstGeom prst="downArrow">
+              <a:avLst/>
+            </a:prstGeom>
+            <a:solidFill>
+              <a:schemeClr val="accent4"/>
+            </a:solidFill>
+          </p:spPr>
+          <p:style>
+            <a:lnRef idx="2">
+              <a:schemeClr val="accent1">
+                <a:lumMod val="75000"/>
+              </a:schemeClr>
+            </a:lnRef>
+            <a:fillRef idx="1">
+              <a:schemeClr val="accent1"/>
+            </a:fillRef>
+            <a:effectRef idx="0">
+              <a:srgbClr val="FFFFFF"/>
+            </a:effectRef>
+            <a:fontRef idx="minor">
+              <a:schemeClr val="lt1"/>
+            </a:fontRef>
+          </p:style>
+          <p:txBody>
+            <a:bodyPr rtlCol="0" anchor="ctr"/>
+            <a:p>
+              <a:pPr algn="ctr"/>
+              <a:endParaRPr lang="zh-CN" altLang="en-US"/>
+            </a:p>
+          </p:txBody>
+        </p:sp>
+      </p:grpSp>
+      <p:pic>
+        <p:nvPicPr>
+          <p:cNvPr id="59" name="图片 58" descr="解锁"/>
+          <p:cNvPicPr>
+            <a:picLocks noChangeAspect="1"/>
+          </p:cNvPicPr>
+          <p:nvPr/>
+        </p:nvPicPr>
+        <p:blipFill>
+          <a:blip r:embed="rId1"/>
+          <a:stretch>
+            <a:fillRect/>
+          </a:stretch>
+        </p:blipFill>
+        <p:spPr>
+          <a:xfrm>
+            <a:off x="2580640" y="173355"/>
+            <a:ext cx="721360" cy="721360"/>
+          </a:xfrm>
+          <a:prstGeom prst="rect">
+            <a:avLst/>
+          </a:prstGeom>
+        </p:spPr>
+      </p:pic>
+      <p:grpSp>
+        <p:nvGrpSpPr>
+          <p:cNvPr id="34" name="组合 33"/>
+          <p:cNvGrpSpPr/>
+          <p:nvPr/>
+        </p:nvGrpSpPr>
+        <p:grpSpPr>
+          <a:xfrm rot="0">
+            <a:off x="335915" y="1574800"/>
+            <a:ext cx="5194935" cy="3890645"/>
+            <a:chOff x="908" y="1110"/>
+            <a:chExt cx="9335" cy="7019"/>
+          </a:xfrm>
+        </p:grpSpPr>
+        <p:sp>
+          <p:nvSpPr>
+            <p:cNvPr id="5" name="矩形 4"/>
+            <p:cNvSpPr/>
+            <p:nvPr/>
+          </p:nvSpPr>
+          <p:spPr>
+            <a:xfrm>
+              <a:off x="926" y="1110"/>
+              <a:ext cx="1855" cy="1070"/>
+            </a:xfrm>
+            <a:prstGeom prst="rect">
+              <a:avLst/>
+            </a:prstGeom>
+            <a:solidFill>
+              <a:schemeClr val="accent2">
+                <a:lumMod val="60000"/>
+                <a:lumOff val="40000"/>
+              </a:schemeClr>
+            </a:solidFill>
+            <a:ln w="38100"/>
+          </p:spPr>
+          <p:style>
+            <a:lnRef idx="2">
+              <a:schemeClr val="accent1">
+                <a:lumMod val="75000"/>
+              </a:schemeClr>
+            </a:lnRef>
+            <a:fillRef idx="1">
+              <a:schemeClr val="accent1"/>
+            </a:fillRef>
+            <a:effectRef idx="0">
+              <a:srgbClr val="FFFFFF"/>
+            </a:effectRef>
+            <a:fontRef idx="minor">
+              <a:schemeClr val="lt1"/>
+            </a:fontRef>
+          </p:style>
+          <p:txBody>
+            <a:bodyPr rtlCol="0" anchor="ctr"/>
+            <a:p>
+              <a:pPr algn="ctr"/>
+              <a:endParaRPr lang="zh-CN" altLang="en-US"/>
+            </a:p>
+          </p:txBody>
+        </p:sp>
+        <p:sp>
+          <p:nvSpPr>
+            <p:cNvPr id="6" name="矩形 5"/>
+            <p:cNvSpPr/>
+            <p:nvPr/>
+          </p:nvSpPr>
+          <p:spPr>
+            <a:xfrm>
+              <a:off x="2781" y="1110"/>
+              <a:ext cx="1855" cy="1070"/>
+            </a:xfrm>
+            <a:prstGeom prst="rect">
+              <a:avLst/>
+            </a:prstGeom>
+            <a:solidFill>
+              <a:schemeClr val="accent2">
+                <a:lumMod val="60000"/>
+                <a:lumOff val="40000"/>
+              </a:schemeClr>
+            </a:solidFill>
+            <a:ln w="38100"/>
+          </p:spPr>
+          <p:style>
+            <a:lnRef idx="2">
+              <a:schemeClr val="accent1">
+                <a:lumMod val="75000"/>
+              </a:schemeClr>
+            </a:lnRef>
+            <a:fillRef idx="1">
+              <a:schemeClr val="accent1"/>
+            </a:fillRef>
+            <a:effectRef idx="0">
+              <a:srgbClr val="FFFFFF"/>
+            </a:effectRef>
+            <a:fontRef idx="minor">
+              <a:schemeClr val="lt1"/>
+            </a:fontRef>
+          </p:style>
+          <p:txBody>
+            <a:bodyPr rtlCol="0" anchor="ctr"/>
+            <a:p>
+              <a:pPr algn="ctr"/>
+              <a:endParaRPr lang="zh-CN" altLang="en-US"/>
+            </a:p>
+          </p:txBody>
+        </p:sp>
+        <p:sp>
+          <p:nvSpPr>
+            <p:cNvPr id="7" name="矩形 6"/>
+            <p:cNvSpPr/>
+            <p:nvPr/>
+          </p:nvSpPr>
+          <p:spPr>
+            <a:xfrm>
+              <a:off x="4654" y="1110"/>
+              <a:ext cx="1855" cy="1070"/>
+            </a:xfrm>
+            <a:prstGeom prst="rect">
+              <a:avLst/>
+            </a:prstGeom>
+            <a:solidFill>
+              <a:schemeClr val="accent2">
+                <a:lumMod val="60000"/>
+                <a:lumOff val="40000"/>
+              </a:schemeClr>
+            </a:solidFill>
+            <a:ln w="38100"/>
+          </p:spPr>
+          <p:style>
+            <a:lnRef idx="2">
+              <a:schemeClr val="accent1">
+                <a:lumMod val="75000"/>
+              </a:schemeClr>
+            </a:lnRef>
+            <a:fillRef idx="1">
+              <a:schemeClr val="accent1"/>
+            </a:fillRef>
+            <a:effectRef idx="0">
+              <a:srgbClr val="FFFFFF"/>
+            </a:effectRef>
+            <a:fontRef idx="minor">
+              <a:schemeClr val="lt1"/>
+            </a:fontRef>
+          </p:style>
+          <p:txBody>
+            <a:bodyPr rtlCol="0" anchor="ctr"/>
+            <a:p>
+              <a:pPr algn="ctr"/>
+              <a:endParaRPr lang="zh-CN" altLang="en-US"/>
+            </a:p>
+          </p:txBody>
+        </p:sp>
+        <p:sp>
+          <p:nvSpPr>
+            <p:cNvPr id="8" name="矩形 7"/>
+            <p:cNvSpPr/>
+            <p:nvPr/>
+          </p:nvSpPr>
+          <p:spPr>
+            <a:xfrm>
+              <a:off x="6509" y="1110"/>
+              <a:ext cx="1855" cy="1070"/>
+            </a:xfrm>
+            <a:prstGeom prst="rect">
+              <a:avLst/>
+            </a:prstGeom>
+            <a:solidFill>
+              <a:schemeClr val="accent2">
+                <a:lumMod val="60000"/>
+                <a:lumOff val="40000"/>
+              </a:schemeClr>
+            </a:solidFill>
+            <a:ln w="38100"/>
+          </p:spPr>
+          <p:style>
+            <a:lnRef idx="2">
+              <a:schemeClr val="accent1">
+                <a:lumMod val="75000"/>
+              </a:schemeClr>
+            </a:lnRef>
+            <a:fillRef idx="1">
+              <a:schemeClr val="accent1"/>
+            </a:fillRef>
+            <a:effectRef idx="0">
+              <a:srgbClr val="FFFFFF"/>
+            </a:effectRef>
+            <a:fontRef idx="minor">
+              <a:schemeClr val="lt1"/>
+            </a:fontRef>
+          </p:style>
+          <p:txBody>
+            <a:bodyPr rtlCol="0" anchor="ctr"/>
+            <a:p>
+              <a:pPr algn="ctr"/>
+              <a:endParaRPr lang="zh-CN" altLang="en-US"/>
+            </a:p>
+          </p:txBody>
+        </p:sp>
+        <p:sp>
+          <p:nvSpPr>
+            <p:cNvPr id="9" name="矩形 8"/>
+            <p:cNvSpPr/>
+            <p:nvPr/>
+          </p:nvSpPr>
+          <p:spPr>
+            <a:xfrm>
+              <a:off x="943" y="7059"/>
+              <a:ext cx="1855" cy="1070"/>
+            </a:xfrm>
+            <a:prstGeom prst="rect">
+              <a:avLst/>
+            </a:prstGeom>
+            <a:solidFill>
+              <a:schemeClr val="accent2">
+                <a:lumMod val="60000"/>
+                <a:lumOff val="40000"/>
+              </a:schemeClr>
+            </a:solidFill>
+            <a:ln w="38100"/>
+          </p:spPr>
+          <p:style>
+            <a:lnRef idx="2">
+              <a:schemeClr val="accent1">
+                <a:lumMod val="75000"/>
+              </a:schemeClr>
+            </a:lnRef>
+            <a:fillRef idx="1">
+              <a:schemeClr val="accent1"/>
+            </a:fillRef>
+            <a:effectRef idx="0">
+              <a:srgbClr val="FFFFFF"/>
+            </a:effectRef>
+            <a:fontRef idx="minor">
+              <a:schemeClr val="lt1"/>
+            </a:fontRef>
+          </p:style>
+          <p:txBody>
+            <a:bodyPr rtlCol="0" anchor="ctr"/>
+            <a:p>
+              <a:pPr algn="ctr"/>
+              <a:endParaRPr lang="zh-CN" altLang="en-US"/>
+            </a:p>
+          </p:txBody>
+        </p:sp>
+        <p:sp>
+          <p:nvSpPr>
+            <p:cNvPr id="10" name="矩形 9"/>
+            <p:cNvSpPr/>
+            <p:nvPr/>
+          </p:nvSpPr>
+          <p:spPr>
+            <a:xfrm>
+              <a:off x="908" y="5012"/>
+              <a:ext cx="1855" cy="1070"/>
+            </a:xfrm>
+            <a:prstGeom prst="rect">
+              <a:avLst/>
+            </a:prstGeom>
+            <a:solidFill>
+              <a:schemeClr val="accent2">
+                <a:lumMod val="60000"/>
+                <a:lumOff val="40000"/>
+              </a:schemeClr>
+            </a:solidFill>
+            <a:ln w="38100"/>
+          </p:spPr>
+          <p:style>
+            <a:lnRef idx="2">
+              <a:schemeClr val="accent1">
+                <a:lumMod val="75000"/>
+              </a:schemeClr>
+            </a:lnRef>
+            <a:fillRef idx="1">
+              <a:schemeClr val="accent1"/>
+            </a:fillRef>
+            <a:effectRef idx="0">
+              <a:srgbClr val="FFFFFF"/>
+            </a:effectRef>
+            <a:fontRef idx="minor">
+              <a:schemeClr val="lt1"/>
+            </a:fontRef>
+          </p:style>
+          <p:txBody>
+            <a:bodyPr rtlCol="0" anchor="ctr"/>
+            <a:p>
+              <a:pPr algn="ctr"/>
+              <a:endParaRPr lang="zh-CN" altLang="en-US"/>
+            </a:p>
+          </p:txBody>
+        </p:sp>
+        <p:sp>
+          <p:nvSpPr>
+            <p:cNvPr id="11" name="矩形 10"/>
+            <p:cNvSpPr/>
+            <p:nvPr/>
+          </p:nvSpPr>
+          <p:spPr>
+            <a:xfrm>
+              <a:off x="926" y="3035"/>
+              <a:ext cx="1855" cy="1070"/>
+            </a:xfrm>
+            <a:prstGeom prst="rect">
+              <a:avLst/>
+            </a:prstGeom>
+            <a:solidFill>
+              <a:schemeClr val="accent2">
+                <a:lumMod val="60000"/>
+                <a:lumOff val="40000"/>
+              </a:schemeClr>
+            </a:solidFill>
+            <a:ln w="38100"/>
+          </p:spPr>
+          <p:style>
+            <a:lnRef idx="2">
+              <a:schemeClr val="accent1">
+                <a:lumMod val="75000"/>
+              </a:schemeClr>
+            </a:lnRef>
+            <a:fillRef idx="1">
+              <a:schemeClr val="accent1"/>
+            </a:fillRef>
+            <a:effectRef idx="0">
+              <a:srgbClr val="FFFFFF"/>
+            </a:effectRef>
+            <a:fontRef idx="minor">
+              <a:schemeClr val="lt1"/>
+            </a:fontRef>
+          </p:style>
+          <p:txBody>
+            <a:bodyPr rtlCol="0" anchor="ctr"/>
+            <a:p>
+              <a:pPr algn="ctr"/>
+              <a:endParaRPr lang="zh-CN" altLang="en-US"/>
+            </a:p>
+          </p:txBody>
+        </p:sp>
+        <p:sp>
+          <p:nvSpPr>
+            <p:cNvPr id="18" name="矩形 17"/>
+            <p:cNvSpPr/>
+            <p:nvPr/>
+          </p:nvSpPr>
+          <p:spPr>
+            <a:xfrm>
+              <a:off x="8354" y="1110"/>
+              <a:ext cx="1855" cy="1070"/>
+            </a:xfrm>
+            <a:prstGeom prst="rect">
+              <a:avLst/>
+            </a:prstGeom>
+            <a:solidFill>
+              <a:schemeClr val="accent2">
+                <a:lumMod val="60000"/>
+                <a:lumOff val="40000"/>
+              </a:schemeClr>
+            </a:solidFill>
+            <a:ln w="38100"/>
+          </p:spPr>
+          <p:style>
+            <a:lnRef idx="2">
+              <a:schemeClr val="accent1">
+                <a:lumMod val="75000"/>
+              </a:schemeClr>
+            </a:lnRef>
+            <a:fillRef idx="1">
+              <a:schemeClr val="accent1"/>
+            </a:fillRef>
+            <a:effectRef idx="0">
+              <a:srgbClr val="FFFFFF"/>
+            </a:effectRef>
+            <a:fontRef idx="minor">
+              <a:schemeClr val="lt1"/>
+            </a:fontRef>
+          </p:style>
+          <p:txBody>
+            <a:bodyPr rtlCol="0" anchor="ctr"/>
+            <a:p>
+              <a:pPr algn="ctr"/>
+              <a:endParaRPr lang="zh-CN" altLang="en-US"/>
+            </a:p>
+          </p:txBody>
+        </p:sp>
+        <p:sp>
+          <p:nvSpPr>
+            <p:cNvPr id="19" name="下箭头 18"/>
+            <p:cNvSpPr/>
+            <p:nvPr/>
+          </p:nvSpPr>
+          <p:spPr>
+            <a:xfrm>
+              <a:off x="1556" y="2248"/>
+              <a:ext cx="648" cy="753"/>
+            </a:xfrm>
+            <a:prstGeom prst="downArrow">
+              <a:avLst/>
+            </a:prstGeom>
+            <a:solidFill>
+              <a:schemeClr val="accent4"/>
+            </a:solidFill>
+          </p:spPr>
+          <p:style>
+            <a:lnRef idx="2">
+              <a:schemeClr val="accent1">
+                <a:lumMod val="75000"/>
+              </a:schemeClr>
+            </a:lnRef>
+            <a:fillRef idx="1">
+              <a:schemeClr val="accent1"/>
+            </a:fillRef>
+            <a:effectRef idx="0">
+              <a:srgbClr val="FFFFFF"/>
+            </a:effectRef>
+            <a:fontRef idx="minor">
+              <a:schemeClr val="lt1"/>
+            </a:fontRef>
+          </p:style>
+          <p:txBody>
+            <a:bodyPr rtlCol="0" anchor="ctr"/>
+            <a:p>
+              <a:pPr algn="ctr"/>
+              <a:endParaRPr lang="zh-CN" altLang="en-US"/>
+            </a:p>
+          </p:txBody>
+        </p:sp>
+        <p:sp>
+          <p:nvSpPr>
+            <p:cNvPr id="20" name="下箭头 19"/>
+            <p:cNvSpPr/>
+            <p:nvPr/>
+          </p:nvSpPr>
+          <p:spPr>
+            <a:xfrm>
+              <a:off x="1556" y="4207"/>
+              <a:ext cx="648" cy="753"/>
+            </a:xfrm>
+            <a:prstGeom prst="downArrow">
+              <a:avLst/>
+            </a:prstGeom>
+            <a:solidFill>
+              <a:schemeClr val="accent4"/>
+            </a:solidFill>
+          </p:spPr>
+          <p:style>
+            <a:lnRef idx="2">
+              <a:schemeClr val="accent1">
+                <a:lumMod val="75000"/>
+              </a:schemeClr>
+            </a:lnRef>
+            <a:fillRef idx="1">
+              <a:schemeClr val="accent1"/>
+            </a:fillRef>
+            <a:effectRef idx="0">
+              <a:srgbClr val="FFFFFF"/>
+            </a:effectRef>
+            <a:fontRef idx="minor">
+              <a:schemeClr val="lt1"/>
+            </a:fontRef>
+          </p:style>
+          <p:txBody>
+            <a:bodyPr rtlCol="0" anchor="ctr"/>
+            <a:p>
+              <a:pPr algn="ctr"/>
+              <a:endParaRPr lang="zh-CN" altLang="en-US"/>
+            </a:p>
+          </p:txBody>
+        </p:sp>
+        <p:sp>
+          <p:nvSpPr>
+            <p:cNvPr id="21" name="下箭头 20"/>
+            <p:cNvSpPr/>
+            <p:nvPr/>
+          </p:nvSpPr>
+          <p:spPr>
+            <a:xfrm>
+              <a:off x="1556" y="6194"/>
+              <a:ext cx="648" cy="753"/>
+            </a:xfrm>
+            <a:prstGeom prst="downArrow">
+              <a:avLst/>
+            </a:prstGeom>
+            <a:solidFill>
+              <a:schemeClr val="accent4"/>
+            </a:solidFill>
+          </p:spPr>
+          <p:style>
+            <a:lnRef idx="2">
+              <a:schemeClr val="accent1">
+                <a:lumMod val="75000"/>
+              </a:schemeClr>
+            </a:lnRef>
+            <a:fillRef idx="1">
+              <a:schemeClr val="accent1"/>
+            </a:fillRef>
+            <a:effectRef idx="0">
+              <a:srgbClr val="FFFFFF"/>
+            </a:effectRef>
+            <a:fontRef idx="minor">
+              <a:schemeClr val="lt1"/>
+            </a:fontRef>
+          </p:style>
+          <p:txBody>
+            <a:bodyPr rtlCol="0" anchor="ctr"/>
+            <a:p>
+              <a:pPr algn="ctr"/>
+              <a:endParaRPr lang="zh-CN" altLang="en-US"/>
+            </a:p>
+          </p:txBody>
+        </p:sp>
+        <p:sp>
+          <p:nvSpPr>
+            <p:cNvPr id="22" name="矩形 21"/>
+            <p:cNvSpPr/>
+            <p:nvPr/>
+          </p:nvSpPr>
+          <p:spPr>
+            <a:xfrm>
+              <a:off x="4653" y="7059"/>
+              <a:ext cx="1855" cy="1070"/>
+            </a:xfrm>
+            <a:prstGeom prst="rect">
+              <a:avLst/>
+            </a:prstGeom>
+            <a:solidFill>
+              <a:schemeClr val="accent2">
+                <a:lumMod val="60000"/>
+                <a:lumOff val="40000"/>
+              </a:schemeClr>
+            </a:solidFill>
+            <a:ln w="38100"/>
+          </p:spPr>
+          <p:style>
+            <a:lnRef idx="2">
+              <a:schemeClr val="accent1">
+                <a:lumMod val="75000"/>
+              </a:schemeClr>
+            </a:lnRef>
+            <a:fillRef idx="1">
+              <a:schemeClr val="accent1"/>
+            </a:fillRef>
+            <a:effectRef idx="0">
+              <a:srgbClr val="FFFFFF"/>
+            </a:effectRef>
+            <a:fontRef idx="minor">
+              <a:schemeClr val="lt1"/>
+            </a:fontRef>
+          </p:style>
+          <p:txBody>
+            <a:bodyPr rtlCol="0" anchor="ctr"/>
+            <a:p>
+              <a:pPr algn="ctr"/>
+              <a:endParaRPr lang="zh-CN" altLang="en-US"/>
+            </a:p>
+          </p:txBody>
+        </p:sp>
+        <p:sp>
+          <p:nvSpPr>
+            <p:cNvPr id="23" name="矩形 22"/>
+            <p:cNvSpPr/>
+            <p:nvPr/>
+          </p:nvSpPr>
+          <p:spPr>
+            <a:xfrm>
+              <a:off x="4618" y="5012"/>
+              <a:ext cx="1855" cy="1070"/>
+            </a:xfrm>
+            <a:prstGeom prst="rect">
+              <a:avLst/>
+            </a:prstGeom>
+            <a:solidFill>
+              <a:schemeClr val="accent2">
+                <a:lumMod val="60000"/>
+                <a:lumOff val="40000"/>
+              </a:schemeClr>
+            </a:solidFill>
+            <a:ln w="38100"/>
+          </p:spPr>
+          <p:style>
+            <a:lnRef idx="2">
+              <a:schemeClr val="accent1">
+                <a:lumMod val="75000"/>
+              </a:schemeClr>
+            </a:lnRef>
+            <a:fillRef idx="1">
+              <a:schemeClr val="accent1"/>
+            </a:fillRef>
+            <a:effectRef idx="0">
+              <a:srgbClr val="FFFFFF"/>
+            </a:effectRef>
+            <a:fontRef idx="minor">
+              <a:schemeClr val="lt1"/>
+            </a:fontRef>
+          </p:style>
+          <p:txBody>
+            <a:bodyPr rtlCol="0" anchor="ctr"/>
+            <a:p>
+              <a:pPr algn="ctr"/>
+              <a:endParaRPr lang="zh-CN" altLang="en-US"/>
+            </a:p>
+          </p:txBody>
+        </p:sp>
+        <p:sp>
+          <p:nvSpPr>
+            <p:cNvPr id="24" name="矩形 23"/>
+            <p:cNvSpPr/>
+            <p:nvPr/>
+          </p:nvSpPr>
+          <p:spPr>
+            <a:xfrm>
+              <a:off x="4636" y="3035"/>
+              <a:ext cx="1855" cy="1070"/>
+            </a:xfrm>
+            <a:prstGeom prst="rect">
+              <a:avLst/>
+            </a:prstGeom>
+            <a:solidFill>
+              <a:schemeClr val="accent2">
+                <a:lumMod val="60000"/>
+                <a:lumOff val="40000"/>
+              </a:schemeClr>
+            </a:solidFill>
+            <a:ln w="38100"/>
+          </p:spPr>
+          <p:style>
+            <a:lnRef idx="2">
+              <a:schemeClr val="accent1">
+                <a:lumMod val="75000"/>
+              </a:schemeClr>
+            </a:lnRef>
+            <a:fillRef idx="1">
+              <a:schemeClr val="accent1"/>
+            </a:fillRef>
+            <a:effectRef idx="0">
+              <a:srgbClr val="FFFFFF"/>
+            </a:effectRef>
+            <a:fontRef idx="minor">
+              <a:schemeClr val="lt1"/>
+            </a:fontRef>
+          </p:style>
+          <p:txBody>
+            <a:bodyPr rtlCol="0" anchor="ctr"/>
+            <a:p>
+              <a:pPr algn="ctr"/>
+              <a:endParaRPr lang="zh-CN" altLang="en-US"/>
+            </a:p>
+          </p:txBody>
+        </p:sp>
+        <p:sp>
+          <p:nvSpPr>
+            <p:cNvPr id="25" name="下箭头 24"/>
+            <p:cNvSpPr/>
+            <p:nvPr/>
+          </p:nvSpPr>
+          <p:spPr>
+            <a:xfrm>
+              <a:off x="5266" y="2248"/>
+              <a:ext cx="648" cy="753"/>
+            </a:xfrm>
+            <a:prstGeom prst="downArrow">
+              <a:avLst/>
+            </a:prstGeom>
+            <a:solidFill>
+              <a:schemeClr val="accent4"/>
+            </a:solidFill>
+          </p:spPr>
+          <p:style>
+            <a:lnRef idx="2">
+              <a:schemeClr val="accent1">
+                <a:lumMod val="75000"/>
+              </a:schemeClr>
+            </a:lnRef>
+            <a:fillRef idx="1">
+              <a:schemeClr val="accent1"/>
+            </a:fillRef>
+            <a:effectRef idx="0">
+              <a:srgbClr val="FFFFFF"/>
+            </a:effectRef>
+            <a:fontRef idx="minor">
+              <a:schemeClr val="lt1"/>
+            </a:fontRef>
+          </p:style>
+          <p:txBody>
+            <a:bodyPr rtlCol="0" anchor="ctr"/>
+            <a:p>
+              <a:pPr algn="ctr"/>
+              <a:endParaRPr lang="zh-CN" altLang="en-US"/>
+            </a:p>
+          </p:txBody>
+        </p:sp>
+        <p:sp>
+          <p:nvSpPr>
+            <p:cNvPr id="26" name="下箭头 25"/>
+            <p:cNvSpPr/>
+            <p:nvPr/>
+          </p:nvSpPr>
+          <p:spPr>
+            <a:xfrm>
+              <a:off x="5266" y="4207"/>
+              <a:ext cx="648" cy="753"/>
+            </a:xfrm>
+            <a:prstGeom prst="downArrow">
+              <a:avLst/>
+            </a:prstGeom>
+            <a:solidFill>
+              <a:schemeClr val="accent4"/>
+            </a:solidFill>
+          </p:spPr>
+          <p:style>
+            <a:lnRef idx="2">
+              <a:schemeClr val="accent1">
+                <a:lumMod val="75000"/>
+              </a:schemeClr>
+            </a:lnRef>
+            <a:fillRef idx="1">
+              <a:schemeClr val="accent1"/>
+            </a:fillRef>
+            <a:effectRef idx="0">
+              <a:srgbClr val="FFFFFF"/>
+            </a:effectRef>
+            <a:fontRef idx="minor">
+              <a:schemeClr val="lt1"/>
+            </a:fontRef>
+          </p:style>
+          <p:txBody>
+            <a:bodyPr rtlCol="0" anchor="ctr"/>
+            <a:p>
+              <a:pPr algn="ctr"/>
+              <a:endParaRPr lang="zh-CN" altLang="en-US"/>
+            </a:p>
+          </p:txBody>
+        </p:sp>
+        <p:sp>
+          <p:nvSpPr>
+            <p:cNvPr id="27" name="下箭头 26"/>
+            <p:cNvSpPr/>
+            <p:nvPr/>
+          </p:nvSpPr>
+          <p:spPr>
+            <a:xfrm>
+              <a:off x="5266" y="6194"/>
+              <a:ext cx="648" cy="753"/>
+            </a:xfrm>
+            <a:prstGeom prst="downArrow">
+              <a:avLst/>
+            </a:prstGeom>
+            <a:solidFill>
+              <a:schemeClr val="accent4"/>
+            </a:solidFill>
+          </p:spPr>
+          <p:style>
+            <a:lnRef idx="2">
+              <a:schemeClr val="accent1">
+                <a:lumMod val="75000"/>
+              </a:schemeClr>
+            </a:lnRef>
+            <a:fillRef idx="1">
+              <a:schemeClr val="accent1"/>
+            </a:fillRef>
+            <a:effectRef idx="0">
+              <a:srgbClr val="FFFFFF"/>
+            </a:effectRef>
+            <a:fontRef idx="minor">
+              <a:schemeClr val="lt1"/>
+            </a:fontRef>
+          </p:style>
+          <p:txBody>
+            <a:bodyPr rtlCol="0" anchor="ctr"/>
+            <a:p>
+              <a:pPr algn="ctr"/>
+              <a:endParaRPr lang="zh-CN" altLang="en-US"/>
+            </a:p>
+          </p:txBody>
+        </p:sp>
+        <p:sp>
+          <p:nvSpPr>
+            <p:cNvPr id="28" name="矩形 27"/>
+            <p:cNvSpPr/>
+            <p:nvPr/>
+          </p:nvSpPr>
+          <p:spPr>
+            <a:xfrm>
+              <a:off x="8389" y="7059"/>
+              <a:ext cx="1855" cy="1070"/>
+            </a:xfrm>
+            <a:prstGeom prst="rect">
+              <a:avLst/>
+            </a:prstGeom>
+            <a:solidFill>
+              <a:schemeClr val="accent2">
+                <a:lumMod val="60000"/>
+                <a:lumOff val="40000"/>
+              </a:schemeClr>
+            </a:solidFill>
+            <a:ln w="38100"/>
+          </p:spPr>
+          <p:style>
+            <a:lnRef idx="2">
+              <a:schemeClr val="accent1">
+                <a:lumMod val="75000"/>
+              </a:schemeClr>
+            </a:lnRef>
+            <a:fillRef idx="1">
+              <a:schemeClr val="accent1"/>
+            </a:fillRef>
+            <a:effectRef idx="0">
+              <a:srgbClr val="FFFFFF"/>
+            </a:effectRef>
+            <a:fontRef idx="minor">
+              <a:schemeClr val="lt1"/>
+            </a:fontRef>
+          </p:style>
+          <p:txBody>
+            <a:bodyPr rtlCol="0" anchor="ctr"/>
+            <a:p>
+              <a:pPr algn="ctr"/>
+              <a:endParaRPr lang="zh-CN" altLang="en-US"/>
+            </a:p>
+          </p:txBody>
+        </p:sp>
+        <p:sp>
+          <p:nvSpPr>
+            <p:cNvPr id="29" name="矩形 28"/>
+            <p:cNvSpPr/>
+            <p:nvPr/>
+          </p:nvSpPr>
+          <p:spPr>
+            <a:xfrm>
+              <a:off x="8354" y="5012"/>
+              <a:ext cx="1855" cy="1070"/>
+            </a:xfrm>
+            <a:prstGeom prst="rect">
+              <a:avLst/>
+            </a:prstGeom>
+            <a:solidFill>
+              <a:schemeClr val="accent2">
+                <a:lumMod val="60000"/>
+                <a:lumOff val="40000"/>
+              </a:schemeClr>
+            </a:solidFill>
+            <a:ln w="38100"/>
+          </p:spPr>
+          <p:style>
+            <a:lnRef idx="2">
+              <a:schemeClr val="accent1">
+                <a:lumMod val="75000"/>
+              </a:schemeClr>
+            </a:lnRef>
+            <a:fillRef idx="1">
+              <a:schemeClr val="accent1"/>
+            </a:fillRef>
+            <a:effectRef idx="0">
+              <a:srgbClr val="FFFFFF"/>
+            </a:effectRef>
+            <a:fontRef idx="minor">
+              <a:schemeClr val="lt1"/>
+            </a:fontRef>
+          </p:style>
+          <p:txBody>
+            <a:bodyPr rtlCol="0" anchor="ctr"/>
+            <a:p>
+              <a:pPr algn="ctr"/>
+              <a:endParaRPr lang="zh-CN" altLang="en-US"/>
+            </a:p>
+          </p:txBody>
+        </p:sp>
+        <p:sp>
+          <p:nvSpPr>
+            <p:cNvPr id="30" name="矩形 29"/>
+            <p:cNvSpPr/>
+            <p:nvPr/>
+          </p:nvSpPr>
+          <p:spPr>
+            <a:xfrm>
+              <a:off x="8372" y="3035"/>
+              <a:ext cx="1855" cy="1070"/>
+            </a:xfrm>
+            <a:prstGeom prst="rect">
+              <a:avLst/>
+            </a:prstGeom>
+            <a:solidFill>
+              <a:schemeClr val="accent2">
+                <a:lumMod val="60000"/>
+                <a:lumOff val="40000"/>
+              </a:schemeClr>
+            </a:solidFill>
+            <a:ln w="38100"/>
+          </p:spPr>
+          <p:style>
+            <a:lnRef idx="2">
+              <a:schemeClr val="accent1">
+                <a:lumMod val="75000"/>
+              </a:schemeClr>
+            </a:lnRef>
+            <a:fillRef idx="1">
+              <a:schemeClr val="accent1"/>
+            </a:fillRef>
+            <a:effectRef idx="0">
+              <a:srgbClr val="FFFFFF"/>
+            </a:effectRef>
+            <a:fontRef idx="minor">
+              <a:schemeClr val="lt1"/>
+            </a:fontRef>
+          </p:style>
+          <p:txBody>
+            <a:bodyPr rtlCol="0" anchor="ctr"/>
+            <a:p>
+              <a:pPr algn="ctr"/>
+              <a:endParaRPr lang="zh-CN" altLang="en-US"/>
+            </a:p>
+          </p:txBody>
+        </p:sp>
+        <p:sp>
+          <p:nvSpPr>
+            <p:cNvPr id="31" name="下箭头 30"/>
+            <p:cNvSpPr/>
+            <p:nvPr/>
+          </p:nvSpPr>
+          <p:spPr>
+            <a:xfrm>
+              <a:off x="9002" y="2248"/>
+              <a:ext cx="648" cy="753"/>
+            </a:xfrm>
+            <a:prstGeom prst="downArrow">
+              <a:avLst/>
+            </a:prstGeom>
+            <a:solidFill>
+              <a:schemeClr val="accent4"/>
+            </a:solidFill>
+          </p:spPr>
+          <p:style>
+            <a:lnRef idx="2">
+              <a:schemeClr val="accent1">
+                <a:lumMod val="75000"/>
+              </a:schemeClr>
+            </a:lnRef>
+            <a:fillRef idx="1">
+              <a:schemeClr val="accent1"/>
+            </a:fillRef>
+            <a:effectRef idx="0">
+              <a:srgbClr val="FFFFFF"/>
+            </a:effectRef>
+            <a:fontRef idx="minor">
+              <a:schemeClr val="lt1"/>
+            </a:fontRef>
+          </p:style>
+          <p:txBody>
+            <a:bodyPr rtlCol="0" anchor="ctr"/>
+            <a:p>
+              <a:pPr algn="ctr"/>
+              <a:endParaRPr lang="zh-CN" altLang="en-US"/>
+            </a:p>
+          </p:txBody>
+        </p:sp>
+        <p:sp>
+          <p:nvSpPr>
+            <p:cNvPr id="32" name="下箭头 31"/>
+            <p:cNvSpPr/>
+            <p:nvPr/>
+          </p:nvSpPr>
+          <p:spPr>
+            <a:xfrm>
+              <a:off x="9002" y="4207"/>
+              <a:ext cx="648" cy="753"/>
+            </a:xfrm>
+            <a:prstGeom prst="downArrow">
+              <a:avLst/>
+            </a:prstGeom>
+            <a:solidFill>
+              <a:schemeClr val="accent4"/>
+            </a:solidFill>
+          </p:spPr>
+          <p:style>
+            <a:lnRef idx="2">
+              <a:schemeClr val="accent1">
+                <a:lumMod val="75000"/>
+              </a:schemeClr>
+            </a:lnRef>
+            <a:fillRef idx="1">
+              <a:schemeClr val="accent1"/>
+            </a:fillRef>
+            <a:effectRef idx="0">
+              <a:srgbClr val="FFFFFF"/>
+            </a:effectRef>
+            <a:fontRef idx="minor">
+              <a:schemeClr val="lt1"/>
+            </a:fontRef>
+          </p:style>
+          <p:txBody>
+            <a:bodyPr rtlCol="0" anchor="ctr"/>
+            <a:p>
+              <a:pPr algn="ctr"/>
+              <a:endParaRPr lang="zh-CN" altLang="en-US"/>
+            </a:p>
+          </p:txBody>
+        </p:sp>
+        <p:sp>
+          <p:nvSpPr>
+            <p:cNvPr id="33" name="下箭头 32"/>
+            <p:cNvSpPr/>
+            <p:nvPr/>
+          </p:nvSpPr>
+          <p:spPr>
+            <a:xfrm>
+              <a:off x="9002" y="6194"/>
+              <a:ext cx="648" cy="753"/>
+            </a:xfrm>
+            <a:prstGeom prst="downArrow">
+              <a:avLst/>
+            </a:prstGeom>
+            <a:solidFill>
+              <a:schemeClr val="accent4"/>
+            </a:solidFill>
+          </p:spPr>
+          <p:style>
+            <a:lnRef idx="2">
+              <a:schemeClr val="accent1">
+                <a:lumMod val="75000"/>
+              </a:schemeClr>
+            </a:lnRef>
+            <a:fillRef idx="1">
+              <a:schemeClr val="accent1"/>
+            </a:fillRef>
+            <a:effectRef idx="0">
+              <a:srgbClr val="FFFFFF"/>
+            </a:effectRef>
+            <a:fontRef idx="minor">
+              <a:schemeClr val="lt1"/>
+            </a:fontRef>
+          </p:style>
+          <p:txBody>
+            <a:bodyPr rtlCol="0" anchor="ctr"/>
+            <a:p>
+              <a:pPr algn="ctr"/>
+              <a:endParaRPr lang="zh-CN" altLang="en-US"/>
+            </a:p>
+          </p:txBody>
+        </p:sp>
+      </p:grpSp>
+      <p:pic>
+        <p:nvPicPr>
+          <p:cNvPr id="69" name="图片 68" descr="解锁"/>
+          <p:cNvPicPr>
+            <a:picLocks noChangeAspect="1"/>
+          </p:cNvPicPr>
+          <p:nvPr/>
+        </p:nvPicPr>
+        <p:blipFill>
+          <a:blip r:embed="rId1"/>
+          <a:stretch>
+            <a:fillRect/>
+          </a:stretch>
+        </p:blipFill>
+        <p:spPr>
+          <a:xfrm>
+            <a:off x="8613140" y="173355"/>
+            <a:ext cx="721360" cy="721360"/>
+          </a:xfrm>
+          <a:prstGeom prst="rect">
+            <a:avLst/>
+          </a:prstGeom>
+        </p:spPr>
+      </p:pic>
+      <p:pic>
+        <p:nvPicPr>
+          <p:cNvPr id="70" name="图片 69" descr="解锁"/>
+          <p:cNvPicPr>
+            <a:picLocks noChangeAspect="1"/>
+          </p:cNvPicPr>
+          <p:nvPr/>
+        </p:nvPicPr>
+        <p:blipFill>
+          <a:blip r:embed="rId1"/>
+          <a:stretch>
+            <a:fillRect/>
+          </a:stretch>
+        </p:blipFill>
+        <p:spPr>
+          <a:xfrm>
+            <a:off x="7576820" y="173355"/>
+            <a:ext cx="721360" cy="721360"/>
+          </a:xfrm>
+          <a:prstGeom prst="rect">
+            <a:avLst/>
+          </a:prstGeom>
+        </p:spPr>
+      </p:pic>
+      <p:pic>
+        <p:nvPicPr>
+          <p:cNvPr id="71" name="图片 70" descr="解锁"/>
+          <p:cNvPicPr>
+            <a:picLocks noChangeAspect="1"/>
+          </p:cNvPicPr>
+          <p:nvPr/>
+        </p:nvPicPr>
+        <p:blipFill>
+          <a:blip r:embed="rId1"/>
+          <a:stretch>
+            <a:fillRect/>
+          </a:stretch>
+        </p:blipFill>
+        <p:spPr>
+          <a:xfrm>
+            <a:off x="6548755" y="173355"/>
+            <a:ext cx="721360" cy="721360"/>
+          </a:xfrm>
+          <a:prstGeom prst="rect">
+            <a:avLst/>
+          </a:prstGeom>
+        </p:spPr>
+      </p:pic>
+      <p:pic>
+        <p:nvPicPr>
+          <p:cNvPr id="72" name="图片 71" descr="解锁"/>
+          <p:cNvPicPr>
+            <a:picLocks noChangeAspect="1"/>
+          </p:cNvPicPr>
+          <p:nvPr/>
+        </p:nvPicPr>
+        <p:blipFill>
+          <a:blip r:embed="rId1"/>
+          <a:stretch>
+            <a:fillRect/>
+          </a:stretch>
+        </p:blipFill>
+        <p:spPr>
+          <a:xfrm>
+            <a:off x="9630410" y="173355"/>
+            <a:ext cx="721360" cy="721360"/>
+          </a:xfrm>
+          <a:prstGeom prst="rect">
+            <a:avLst/>
+          </a:prstGeom>
+        </p:spPr>
+      </p:pic>
+      <p:pic>
+        <p:nvPicPr>
+          <p:cNvPr id="73" name="图片 72" descr="解锁"/>
+          <p:cNvPicPr>
+            <a:picLocks noChangeAspect="1"/>
+          </p:cNvPicPr>
+          <p:nvPr/>
+        </p:nvPicPr>
+        <p:blipFill>
+          <a:blip r:embed="rId1"/>
+          <a:stretch>
+            <a:fillRect/>
+          </a:stretch>
+        </p:blipFill>
+        <p:spPr>
+          <a:xfrm>
+            <a:off x="10647680" y="173355"/>
+            <a:ext cx="721360" cy="721360"/>
+          </a:xfrm>
+          <a:prstGeom prst="rect">
+            <a:avLst/>
+          </a:prstGeom>
+        </p:spPr>
+      </p:pic>
+      <p:cxnSp>
+        <p:nvCxnSpPr>
+          <p:cNvPr id="74" name="直接连接符 73"/>
+          <p:cNvCxnSpPr/>
+          <p:nvPr/>
+        </p:nvCxnSpPr>
+        <p:spPr>
+          <a:xfrm flipV="1">
+            <a:off x="343535" y="871855"/>
+            <a:ext cx="2578735" cy="700405"/>
+          </a:xfrm>
+          <a:prstGeom prst="line">
+            <a:avLst/>
+          </a:prstGeom>
+          <a:ln w="38100">
+            <a:solidFill>
+              <a:schemeClr val="accent6"/>
+            </a:solidFill>
+          </a:ln>
+        </p:spPr>
+        <p:style>
+          <a:lnRef idx="2">
+            <a:schemeClr val="accent1"/>
+          </a:lnRef>
+          <a:fillRef idx="0">
+            <a:srgbClr val="FFFFFF"/>
+          </a:fillRef>
+          <a:effectRef idx="0">
+            <a:srgbClr val="FFFFFF"/>
+          </a:effectRef>
+          <a:fontRef idx="minor">
+            <a:schemeClr val="tx1"/>
+          </a:fontRef>
+        </p:style>
+      </p:cxnSp>
+      <p:cxnSp>
+        <p:nvCxnSpPr>
+          <p:cNvPr id="75" name="直接连接符 74"/>
+          <p:cNvCxnSpPr/>
+          <p:nvPr/>
+        </p:nvCxnSpPr>
+        <p:spPr>
+          <a:xfrm flipH="1" flipV="1">
+            <a:off x="3011170" y="871855"/>
+            <a:ext cx="2466975" cy="666750"/>
+          </a:xfrm>
+          <a:prstGeom prst="line">
+            <a:avLst/>
+          </a:prstGeom>
+          <a:ln w="38100">
+            <a:solidFill>
+              <a:srgbClr val="FF0000"/>
+            </a:solidFill>
+          </a:ln>
+        </p:spPr>
+        <p:style>
+          <a:lnRef idx="2">
+            <a:schemeClr val="accent1"/>
+          </a:lnRef>
+          <a:fillRef idx="0">
+            <a:srgbClr val="FFFFFF"/>
+          </a:fillRef>
+          <a:effectRef idx="0">
+            <a:srgbClr val="FFFFFF"/>
+          </a:effectRef>
+          <a:fontRef idx="minor">
+            <a:schemeClr val="tx1"/>
+          </a:fontRef>
+        </p:style>
+      </p:cxnSp>
+      <p:grpSp>
+        <p:nvGrpSpPr>
+          <p:cNvPr id="78" name="组合 77"/>
+          <p:cNvGrpSpPr/>
+          <p:nvPr/>
+        </p:nvGrpSpPr>
+        <p:grpSpPr>
+          <a:xfrm>
+            <a:off x="6433820" y="861060"/>
+            <a:ext cx="987425" cy="696595"/>
+            <a:chOff x="10132" y="1356"/>
+            <a:chExt cx="1555" cy="1097"/>
+          </a:xfrm>
+        </p:grpSpPr>
+        <p:cxnSp>
+          <p:nvCxnSpPr>
+            <p:cNvPr id="76" name="直接连接符 75"/>
+            <p:cNvCxnSpPr/>
+            <p:nvPr/>
+          </p:nvCxnSpPr>
+          <p:spPr>
+            <a:xfrm flipV="1">
+              <a:off x="10132" y="1356"/>
+              <a:ext cx="700" cy="1085"/>
+            </a:xfrm>
+            <a:prstGeom prst="line">
+              <a:avLst/>
+            </a:prstGeom>
+            <a:ln w="38100">
+              <a:solidFill>
+                <a:srgbClr val="FF0000"/>
+              </a:solidFill>
+            </a:ln>
+          </p:spPr>
+          <p:style>
+            <a:lnRef idx="2">
+              <a:schemeClr val="accent1"/>
+            </a:lnRef>
+            <a:fillRef idx="0">
+              <a:srgbClr val="FFFFFF"/>
+            </a:fillRef>
+            <a:effectRef idx="0">
+              <a:srgbClr val="FFFFFF"/>
+            </a:effectRef>
+            <a:fontRef idx="minor">
+              <a:schemeClr val="tx1"/>
+            </a:fontRef>
+          </p:style>
+        </p:cxnSp>
+        <p:cxnSp>
+          <p:nvCxnSpPr>
+            <p:cNvPr id="77" name="直接连接符 76"/>
+            <p:cNvCxnSpPr>
+              <a:stCxn id="67" idx="2"/>
+            </p:cNvCxnSpPr>
+            <p:nvPr/>
+          </p:nvCxnSpPr>
+          <p:spPr>
+            <a:xfrm flipH="1" flipV="1">
+              <a:off x="10815" y="1373"/>
+              <a:ext cx="872" cy="1081"/>
+            </a:xfrm>
+            <a:prstGeom prst="line">
+              <a:avLst/>
+            </a:prstGeom>
+            <a:ln w="38100">
+              <a:solidFill>
+                <a:srgbClr val="FF0000"/>
+              </a:solidFill>
+            </a:ln>
+          </p:spPr>
+          <p:style>
+            <a:lnRef idx="2">
+              <a:schemeClr val="accent1"/>
+            </a:lnRef>
+            <a:fillRef idx="0">
+              <a:srgbClr val="FFFFFF"/>
+            </a:fillRef>
+            <a:effectRef idx="0">
+              <a:srgbClr val="FFFFFF"/>
+            </a:effectRef>
+            <a:fontRef idx="minor">
+              <a:schemeClr val="tx1"/>
+            </a:fontRef>
+          </p:style>
+        </p:cxnSp>
+      </p:grpSp>
+      <p:grpSp>
+        <p:nvGrpSpPr>
+          <p:cNvPr id="79" name="组合 78"/>
+          <p:cNvGrpSpPr/>
+          <p:nvPr/>
+        </p:nvGrpSpPr>
+        <p:grpSpPr>
+          <a:xfrm>
+            <a:off x="7465695" y="842010"/>
+            <a:ext cx="987425" cy="696595"/>
+            <a:chOff x="10132" y="1356"/>
+            <a:chExt cx="1555" cy="1097"/>
+          </a:xfrm>
+        </p:grpSpPr>
+        <p:cxnSp>
+          <p:nvCxnSpPr>
+            <p:cNvPr id="80" name="直接连接符 79"/>
+            <p:cNvCxnSpPr/>
+            <p:nvPr/>
+          </p:nvCxnSpPr>
+          <p:spPr>
+            <a:xfrm flipV="1">
+              <a:off x="10132" y="1356"/>
+              <a:ext cx="700" cy="1085"/>
+            </a:xfrm>
+            <a:prstGeom prst="line">
+              <a:avLst/>
+            </a:prstGeom>
+            <a:ln w="38100">
+              <a:solidFill>
+                <a:srgbClr val="FF0000"/>
+              </a:solidFill>
+            </a:ln>
+          </p:spPr>
+          <p:style>
+            <a:lnRef idx="2">
+              <a:schemeClr val="accent1"/>
+            </a:lnRef>
+            <a:fillRef idx="0">
+              <a:srgbClr val="FFFFFF"/>
+            </a:fillRef>
+            <a:effectRef idx="0">
+              <a:srgbClr val="FFFFFF"/>
+            </a:effectRef>
+            <a:fontRef idx="minor">
+              <a:schemeClr val="tx1"/>
+            </a:fontRef>
+          </p:style>
+        </p:cxnSp>
+        <p:cxnSp>
+          <p:nvCxnSpPr>
+            <p:cNvPr id="81" name="直接连接符 80"/>
+            <p:cNvCxnSpPr/>
+            <p:nvPr/>
+          </p:nvCxnSpPr>
+          <p:spPr>
+            <a:xfrm flipH="1" flipV="1">
+              <a:off x="10815" y="1373"/>
+              <a:ext cx="872" cy="1081"/>
+            </a:xfrm>
+            <a:prstGeom prst="line">
+              <a:avLst/>
+            </a:prstGeom>
+            <a:ln w="38100">
+              <a:solidFill>
+                <a:srgbClr val="FF0000"/>
+              </a:solidFill>
+            </a:ln>
+          </p:spPr>
+          <p:style>
+            <a:lnRef idx="2">
+              <a:schemeClr val="accent1"/>
+            </a:lnRef>
+            <a:fillRef idx="0">
+              <a:srgbClr val="FFFFFF"/>
+            </a:fillRef>
+            <a:effectRef idx="0">
+              <a:srgbClr val="FFFFFF"/>
+            </a:effectRef>
+            <a:fontRef idx="minor">
+              <a:schemeClr val="tx1"/>
+            </a:fontRef>
+          </p:style>
+        </p:cxnSp>
+      </p:grpSp>
+      <p:grpSp>
+        <p:nvGrpSpPr>
+          <p:cNvPr id="82" name="组合 81"/>
+          <p:cNvGrpSpPr/>
+          <p:nvPr/>
+        </p:nvGrpSpPr>
+        <p:grpSpPr>
+          <a:xfrm>
+            <a:off x="8497570" y="871855"/>
+            <a:ext cx="987425" cy="696595"/>
+            <a:chOff x="10132" y="1356"/>
+            <a:chExt cx="1555" cy="1097"/>
+          </a:xfrm>
+        </p:grpSpPr>
+        <p:cxnSp>
+          <p:nvCxnSpPr>
+            <p:cNvPr id="83" name="直接连接符 82"/>
+            <p:cNvCxnSpPr/>
+            <p:nvPr/>
+          </p:nvCxnSpPr>
+          <p:spPr>
+            <a:xfrm flipV="1">
+              <a:off x="10132" y="1356"/>
+              <a:ext cx="700" cy="1085"/>
+            </a:xfrm>
+            <a:prstGeom prst="line">
+              <a:avLst/>
+            </a:prstGeom>
+            <a:ln w="38100">
+              <a:solidFill>
+                <a:srgbClr val="FF0000"/>
+              </a:solidFill>
+            </a:ln>
+          </p:spPr>
+          <p:style>
+            <a:lnRef idx="2">
+              <a:schemeClr val="accent1"/>
+            </a:lnRef>
+            <a:fillRef idx="0">
+              <a:srgbClr val="FFFFFF"/>
+            </a:fillRef>
+            <a:effectRef idx="0">
+              <a:srgbClr val="FFFFFF"/>
+            </a:effectRef>
+            <a:fontRef idx="minor">
+              <a:schemeClr val="tx1"/>
+            </a:fontRef>
+          </p:style>
+        </p:cxnSp>
+        <p:cxnSp>
+          <p:nvCxnSpPr>
+            <p:cNvPr id="84" name="直接连接符 83"/>
+            <p:cNvCxnSpPr/>
+            <p:nvPr/>
+          </p:nvCxnSpPr>
+          <p:spPr>
+            <a:xfrm flipH="1" flipV="1">
+              <a:off x="10815" y="1373"/>
+              <a:ext cx="872" cy="1081"/>
+            </a:xfrm>
+            <a:prstGeom prst="line">
+              <a:avLst/>
+            </a:prstGeom>
+            <a:ln w="38100">
+              <a:solidFill>
+                <a:srgbClr val="FF0000"/>
+              </a:solidFill>
+            </a:ln>
+          </p:spPr>
+          <p:style>
+            <a:lnRef idx="2">
+              <a:schemeClr val="accent1"/>
+            </a:lnRef>
+            <a:fillRef idx="0">
+              <a:srgbClr val="FFFFFF"/>
+            </a:fillRef>
+            <a:effectRef idx="0">
+              <a:srgbClr val="FFFFFF"/>
+            </a:effectRef>
+            <a:fontRef idx="minor">
+              <a:schemeClr val="tx1"/>
+            </a:fontRef>
+          </p:style>
+        </p:cxnSp>
+      </p:grpSp>
+      <p:grpSp>
+        <p:nvGrpSpPr>
+          <p:cNvPr id="85" name="组合 84"/>
+          <p:cNvGrpSpPr/>
+          <p:nvPr/>
+        </p:nvGrpSpPr>
+        <p:grpSpPr>
+          <a:xfrm>
+            <a:off x="9525000" y="861060"/>
+            <a:ext cx="987425" cy="696595"/>
+            <a:chOff x="10132" y="1356"/>
+            <a:chExt cx="1555" cy="1097"/>
+          </a:xfrm>
+        </p:grpSpPr>
+        <p:cxnSp>
+          <p:nvCxnSpPr>
+            <p:cNvPr id="86" name="直接连接符 85"/>
+            <p:cNvCxnSpPr/>
+            <p:nvPr/>
+          </p:nvCxnSpPr>
+          <p:spPr>
+            <a:xfrm flipV="1">
+              <a:off x="10132" y="1356"/>
+              <a:ext cx="700" cy="1085"/>
+            </a:xfrm>
+            <a:prstGeom prst="line">
+              <a:avLst/>
+            </a:prstGeom>
+            <a:ln w="38100">
+              <a:solidFill>
+                <a:srgbClr val="FF0000"/>
+              </a:solidFill>
+            </a:ln>
+          </p:spPr>
+          <p:style>
+            <a:lnRef idx="2">
+              <a:schemeClr val="accent1"/>
+            </a:lnRef>
+            <a:fillRef idx="0">
+              <a:srgbClr val="FFFFFF"/>
+            </a:fillRef>
+            <a:effectRef idx="0">
+              <a:srgbClr val="FFFFFF"/>
+            </a:effectRef>
+            <a:fontRef idx="minor">
+              <a:schemeClr val="tx1"/>
+            </a:fontRef>
+          </p:style>
+        </p:cxnSp>
+        <p:cxnSp>
+          <p:nvCxnSpPr>
+            <p:cNvPr id="87" name="直接连接符 86"/>
+            <p:cNvCxnSpPr/>
+            <p:nvPr/>
+          </p:nvCxnSpPr>
+          <p:spPr>
+            <a:xfrm flipH="1" flipV="1">
+              <a:off x="10815" y="1373"/>
+              <a:ext cx="872" cy="1081"/>
+            </a:xfrm>
+            <a:prstGeom prst="line">
+              <a:avLst/>
+            </a:prstGeom>
+            <a:ln w="38100">
+              <a:solidFill>
+                <a:srgbClr val="FF0000"/>
+              </a:solidFill>
+            </a:ln>
+          </p:spPr>
+          <p:style>
+            <a:lnRef idx="2">
+              <a:schemeClr val="accent1"/>
+            </a:lnRef>
+            <a:fillRef idx="0">
+              <a:srgbClr val="FFFFFF"/>
+            </a:fillRef>
+            <a:effectRef idx="0">
+              <a:srgbClr val="FFFFFF"/>
+            </a:effectRef>
+            <a:fontRef idx="minor">
+              <a:schemeClr val="tx1"/>
+            </a:fontRef>
+          </p:style>
+        </p:cxnSp>
+      </p:grpSp>
+      <p:grpSp>
+        <p:nvGrpSpPr>
+          <p:cNvPr id="88" name="组合 87"/>
+          <p:cNvGrpSpPr/>
+          <p:nvPr/>
+        </p:nvGrpSpPr>
+        <p:grpSpPr>
+          <a:xfrm>
+            <a:off x="10556875" y="872490"/>
+            <a:ext cx="987425" cy="696595"/>
+            <a:chOff x="10132" y="1356"/>
+            <a:chExt cx="1555" cy="1097"/>
+          </a:xfrm>
+        </p:grpSpPr>
+        <p:cxnSp>
+          <p:nvCxnSpPr>
+            <p:cNvPr id="89" name="直接连接符 88"/>
+            <p:cNvCxnSpPr/>
+            <p:nvPr/>
+          </p:nvCxnSpPr>
+          <p:spPr>
+            <a:xfrm flipV="1">
+              <a:off x="10132" y="1356"/>
+              <a:ext cx="700" cy="1085"/>
+            </a:xfrm>
+            <a:prstGeom prst="line">
+              <a:avLst/>
+            </a:prstGeom>
+            <a:ln w="38100">
+              <a:solidFill>
+                <a:srgbClr val="FF0000"/>
+              </a:solidFill>
+            </a:ln>
+          </p:spPr>
+          <p:style>
+            <a:lnRef idx="2">
+              <a:schemeClr val="accent1"/>
+            </a:lnRef>
+            <a:fillRef idx="0">
+              <a:srgbClr val="FFFFFF"/>
+            </a:fillRef>
+            <a:effectRef idx="0">
+              <a:srgbClr val="FFFFFF"/>
+            </a:effectRef>
+            <a:fontRef idx="minor">
+              <a:schemeClr val="tx1"/>
+            </a:fontRef>
+          </p:style>
+        </p:cxnSp>
+        <p:cxnSp>
+          <p:nvCxnSpPr>
+            <p:cNvPr id="90" name="直接连接符 89"/>
+            <p:cNvCxnSpPr/>
+            <p:nvPr/>
+          </p:nvCxnSpPr>
+          <p:spPr>
+            <a:xfrm flipH="1" flipV="1">
+              <a:off x="10815" y="1373"/>
+              <a:ext cx="872" cy="1081"/>
+            </a:xfrm>
+            <a:prstGeom prst="line">
+              <a:avLst/>
+            </a:prstGeom>
+            <a:ln w="38100">
+              <a:solidFill>
+                <a:srgbClr val="FF0000"/>
+              </a:solidFill>
+            </a:ln>
+          </p:spPr>
+          <p:style>
+            <a:lnRef idx="2">
+              <a:schemeClr val="accent1"/>
+            </a:lnRef>
+            <a:fillRef idx="0">
+              <a:srgbClr val="FFFFFF"/>
+            </a:fillRef>
+            <a:effectRef idx="0">
+              <a:srgbClr val="FFFFFF"/>
+            </a:effectRef>
+            <a:fontRef idx="minor">
+              <a:schemeClr val="tx1"/>
+            </a:fontRef>
+          </p:style>
+        </p:cxnSp>
+      </p:grpSp>
+      <p:sp>
+        <p:nvSpPr>
+          <p:cNvPr id="91" name="文本框 90"/>
+          <p:cNvSpPr txBox="1"/>
+          <p:nvPr/>
+        </p:nvSpPr>
+        <p:spPr>
+          <a:xfrm>
+            <a:off x="335915" y="5595620"/>
+            <a:ext cx="5279390" cy="860425"/>
+          </a:xfrm>
+          <a:prstGeom prst="rect">
+            <a:avLst/>
+          </a:prstGeom>
+          <a:noFill/>
+        </p:spPr>
+        <p:txBody>
+          <a:bodyPr wrap="square" rtlCol="0">
+            <a:spAutoFit/>
+          </a:bodyPr>
+          <a:p>
+            <a:pPr algn="ctr"/>
+            <a:r>
+              <a:rPr lang="en-US" altLang="zh-CN" sz="2000">
+                <a:latin typeface="得意黑" charset="-122"/>
+                <a:ea typeface="得意黑" charset="-122"/>
+                <a:cs typeface="得意黑" charset="-122"/>
+              </a:rPr>
+              <a:t>HashTable</a:t>
+            </a:r>
+            <a:endParaRPr lang="en-US" altLang="zh-CN" sz="2000">
+              <a:latin typeface="得意黑" charset="-122"/>
+              <a:ea typeface="得意黑" charset="-122"/>
+              <a:cs typeface="得意黑" charset="-122"/>
+            </a:endParaRPr>
+          </a:p>
+          <a:p>
+            <a:pPr algn="ctr">
+              <a:lnSpc>
+                <a:spcPct val="150000"/>
+              </a:lnSpc>
+            </a:pPr>
+            <a:r>
+              <a:rPr lang="zh-CN" altLang="en-US" sz="2000">
+                <a:latin typeface="得意黑" charset="-122"/>
+                <a:ea typeface="得意黑" charset="-122"/>
+                <a:cs typeface="得意黑" charset="-122"/>
+              </a:rPr>
+              <a:t>（效率低，只能有一个线程</a:t>
+            </a:r>
+            <a:r>
+              <a:rPr lang="zh-CN" altLang="en-US" sz="2000">
+                <a:latin typeface="得意黑" charset="-122"/>
+                <a:ea typeface="得意黑" charset="-122"/>
+                <a:cs typeface="得意黑" charset="-122"/>
+              </a:rPr>
+              <a:t>进行读写操作）</a:t>
+            </a:r>
+            <a:endParaRPr lang="zh-CN" altLang="en-US" sz="2000">
+              <a:latin typeface="得意黑" charset="-122"/>
+              <a:ea typeface="得意黑" charset="-122"/>
+              <a:cs typeface="得意黑" charset="-122"/>
+            </a:endParaRPr>
+          </a:p>
+        </p:txBody>
+      </p:sp>
+      <p:sp>
+        <p:nvSpPr>
+          <p:cNvPr id="93" name="文本框 92"/>
+          <p:cNvSpPr txBox="1"/>
+          <p:nvPr/>
+        </p:nvSpPr>
+        <p:spPr>
+          <a:xfrm>
+            <a:off x="6388100" y="5595620"/>
+            <a:ext cx="5279390" cy="860425"/>
+          </a:xfrm>
+          <a:prstGeom prst="rect">
+            <a:avLst/>
+          </a:prstGeom>
+          <a:noFill/>
+        </p:spPr>
+        <p:txBody>
+          <a:bodyPr wrap="square" rtlCol="0">
+            <a:spAutoFit/>
+          </a:bodyPr>
+          <a:p>
+            <a:pPr algn="ctr"/>
+            <a:r>
+              <a:rPr lang="en-US" altLang="zh-CN" sz="2000">
+                <a:latin typeface="得意黑" charset="-122"/>
+                <a:ea typeface="得意黑" charset="-122"/>
+                <a:cs typeface="得意黑" charset="-122"/>
+              </a:rPr>
+              <a:t>Concurrent</a:t>
+            </a:r>
+            <a:r>
+              <a:rPr lang="en-US" altLang="zh-CN" sz="2000">
+                <a:latin typeface="得意黑" charset="-122"/>
+                <a:ea typeface="得意黑" charset="-122"/>
+                <a:cs typeface="得意黑" charset="-122"/>
+              </a:rPr>
+              <a:t>HashMap</a:t>
+            </a:r>
+            <a:endParaRPr lang="en-US" altLang="zh-CN" sz="2000">
+              <a:latin typeface="得意黑" charset="-122"/>
+              <a:ea typeface="得意黑" charset="-122"/>
+              <a:cs typeface="得意黑" charset="-122"/>
+            </a:endParaRPr>
+          </a:p>
+          <a:p>
+            <a:pPr algn="ctr">
+              <a:lnSpc>
+                <a:spcPct val="150000"/>
+              </a:lnSpc>
+            </a:pPr>
+            <a:r>
+              <a:rPr lang="zh-CN" altLang="en-US" sz="2000">
+                <a:latin typeface="得意黑" charset="-122"/>
+                <a:ea typeface="得意黑" charset="-122"/>
+                <a:cs typeface="得意黑" charset="-122"/>
+              </a:rPr>
+              <a:t>（效率高，可以有多个线程</a:t>
+            </a:r>
+            <a:r>
+              <a:rPr lang="zh-CN" altLang="en-US" sz="2000">
+                <a:latin typeface="得意黑" charset="-122"/>
+                <a:ea typeface="得意黑" charset="-122"/>
+                <a:cs typeface="得意黑" charset="-122"/>
+              </a:rPr>
+              <a:t>进行读写操作）</a:t>
+            </a:r>
+            <a:endParaRPr lang="zh-CN" altLang="en-US" sz="2000">
+              <a:latin typeface="得意黑" charset="-122"/>
+              <a:ea typeface="得意黑" charset="-122"/>
+              <a:cs typeface="得意黑" charset="-122"/>
             </a:endParaRPr>
           </a:p>
         </p:txBody>

--- a/JavaEE 学习/流程图&示意图.pptx
+++ b/JavaEE 学习/流程图&示意图.pptx
@@ -8,18 +8,19 @@
     <p:notesMasterId r:id="rId4"/>
   </p:notesMasterIdLst>
   <p:handoutMasterIdLst>
-    <p:handoutMasterId r:id="rId8"/>
+    <p:handoutMasterId r:id="rId9"/>
   </p:handoutMasterIdLst>
   <p:sldIdLst>
     <p:sldId id="256" r:id="rId3"/>
     <p:sldId id="257" r:id="rId5"/>
-    <p:sldId id="258" r:id="rId6"/>
+    <p:sldId id="260" r:id="rId6"/>
     <p:sldId id="259" r:id="rId7"/>
+    <p:sldId id="258" r:id="rId8"/>
   </p:sldIdLst>
   <p:sldSz cx="12192000" cy="6858000"/>
   <p:notesSz cx="7103745" cy="10234295"/>
   <p:custDataLst>
-    <p:tags r:id="rId12"/>
+    <p:tags r:id="rId13"/>
   </p:custDataLst>
   <p:defaultTextStyle>
     <a:defPPr>
@@ -119,7 +120,7 @@
   <p:extLst>
     <p:ext uri="{EFAFB233-063F-42B5-8137-9DF3F51BA10A}">
       <p15:sldGuideLst xmlns:p15="http://schemas.microsoft.com/office/powerpoint/2012/main">
-        <p15:guide id="1" orient="horz" pos="2160" userDrawn="1">
+        <p15:guide id="1" orient="horz" pos="2162" userDrawn="1">
           <p15:clr>
             <a:srgbClr val="A4A3A4"/>
           </p15:clr>
@@ -8364,13 +8365,15 @@
       <p:cxnSp>
         <p:nvCxnSpPr>
           <p:cNvPr id="74" name="直接连接符 73"/>
-          <p:cNvCxnSpPr/>
+          <p:cNvCxnSpPr>
+            <a:endCxn id="59" idx="2"/>
+          </p:cNvCxnSpPr>
           <p:nvPr/>
         </p:nvCxnSpPr>
         <p:spPr>
           <a:xfrm flipV="1">
-            <a:off x="343535" y="871855"/>
-            <a:ext cx="2578735" cy="700405"/>
+            <a:off x="343535" y="894715"/>
+            <a:ext cx="2597785" cy="677545"/>
           </a:xfrm>
           <a:prstGeom prst="line">
             <a:avLst/>
@@ -8399,13 +8402,15 @@
       <p:cxnSp>
         <p:nvCxnSpPr>
           <p:cNvPr id="75" name="直接连接符 74"/>
-          <p:cNvCxnSpPr/>
+          <p:cNvCxnSpPr>
+            <a:endCxn id="59" idx="2"/>
+          </p:cNvCxnSpPr>
           <p:nvPr/>
         </p:nvCxnSpPr>
         <p:spPr>
           <a:xfrm flipH="1" flipV="1">
-            <a:off x="3011170" y="871855"/>
-            <a:ext cx="2466975" cy="666750"/>
+            <a:off x="2941320" y="894715"/>
+            <a:ext cx="2536825" cy="643890"/>
           </a:xfrm>
           <a:prstGeom prst="line">
             <a:avLst/>
@@ -8998,6 +9003,422 @@
           </a:p>
         </p:txBody>
       </p:sp>
+      <p:cxnSp>
+        <p:nvCxnSpPr>
+          <p:cNvPr id="94" name="直接连接符 93"/>
+          <p:cNvCxnSpPr/>
+          <p:nvPr/>
+        </p:nvCxnSpPr>
+        <p:spPr>
+          <a:xfrm>
+            <a:off x="6000750" y="38735"/>
+            <a:ext cx="0" cy="6534785"/>
+          </a:xfrm>
+          <a:prstGeom prst="line">
+            <a:avLst/>
+          </a:prstGeom>
+          <a:ln w="38100">
+            <a:solidFill>
+              <a:schemeClr val="tx2">
+                <a:lumMod val="50000"/>
+                <a:lumOff val="50000"/>
+              </a:schemeClr>
+            </a:solidFill>
+          </a:ln>
+        </p:spPr>
+        <p:style>
+          <a:lnRef idx="2">
+            <a:schemeClr val="accent1"/>
+          </a:lnRef>
+          <a:fillRef idx="0">
+            <a:srgbClr val="FFFFFF"/>
+          </a:fillRef>
+          <a:effectRef idx="0">
+            <a:srgbClr val="FFFFFF"/>
+          </a:effectRef>
+          <a:fontRef idx="minor">
+            <a:schemeClr val="tx1"/>
+          </a:fontRef>
+        </p:style>
+      </p:cxnSp>
+    </p:spTree>
+  </p:cSld>
+  <p:clrMapOvr>
+    <a:masterClrMapping/>
+  </p:clrMapOvr>
+</p:sld>
+</file>
+
+<file path=ppt/slides/slide5.xml><?xml version="1.0" encoding="utf-8"?>
+<p:sld xmlns:a="http://schemas.openxmlformats.org/drawingml/2006/main" xmlns:r="http://schemas.openxmlformats.org/officeDocument/2006/relationships" xmlns:p="http://schemas.openxmlformats.org/presentationml/2006/main">
+  <p:cSld>
+    <p:spTree>
+      <p:nvGrpSpPr>
+        <p:cNvPr id="1" name=""/>
+        <p:cNvGrpSpPr/>
+        <p:nvPr/>
+      </p:nvGrpSpPr>
+      <p:grpSpPr/>
+      <p:grpSp>
+        <p:nvGrpSpPr>
+          <p:cNvPr id="51" name="组合 50"/>
+          <p:cNvGrpSpPr/>
+          <p:nvPr/>
+        </p:nvGrpSpPr>
+        <p:grpSpPr>
+          <a:xfrm>
+            <a:off x="2555875" y="177165"/>
+            <a:ext cx="6499225" cy="6346825"/>
+            <a:chOff x="4025" y="279"/>
+            <a:chExt cx="10235" cy="9995"/>
+          </a:xfrm>
+        </p:grpSpPr>
+        <p:sp>
+          <p:nvSpPr>
+            <p:cNvPr id="10" name="椭圆 9"/>
+            <p:cNvSpPr/>
+            <p:nvPr/>
+          </p:nvSpPr>
+          <p:spPr>
+            <a:xfrm>
+              <a:off x="6335" y="2212"/>
+              <a:ext cx="5845" cy="5674"/>
+            </a:xfrm>
+            <a:prstGeom prst="ellipse">
+              <a:avLst/>
+            </a:prstGeom>
+            <a:solidFill>
+              <a:schemeClr val="accent3">
+                <a:lumMod val="20000"/>
+                <a:lumOff val="80000"/>
+              </a:schemeClr>
+            </a:solidFill>
+          </p:spPr>
+          <p:style>
+            <a:lnRef idx="2">
+              <a:schemeClr val="accent1">
+                <a:lumMod val="75000"/>
+              </a:schemeClr>
+            </a:lnRef>
+            <a:fillRef idx="1">
+              <a:schemeClr val="accent1"/>
+            </a:fillRef>
+            <a:effectRef idx="0">
+              <a:srgbClr val="FFFFFF"/>
+            </a:effectRef>
+            <a:fontRef idx="minor">
+              <a:schemeClr val="lt1"/>
+            </a:fontRef>
+          </p:style>
+          <p:txBody>
+            <a:bodyPr rtlCol="0" anchor="ctr"/>
+            <a:p>
+              <a:pPr algn="ctr"/>
+              <a:endParaRPr lang="zh-CN" altLang="en-US"/>
+            </a:p>
+          </p:txBody>
+        </p:sp>
+        <p:pic>
+          <p:nvPicPr>
+            <p:cNvPr id="31" name="图片 30"/>
+            <p:cNvPicPr>
+              <a:picLocks noChangeAspect="1"/>
+            </p:cNvPicPr>
+            <p:nvPr>
+              <p:custDataLst>
+                <p:tags r:id="rId1"/>
+              </p:custDataLst>
+            </p:nvPr>
+          </p:nvPicPr>
+          <p:blipFill>
+            <a:blip r:embed="rId2"/>
+            <a:srcRect l="11372" t="10228" r="7873" b="8710"/>
+          </p:blipFill>
+          <p:spPr>
+            <a:xfrm>
+              <a:off x="5906" y="7481"/>
+              <a:ext cx="1119" cy="1628"/>
+            </a:xfrm>
+            <a:prstGeom prst="rect">
+              <a:avLst/>
+            </a:prstGeom>
+          </p:spPr>
+        </p:pic>
+        <p:pic>
+          <p:nvPicPr>
+            <p:cNvPr id="36" name="图片 35"/>
+            <p:cNvPicPr>
+              <a:picLocks noChangeAspect="1"/>
+            </p:cNvPicPr>
+            <p:nvPr>
+              <p:custDataLst>
+                <p:tags r:id="rId3"/>
+              </p:custDataLst>
+            </p:nvPr>
+          </p:nvPicPr>
+          <p:blipFill>
+            <a:blip r:embed="rId2"/>
+            <a:srcRect l="11372" t="10228" r="7873" b="8710"/>
+          </p:blipFill>
+          <p:spPr>
+            <a:xfrm>
+              <a:off x="10691" y="7687"/>
+              <a:ext cx="1119" cy="1628"/>
+            </a:xfrm>
+            <a:prstGeom prst="rect">
+              <a:avLst/>
+            </a:prstGeom>
+          </p:spPr>
+        </p:pic>
+        <p:pic>
+          <p:nvPicPr>
+            <p:cNvPr id="37" name="图片 36"/>
+            <p:cNvPicPr>
+              <a:picLocks noChangeAspect="1"/>
+            </p:cNvPicPr>
+            <p:nvPr>
+              <p:custDataLst>
+                <p:tags r:id="rId4"/>
+              </p:custDataLst>
+            </p:nvPr>
+          </p:nvPicPr>
+          <p:blipFill>
+            <a:blip r:embed="rId2"/>
+            <a:srcRect l="11372" t="10228" r="7873" b="8710"/>
+          </p:blipFill>
+          <p:spPr>
+            <a:xfrm>
+              <a:off x="8714" y="279"/>
+              <a:ext cx="1119" cy="1628"/>
+            </a:xfrm>
+            <a:prstGeom prst="rect">
+              <a:avLst/>
+            </a:prstGeom>
+          </p:spPr>
+        </p:pic>
+        <p:pic>
+          <p:nvPicPr>
+            <p:cNvPr id="38" name="图片 37"/>
+            <p:cNvPicPr>
+              <a:picLocks noChangeAspect="1"/>
+            </p:cNvPicPr>
+            <p:nvPr>
+              <p:custDataLst>
+                <p:tags r:id="rId5"/>
+              </p:custDataLst>
+            </p:nvPr>
+          </p:nvPicPr>
+          <p:blipFill>
+            <a:blip r:embed="rId2"/>
+            <a:srcRect l="11372" t="10228" r="7873" b="8710"/>
+          </p:blipFill>
+          <p:spPr>
+            <a:xfrm>
+              <a:off x="5148" y="3085"/>
+              <a:ext cx="1119" cy="1628"/>
+            </a:xfrm>
+            <a:prstGeom prst="rect">
+              <a:avLst/>
+            </a:prstGeom>
+          </p:spPr>
+        </p:pic>
+        <p:pic>
+          <p:nvPicPr>
+            <p:cNvPr id="39" name="图片 38"/>
+            <p:cNvPicPr>
+              <a:picLocks noChangeAspect="1"/>
+            </p:cNvPicPr>
+            <p:nvPr>
+              <p:custDataLst>
+                <p:tags r:id="rId6"/>
+              </p:custDataLst>
+            </p:nvPr>
+          </p:nvPicPr>
+          <p:blipFill>
+            <a:blip r:embed="rId2"/>
+            <a:srcRect l="11372" t="10228" r="7873" b="8710"/>
+          </p:blipFill>
+          <p:spPr>
+            <a:xfrm>
+              <a:off x="12248" y="3085"/>
+              <a:ext cx="1119" cy="1628"/>
+            </a:xfrm>
+            <a:prstGeom prst="rect">
+              <a:avLst/>
+            </a:prstGeom>
+          </p:spPr>
+        </p:pic>
+        <p:pic>
+          <p:nvPicPr>
+            <p:cNvPr id="44" name="图片 43" descr="/Users/kevinqiu/Library/Containers/com.kingsoft.wpsoffice.mac/Data/tmp/kaimatting/20250315104844/output_aiMatting_20250315104847.pngoutput_aiMatting_20250315104847"/>
+            <p:cNvPicPr>
+              <a:picLocks noChangeAspect="1"/>
+            </p:cNvPicPr>
+            <p:nvPr>
+              <p:custDataLst>
+                <p:tags r:id="rId7"/>
+              </p:custDataLst>
+            </p:nvPr>
+          </p:nvPicPr>
+          <p:blipFill>
+            <a:blip r:embed="rId8"/>
+            <a:srcRect l="20706" r="47917"/>
+            <a:stretch>
+              <a:fillRect/>
+            </a:stretch>
+          </p:blipFill>
+          <p:spPr>
+            <a:xfrm>
+              <a:off x="9180" y="8016"/>
+              <a:ext cx="169" cy="2259"/>
+            </a:xfrm>
+            <a:prstGeom prst="rect">
+              <a:avLst/>
+            </a:prstGeom>
+          </p:spPr>
+        </p:pic>
+        <p:pic>
+          <p:nvPicPr>
+            <p:cNvPr id="45" name="图片 44" descr="/Users/kevinqiu/Library/Containers/com.kingsoft.wpsoffice.mac/Data/tmp/kaimatting/20250315104844/output_aiMatting_20250315104847.pngoutput_aiMatting_20250315104847"/>
+            <p:cNvPicPr>
+              <a:picLocks noChangeAspect="1"/>
+            </p:cNvPicPr>
+            <p:nvPr>
+              <p:custDataLst>
+                <p:tags r:id="rId9"/>
+              </p:custDataLst>
+            </p:nvPr>
+          </p:nvPicPr>
+          <p:blipFill>
+            <a:blip r:embed="rId8"/>
+            <a:srcRect l="20706" r="47917"/>
+            <a:stretch>
+              <a:fillRect/>
+            </a:stretch>
+          </p:blipFill>
+          <p:spPr>
+            <a:xfrm rot="18000000">
+              <a:off x="13047" y="5714"/>
+              <a:ext cx="169" cy="2259"/>
+            </a:xfrm>
+            <a:prstGeom prst="rect">
+              <a:avLst/>
+            </a:prstGeom>
+          </p:spPr>
+        </p:pic>
+        <p:pic>
+          <p:nvPicPr>
+            <p:cNvPr id="46" name="图片 45" descr="/Users/kevinqiu/Library/Containers/com.kingsoft.wpsoffice.mac/Data/tmp/kaimatting/20250315104844/output_aiMatting_20250315104847.pngoutput_aiMatting_20250315104847"/>
+            <p:cNvPicPr>
+              <a:picLocks noChangeAspect="1"/>
+            </p:cNvPicPr>
+            <p:nvPr>
+              <p:custDataLst>
+                <p:tags r:id="rId10"/>
+              </p:custDataLst>
+            </p:nvPr>
+          </p:nvPicPr>
+          <p:blipFill>
+            <a:blip r:embed="rId8"/>
+            <a:srcRect l="20706" r="47917"/>
+            <a:stretch>
+              <a:fillRect/>
+            </a:stretch>
+          </p:blipFill>
+          <p:spPr>
+            <a:xfrm rot="4500000">
+              <a:off x="5070" y="5284"/>
+              <a:ext cx="169" cy="2259"/>
+            </a:xfrm>
+            <a:prstGeom prst="rect">
+              <a:avLst/>
+            </a:prstGeom>
+          </p:spPr>
+        </p:pic>
+        <p:pic>
+          <p:nvPicPr>
+            <p:cNvPr id="47" name="图片 46" descr="/Users/kevinqiu/Library/Containers/com.kingsoft.wpsoffice.mac/Data/tmp/kaimatting/20250315104844/output_aiMatting_20250315104847.pngoutput_aiMatting_20250315104847"/>
+            <p:cNvPicPr>
+              <a:picLocks noChangeAspect="1"/>
+            </p:cNvPicPr>
+            <p:nvPr>
+              <p:custDataLst>
+                <p:tags r:id="rId11"/>
+              </p:custDataLst>
+            </p:nvPr>
+          </p:nvPicPr>
+          <p:blipFill>
+            <a:blip r:embed="rId8"/>
+            <a:srcRect l="20706" r="47917"/>
+            <a:stretch>
+              <a:fillRect/>
+            </a:stretch>
+          </p:blipFill>
+          <p:spPr>
+            <a:xfrm rot="8220000">
+              <a:off x="6832" y="476"/>
+              <a:ext cx="169" cy="2259"/>
+            </a:xfrm>
+            <a:prstGeom prst="rect">
+              <a:avLst/>
+            </a:prstGeom>
+          </p:spPr>
+        </p:pic>
+        <p:pic>
+          <p:nvPicPr>
+            <p:cNvPr id="48" name="图片 47" descr="/Users/kevinqiu/Library/Containers/com.kingsoft.wpsoffice.mac/Data/tmp/kaimatting/20250315104844/output_aiMatting_20250315104847.pngoutput_aiMatting_20250315104847"/>
+            <p:cNvPicPr>
+              <a:picLocks noChangeAspect="1"/>
+            </p:cNvPicPr>
+            <p:nvPr>
+              <p:custDataLst>
+                <p:tags r:id="rId12"/>
+              </p:custDataLst>
+            </p:nvPr>
+          </p:nvPicPr>
+          <p:blipFill>
+            <a:blip r:embed="rId8"/>
+            <a:srcRect l="20706" r="47917"/>
+            <a:stretch>
+              <a:fillRect/>
+            </a:stretch>
+          </p:blipFill>
+          <p:spPr>
+            <a:xfrm rot="12900000">
+              <a:off x="11430" y="386"/>
+              <a:ext cx="169" cy="2259"/>
+            </a:xfrm>
+            <a:prstGeom prst="rect">
+              <a:avLst/>
+            </a:prstGeom>
+          </p:spPr>
+        </p:pic>
+        <p:pic>
+          <p:nvPicPr>
+            <p:cNvPr id="50" name="图片 49"/>
+            <p:cNvPicPr>
+              <a:picLocks noChangeAspect="1"/>
+            </p:cNvPicPr>
+            <p:nvPr>
+              <p:custDataLst>
+                <p:tags r:id="rId13"/>
+              </p:custDataLst>
+            </p:nvPr>
+          </p:nvPicPr>
+          <p:blipFill>
+            <a:blip r:embed="rId14"/>
+          </p:blipFill>
+          <p:spPr>
+            <a:xfrm>
+              <a:off x="7501" y="3959"/>
+              <a:ext cx="3615" cy="2259"/>
+            </a:xfrm>
+            <a:prstGeom prst="rect">
+              <a:avLst/>
+            </a:prstGeom>
+          </p:spPr>
+        </p:pic>
+      </p:grpSp>
     </p:spTree>
   </p:cSld>
   <p:clrMapOvr>
@@ -9012,9 +9433,75 @@
 </p:tagLst>
 </file>
 
+<file path=ppt/tags/tag10.xml><?xml version="1.0" encoding="utf-8"?>
+<p:tagLst xmlns:p="http://schemas.openxmlformats.org/presentationml/2006/main">
+  <p:tag name="KSO_WM_BEAUTIFY_FLAG" val=""/>
+</p:tagLst>
+</file>
+
+<file path=ppt/tags/tag11.xml><?xml version="1.0" encoding="utf-8"?>
+<p:tagLst xmlns:p="http://schemas.openxmlformats.org/presentationml/2006/main">
+  <p:tag name="KSO_WM_BEAUTIFY_FLAG" val=""/>
+</p:tagLst>
+</file>
+
+<file path=ppt/tags/tag12.xml><?xml version="1.0" encoding="utf-8"?>
+<p:tagLst xmlns:p="http://schemas.openxmlformats.org/presentationml/2006/main">
+  <p:tag name="KSO_WM_BEAUTIFY_FLAG" val=""/>
+</p:tagLst>
+</file>
+
+<file path=ppt/tags/tag13.xml><?xml version="1.0" encoding="utf-8"?>
+<p:tagLst xmlns:p="http://schemas.openxmlformats.org/presentationml/2006/main">
+  <p:tag name="KSO_WM_BEAUTIFY_FLAG" val=""/>
+</p:tagLst>
+</file>
+
+<file path=ppt/tags/tag14.xml><?xml version="1.0" encoding="utf-8"?>
+<p:tagLst xmlns:p="http://schemas.openxmlformats.org/presentationml/2006/main">
+  <p:tag name="KSO_WM_BEAUTIFY_FLAG" val=""/>
+</p:tagLst>
+</file>
+
+<file path=ppt/tags/tag15.xml><?xml version="1.0" encoding="utf-8"?>
+<p:tagLst xmlns:p="http://schemas.openxmlformats.org/presentationml/2006/main">
+  <p:tag name="KSO_WM_BEAUTIFY_FLAG" val=""/>
+</p:tagLst>
+</file>
+
+<file path=ppt/tags/tag16.xml><?xml version="1.0" encoding="utf-8"?>
+<p:tagLst xmlns:p="http://schemas.openxmlformats.org/presentationml/2006/main">
+  <p:tag name="KSO_WM_BEAUTIFY_FLAG" val=""/>
+</p:tagLst>
+</file>
+
+<file path=ppt/tags/tag17.xml><?xml version="1.0" encoding="utf-8"?>
+<p:tagLst xmlns:p="http://schemas.openxmlformats.org/presentationml/2006/main">
+  <p:tag name="KSO_WM_BEAUTIFY_FLAG" val=""/>
+</p:tagLst>
+</file>
+
+<file path=ppt/tags/tag18.xml><?xml version="1.0" encoding="utf-8"?>
+<p:tagLst xmlns:p="http://schemas.openxmlformats.org/presentationml/2006/main">
+  <p:tag name="KSO_WM_BEAUTIFY_FLAG" val=""/>
+</p:tagLst>
+</file>
+
+<file path=ppt/tags/tag19.xml><?xml version="1.0" encoding="utf-8"?>
+<p:tagLst xmlns:p="http://schemas.openxmlformats.org/presentationml/2006/main">
+  <p:tag name="KSO_WM_BEAUTIFY_FLAG" val=""/>
+</p:tagLst>
+</file>
+
 <file path=ppt/tags/tag2.xml><?xml version="1.0" encoding="utf-8"?>
 <p:tagLst xmlns:p="http://schemas.openxmlformats.org/presentationml/2006/main">
   <p:tag name="KSO_WM_BEAUTIFY_FLAG" val=""/>
+</p:tagLst>
+</file>
+
+<file path=ppt/tags/tag20.xml><?xml version="1.0" encoding="utf-8"?>
+<p:tagLst xmlns:p="http://schemas.openxmlformats.org/presentationml/2006/main">
+  <p:tag name="commondata" val="eyJoZGlkIjoiZGRkYjQ2MDljZDFkZWNlN2RlZGFlMzAwNWFkMzZlYmEifQ=="/>
 </p:tagLst>
 </file>
 
@@ -9056,7 +9543,7 @@
 
 <file path=ppt/tags/tag9.xml><?xml version="1.0" encoding="utf-8"?>
 <p:tagLst xmlns:p="http://schemas.openxmlformats.org/presentationml/2006/main">
-  <p:tag name="commondata" val="eyJoZGlkIjoiZGRkYjQ2MDljZDFkZWNlN2RlZGFlMzAwNWFkMzZlYmEifQ=="/>
+  <p:tag name="KSO_WM_BEAUTIFY_FLAG" val=""/>
 </p:tagLst>
 </file>
 

--- a/JavaEE 学习/流程图&示意图.pptx
+++ b/JavaEE 学习/流程图&示意图.pptx
@@ -8,7 +8,7 @@
     <p:notesMasterId r:id="rId4"/>
   </p:notesMasterIdLst>
   <p:handoutMasterIdLst>
-    <p:handoutMasterId r:id="rId9"/>
+    <p:handoutMasterId r:id="rId11"/>
   </p:handoutMasterIdLst>
   <p:sldIdLst>
     <p:sldId id="256" r:id="rId3"/>
@@ -16,11 +16,13 @@
     <p:sldId id="260" r:id="rId6"/>
     <p:sldId id="259" r:id="rId7"/>
     <p:sldId id="258" r:id="rId8"/>
+    <p:sldId id="263" r:id="rId9"/>
+    <p:sldId id="264" r:id="rId10"/>
   </p:sldIdLst>
   <p:sldSz cx="12192000" cy="6858000"/>
   <p:notesSz cx="7103745" cy="10234295"/>
   <p:custDataLst>
-    <p:tags r:id="rId13"/>
+    <p:tags r:id="rId15"/>
   </p:custDataLst>
   <p:defaultTextStyle>
     <a:defPPr>
@@ -9427,6 +9429,1454 @@
 </p:sld>
 </file>
 
+<file path=ppt/slides/slide6.xml><?xml version="1.0" encoding="utf-8"?>
+<p:sld xmlns:a="http://schemas.openxmlformats.org/drawingml/2006/main" xmlns:r="http://schemas.openxmlformats.org/officeDocument/2006/relationships" xmlns:p="http://schemas.openxmlformats.org/presentationml/2006/main">
+  <p:cSld>
+    <p:spTree>
+      <p:nvGrpSpPr>
+        <p:cNvPr id="1" name=""/>
+        <p:cNvGrpSpPr/>
+        <p:nvPr/>
+      </p:nvGrpSpPr>
+      <p:grpSpPr/>
+      <p:grpSp>
+        <p:nvGrpSpPr>
+          <p:cNvPr id="12" name="组合 11"/>
+          <p:cNvGrpSpPr/>
+          <p:nvPr/>
+        </p:nvGrpSpPr>
+        <p:grpSpPr>
+          <a:xfrm>
+            <a:off x="1758315" y="970280"/>
+            <a:ext cx="5111115" cy="5020310"/>
+            <a:chOff x="2769" y="1528"/>
+            <a:chExt cx="8049" cy="7906"/>
+          </a:xfrm>
+        </p:grpSpPr>
+        <p:sp>
+          <p:nvSpPr>
+            <p:cNvPr id="27" name="椭圆 26"/>
+            <p:cNvSpPr/>
+            <p:nvPr>
+              <p:custDataLst>
+                <p:tags r:id="rId1"/>
+              </p:custDataLst>
+            </p:nvPr>
+          </p:nvSpPr>
+          <p:spPr>
+            <a:xfrm>
+              <a:off x="2769" y="2768"/>
+              <a:ext cx="1440" cy="1440"/>
+            </a:xfrm>
+            <a:prstGeom prst="ellipse">
+              <a:avLst/>
+            </a:prstGeom>
+            <a:solidFill>
+              <a:schemeClr val="accent5">
+                <a:lumMod val="20000"/>
+                <a:lumOff val="80000"/>
+              </a:schemeClr>
+            </a:solidFill>
+          </p:spPr>
+          <p:style>
+            <a:lnRef idx="2">
+              <a:schemeClr val="accent1">
+                <a:lumMod val="75000"/>
+              </a:schemeClr>
+            </a:lnRef>
+            <a:fillRef idx="1">
+              <a:schemeClr val="accent1"/>
+            </a:fillRef>
+            <a:effectRef idx="0">
+              <a:srgbClr val="FFFFFF"/>
+            </a:effectRef>
+            <a:fontRef idx="minor">
+              <a:schemeClr val="lt1"/>
+            </a:fontRef>
+          </p:style>
+          <p:txBody>
+            <a:bodyPr rtlCol="0" anchor="ctr"/>
+            <a:p>
+              <a:pPr algn="ctr"/>
+              <a:endParaRPr lang="zh-CN" altLang="en-US"/>
+            </a:p>
+          </p:txBody>
+        </p:sp>
+        <p:sp>
+          <p:nvSpPr>
+            <p:cNvPr id="28" name="椭圆 27"/>
+            <p:cNvSpPr/>
+            <p:nvPr>
+              <p:custDataLst>
+                <p:tags r:id="rId2"/>
+              </p:custDataLst>
+            </p:nvPr>
+          </p:nvSpPr>
+          <p:spPr>
+            <a:xfrm>
+              <a:off x="5943" y="5903"/>
+              <a:ext cx="1440" cy="1440"/>
+            </a:xfrm>
+            <a:prstGeom prst="ellipse">
+              <a:avLst/>
+            </a:prstGeom>
+            <a:solidFill>
+              <a:schemeClr val="accent5">
+                <a:lumMod val="20000"/>
+                <a:lumOff val="80000"/>
+              </a:schemeClr>
+            </a:solidFill>
+          </p:spPr>
+          <p:style>
+            <a:lnRef idx="2">
+              <a:schemeClr val="accent1">
+                <a:lumMod val="75000"/>
+              </a:schemeClr>
+            </a:lnRef>
+            <a:fillRef idx="1">
+              <a:schemeClr val="accent1"/>
+            </a:fillRef>
+            <a:effectRef idx="0">
+              <a:srgbClr val="FFFFFF"/>
+            </a:effectRef>
+            <a:fontRef idx="minor">
+              <a:schemeClr val="lt1"/>
+            </a:fontRef>
+          </p:style>
+          <p:txBody>
+            <a:bodyPr rtlCol="0" anchor="ctr"/>
+            <a:p>
+              <a:pPr algn="ctr"/>
+              <a:endParaRPr lang="zh-CN" altLang="en-US"/>
+            </a:p>
+          </p:txBody>
+        </p:sp>
+        <p:sp>
+          <p:nvSpPr>
+            <p:cNvPr id="29" name="椭圆 28"/>
+            <p:cNvSpPr/>
+            <p:nvPr>
+              <p:custDataLst>
+                <p:tags r:id="rId3"/>
+              </p:custDataLst>
+            </p:nvPr>
+          </p:nvSpPr>
+          <p:spPr>
+            <a:xfrm>
+              <a:off x="5943" y="3496"/>
+              <a:ext cx="1440" cy="1440"/>
+            </a:xfrm>
+            <a:prstGeom prst="ellipse">
+              <a:avLst/>
+            </a:prstGeom>
+            <a:solidFill>
+              <a:schemeClr val="accent5">
+                <a:lumMod val="20000"/>
+                <a:lumOff val="80000"/>
+              </a:schemeClr>
+            </a:solidFill>
+          </p:spPr>
+          <p:style>
+            <a:lnRef idx="2">
+              <a:schemeClr val="accent1">
+                <a:lumMod val="75000"/>
+              </a:schemeClr>
+            </a:lnRef>
+            <a:fillRef idx="1">
+              <a:schemeClr val="accent1"/>
+            </a:fillRef>
+            <a:effectRef idx="0">
+              <a:srgbClr val="FFFFFF"/>
+            </a:effectRef>
+            <a:fontRef idx="minor">
+              <a:schemeClr val="lt1"/>
+            </a:fontRef>
+          </p:style>
+          <p:txBody>
+            <a:bodyPr rtlCol="0" anchor="ctr"/>
+            <a:p>
+              <a:pPr algn="ctr"/>
+              <a:endParaRPr lang="zh-CN" altLang="en-US"/>
+            </a:p>
+          </p:txBody>
+        </p:sp>
+        <p:sp>
+          <p:nvSpPr>
+            <p:cNvPr id="30" name="椭圆 29"/>
+            <p:cNvSpPr/>
+            <p:nvPr>
+              <p:custDataLst>
+                <p:tags r:id="rId4"/>
+              </p:custDataLst>
+            </p:nvPr>
+          </p:nvSpPr>
+          <p:spPr>
+            <a:xfrm>
+              <a:off x="5943" y="1528"/>
+              <a:ext cx="1440" cy="1440"/>
+            </a:xfrm>
+            <a:prstGeom prst="ellipse">
+              <a:avLst/>
+            </a:prstGeom>
+            <a:solidFill>
+              <a:schemeClr val="accent5">
+                <a:lumMod val="20000"/>
+                <a:lumOff val="80000"/>
+              </a:schemeClr>
+            </a:solidFill>
+          </p:spPr>
+          <p:style>
+            <a:lnRef idx="2">
+              <a:schemeClr val="accent1">
+                <a:lumMod val="75000"/>
+              </a:schemeClr>
+            </a:lnRef>
+            <a:fillRef idx="1">
+              <a:schemeClr val="accent1"/>
+            </a:fillRef>
+            <a:effectRef idx="0">
+              <a:srgbClr val="FFFFFF"/>
+            </a:effectRef>
+            <a:fontRef idx="minor">
+              <a:schemeClr val="lt1"/>
+            </a:fontRef>
+          </p:style>
+          <p:txBody>
+            <a:bodyPr rtlCol="0" anchor="ctr"/>
+            <a:p>
+              <a:pPr algn="ctr"/>
+              <a:endParaRPr lang="zh-CN" altLang="en-US"/>
+            </a:p>
+          </p:txBody>
+        </p:sp>
+        <p:sp>
+          <p:nvSpPr>
+            <p:cNvPr id="31" name="椭圆 30"/>
+            <p:cNvSpPr/>
+            <p:nvPr>
+              <p:custDataLst>
+                <p:tags r:id="rId5"/>
+              </p:custDataLst>
+            </p:nvPr>
+          </p:nvSpPr>
+          <p:spPr>
+            <a:xfrm>
+              <a:off x="2769" y="4936"/>
+              <a:ext cx="1440" cy="1440"/>
+            </a:xfrm>
+            <a:prstGeom prst="ellipse">
+              <a:avLst/>
+            </a:prstGeom>
+            <a:solidFill>
+              <a:schemeClr val="accent5">
+                <a:lumMod val="20000"/>
+                <a:lumOff val="80000"/>
+              </a:schemeClr>
+            </a:solidFill>
+          </p:spPr>
+          <p:style>
+            <a:lnRef idx="2">
+              <a:schemeClr val="accent1">
+                <a:lumMod val="75000"/>
+              </a:schemeClr>
+            </a:lnRef>
+            <a:fillRef idx="1">
+              <a:schemeClr val="accent1"/>
+            </a:fillRef>
+            <a:effectRef idx="0">
+              <a:srgbClr val="FFFFFF"/>
+            </a:effectRef>
+            <a:fontRef idx="minor">
+              <a:schemeClr val="lt1"/>
+            </a:fontRef>
+          </p:style>
+          <p:txBody>
+            <a:bodyPr rtlCol="0" anchor="ctr"/>
+            <a:p>
+              <a:pPr algn="ctr"/>
+              <a:endParaRPr lang="zh-CN" altLang="en-US"/>
+            </a:p>
+          </p:txBody>
+        </p:sp>
+        <p:sp>
+          <p:nvSpPr>
+            <p:cNvPr id="32" name="椭圆 31"/>
+            <p:cNvSpPr/>
+            <p:nvPr>
+              <p:custDataLst>
+                <p:tags r:id="rId6"/>
+              </p:custDataLst>
+            </p:nvPr>
+          </p:nvSpPr>
+          <p:spPr>
+            <a:xfrm>
+              <a:off x="2769" y="7104"/>
+              <a:ext cx="1440" cy="1440"/>
+            </a:xfrm>
+            <a:prstGeom prst="ellipse">
+              <a:avLst/>
+            </a:prstGeom>
+            <a:solidFill>
+              <a:schemeClr val="accent5">
+                <a:lumMod val="20000"/>
+                <a:lumOff val="80000"/>
+              </a:schemeClr>
+            </a:solidFill>
+          </p:spPr>
+          <p:style>
+            <a:lnRef idx="2">
+              <a:schemeClr val="accent1">
+                <a:lumMod val="75000"/>
+              </a:schemeClr>
+            </a:lnRef>
+            <a:fillRef idx="1">
+              <a:schemeClr val="accent1"/>
+            </a:fillRef>
+            <a:effectRef idx="0">
+              <a:srgbClr val="FFFFFF"/>
+            </a:effectRef>
+            <a:fontRef idx="minor">
+              <a:schemeClr val="lt1"/>
+            </a:fontRef>
+          </p:style>
+          <p:txBody>
+            <a:bodyPr rtlCol="0" anchor="ctr"/>
+            <a:p>
+              <a:pPr algn="ctr"/>
+              <a:endParaRPr lang="zh-CN" altLang="en-US"/>
+            </a:p>
+          </p:txBody>
+        </p:sp>
+        <p:sp>
+          <p:nvSpPr>
+            <p:cNvPr id="33" name="椭圆 32"/>
+            <p:cNvSpPr/>
+            <p:nvPr>
+              <p:custDataLst>
+                <p:tags r:id="rId7"/>
+              </p:custDataLst>
+            </p:nvPr>
+          </p:nvSpPr>
+          <p:spPr>
+            <a:xfrm>
+              <a:off x="5943" y="7994"/>
+              <a:ext cx="1440" cy="1440"/>
+            </a:xfrm>
+            <a:prstGeom prst="ellipse">
+              <a:avLst/>
+            </a:prstGeom>
+            <a:solidFill>
+              <a:schemeClr val="accent5">
+                <a:lumMod val="20000"/>
+                <a:lumOff val="80000"/>
+              </a:schemeClr>
+            </a:solidFill>
+          </p:spPr>
+          <p:style>
+            <a:lnRef idx="2">
+              <a:schemeClr val="accent1">
+                <a:lumMod val="75000"/>
+              </a:schemeClr>
+            </a:lnRef>
+            <a:fillRef idx="1">
+              <a:schemeClr val="accent1"/>
+            </a:fillRef>
+            <a:effectRef idx="0">
+              <a:srgbClr val="FFFFFF"/>
+            </a:effectRef>
+            <a:fontRef idx="minor">
+              <a:schemeClr val="lt1"/>
+            </a:fontRef>
+          </p:style>
+          <p:txBody>
+            <a:bodyPr rtlCol="0" anchor="ctr"/>
+            <a:p>
+              <a:pPr algn="ctr"/>
+              <a:endParaRPr lang="zh-CN" altLang="en-US"/>
+            </a:p>
+          </p:txBody>
+        </p:sp>
+        <p:cxnSp>
+          <p:nvCxnSpPr>
+            <p:cNvPr id="37" name="直接连接符 36"/>
+            <p:cNvCxnSpPr>
+              <a:stCxn id="27" idx="6"/>
+              <a:endCxn id="30" idx="2"/>
+            </p:cNvCxnSpPr>
+            <p:nvPr>
+              <p:custDataLst>
+                <p:tags r:id="rId8"/>
+              </p:custDataLst>
+            </p:nvPr>
+          </p:nvCxnSpPr>
+          <p:spPr>
+            <a:xfrm flipV="1">
+              <a:off x="4209" y="2248"/>
+              <a:ext cx="1734" cy="1240"/>
+            </a:xfrm>
+            <a:prstGeom prst="line">
+              <a:avLst/>
+            </a:prstGeom>
+            <a:ln w="28575" cap="flat" cmpd="sng">
+              <a:solidFill>
+                <a:schemeClr val="bg2">
+                  <a:lumMod val="50000"/>
+                </a:schemeClr>
+              </a:solidFill>
+              <a:prstDash val="solid"/>
+              <a:miter lim="800000"/>
+              <a:headEnd type="none"/>
+              <a:tailEnd type="none"/>
+            </a:ln>
+          </p:spPr>
+          <p:style>
+            <a:lnRef idx="2">
+              <a:schemeClr val="accent1"/>
+            </a:lnRef>
+            <a:fillRef idx="0">
+              <a:srgbClr val="FFFFFF"/>
+            </a:fillRef>
+            <a:effectRef idx="0">
+              <a:srgbClr val="FFFFFF"/>
+            </a:effectRef>
+            <a:fontRef idx="minor">
+              <a:schemeClr val="tx1"/>
+            </a:fontRef>
+          </p:style>
+        </p:cxnSp>
+        <p:cxnSp>
+          <p:nvCxnSpPr>
+            <p:cNvPr id="38" name="直接连接符 37"/>
+            <p:cNvCxnSpPr>
+              <a:stCxn id="27" idx="6"/>
+              <a:endCxn id="29" idx="2"/>
+            </p:cNvCxnSpPr>
+            <p:nvPr>
+              <p:custDataLst>
+                <p:tags r:id="rId9"/>
+              </p:custDataLst>
+            </p:nvPr>
+          </p:nvCxnSpPr>
+          <p:spPr>
+            <a:xfrm>
+              <a:off x="4209" y="3488"/>
+              <a:ext cx="1734" cy="728"/>
+            </a:xfrm>
+            <a:prstGeom prst="line">
+              <a:avLst/>
+            </a:prstGeom>
+            <a:ln w="28575" cap="flat" cmpd="sng">
+              <a:solidFill>
+                <a:schemeClr val="bg2">
+                  <a:lumMod val="50000"/>
+                </a:schemeClr>
+              </a:solidFill>
+              <a:prstDash val="solid"/>
+              <a:miter lim="800000"/>
+              <a:headEnd type="none"/>
+              <a:tailEnd type="none"/>
+            </a:ln>
+          </p:spPr>
+          <p:style>
+            <a:lnRef idx="2">
+              <a:schemeClr val="accent1"/>
+            </a:lnRef>
+            <a:fillRef idx="0">
+              <a:srgbClr val="FFFFFF"/>
+            </a:fillRef>
+            <a:effectRef idx="0">
+              <a:srgbClr val="FFFFFF"/>
+            </a:effectRef>
+            <a:fontRef idx="minor">
+              <a:schemeClr val="tx1"/>
+            </a:fontRef>
+          </p:style>
+        </p:cxnSp>
+        <p:cxnSp>
+          <p:nvCxnSpPr>
+            <p:cNvPr id="39" name="直接连接符 38"/>
+            <p:cNvCxnSpPr>
+              <a:endCxn id="28" idx="2"/>
+            </p:cNvCxnSpPr>
+            <p:nvPr>
+              <p:custDataLst>
+                <p:tags r:id="rId10"/>
+              </p:custDataLst>
+            </p:nvPr>
+          </p:nvCxnSpPr>
+          <p:spPr>
+            <a:xfrm>
+              <a:off x="4209" y="3488"/>
+              <a:ext cx="1734" cy="3135"/>
+            </a:xfrm>
+            <a:prstGeom prst="line">
+              <a:avLst/>
+            </a:prstGeom>
+            <a:ln w="28575" cap="flat" cmpd="sng">
+              <a:solidFill>
+                <a:schemeClr val="bg2">
+                  <a:lumMod val="50000"/>
+                </a:schemeClr>
+              </a:solidFill>
+              <a:prstDash val="solid"/>
+              <a:miter lim="800000"/>
+              <a:headEnd type="none"/>
+              <a:tailEnd type="none"/>
+            </a:ln>
+          </p:spPr>
+          <p:style>
+            <a:lnRef idx="2">
+              <a:schemeClr val="accent1"/>
+            </a:lnRef>
+            <a:fillRef idx="0">
+              <a:srgbClr val="FFFFFF"/>
+            </a:fillRef>
+            <a:effectRef idx="0">
+              <a:srgbClr val="FFFFFF"/>
+            </a:effectRef>
+            <a:fontRef idx="minor">
+              <a:schemeClr val="tx1"/>
+            </a:fontRef>
+          </p:style>
+        </p:cxnSp>
+        <p:cxnSp>
+          <p:nvCxnSpPr>
+            <p:cNvPr id="42" name="直接连接符 41"/>
+            <p:cNvCxnSpPr>
+              <a:stCxn id="31" idx="6"/>
+              <a:endCxn id="30" idx="2"/>
+            </p:cNvCxnSpPr>
+            <p:nvPr>
+              <p:custDataLst>
+                <p:tags r:id="rId11"/>
+              </p:custDataLst>
+            </p:nvPr>
+          </p:nvCxnSpPr>
+          <p:spPr>
+            <a:xfrm flipV="1">
+              <a:off x="4209" y="2248"/>
+              <a:ext cx="1734" cy="3408"/>
+            </a:xfrm>
+            <a:prstGeom prst="line">
+              <a:avLst/>
+            </a:prstGeom>
+            <a:ln w="28575" cap="flat" cmpd="sng">
+              <a:solidFill>
+                <a:schemeClr val="bg2">
+                  <a:lumMod val="50000"/>
+                </a:schemeClr>
+              </a:solidFill>
+              <a:prstDash val="solid"/>
+              <a:miter lim="800000"/>
+              <a:headEnd type="none"/>
+              <a:tailEnd type="none"/>
+            </a:ln>
+          </p:spPr>
+          <p:style>
+            <a:lnRef idx="2">
+              <a:schemeClr val="accent1"/>
+            </a:lnRef>
+            <a:fillRef idx="0">
+              <a:srgbClr val="FFFFFF"/>
+            </a:fillRef>
+            <a:effectRef idx="0">
+              <a:srgbClr val="FFFFFF"/>
+            </a:effectRef>
+            <a:fontRef idx="minor">
+              <a:schemeClr val="tx1"/>
+            </a:fontRef>
+          </p:style>
+        </p:cxnSp>
+        <p:cxnSp>
+          <p:nvCxnSpPr>
+            <p:cNvPr id="43" name="直接连接符 42"/>
+            <p:cNvCxnSpPr>
+              <a:stCxn id="31" idx="6"/>
+              <a:endCxn id="29" idx="2"/>
+            </p:cNvCxnSpPr>
+            <p:nvPr>
+              <p:custDataLst>
+                <p:tags r:id="rId12"/>
+              </p:custDataLst>
+            </p:nvPr>
+          </p:nvCxnSpPr>
+          <p:spPr>
+            <a:xfrm flipV="1">
+              <a:off x="4209" y="4216"/>
+              <a:ext cx="1734" cy="1440"/>
+            </a:xfrm>
+            <a:prstGeom prst="line">
+              <a:avLst/>
+            </a:prstGeom>
+            <a:ln w="28575" cap="flat" cmpd="sng">
+              <a:solidFill>
+                <a:schemeClr val="bg2">
+                  <a:lumMod val="50000"/>
+                </a:schemeClr>
+              </a:solidFill>
+              <a:prstDash val="solid"/>
+              <a:miter lim="800000"/>
+              <a:headEnd type="none"/>
+              <a:tailEnd type="none"/>
+            </a:ln>
+          </p:spPr>
+          <p:style>
+            <a:lnRef idx="2">
+              <a:schemeClr val="accent1"/>
+            </a:lnRef>
+            <a:fillRef idx="0">
+              <a:srgbClr val="FFFFFF"/>
+            </a:fillRef>
+            <a:effectRef idx="0">
+              <a:srgbClr val="FFFFFF"/>
+            </a:effectRef>
+            <a:fontRef idx="minor">
+              <a:schemeClr val="tx1"/>
+            </a:fontRef>
+          </p:style>
+        </p:cxnSp>
+        <p:cxnSp>
+          <p:nvCxnSpPr>
+            <p:cNvPr id="44" name="直接连接符 43"/>
+            <p:cNvCxnSpPr>
+              <a:stCxn id="31" idx="6"/>
+              <a:endCxn id="28" idx="2"/>
+            </p:cNvCxnSpPr>
+            <p:nvPr>
+              <p:custDataLst>
+                <p:tags r:id="rId13"/>
+              </p:custDataLst>
+            </p:nvPr>
+          </p:nvCxnSpPr>
+          <p:spPr>
+            <a:xfrm>
+              <a:off x="4209" y="5656"/>
+              <a:ext cx="1734" cy="967"/>
+            </a:xfrm>
+            <a:prstGeom prst="line">
+              <a:avLst/>
+            </a:prstGeom>
+            <a:ln w="28575" cap="flat" cmpd="sng">
+              <a:solidFill>
+                <a:schemeClr val="bg2">
+                  <a:lumMod val="50000"/>
+                </a:schemeClr>
+              </a:solidFill>
+              <a:prstDash val="solid"/>
+              <a:miter lim="800000"/>
+              <a:headEnd type="none"/>
+              <a:tailEnd type="none"/>
+            </a:ln>
+          </p:spPr>
+          <p:style>
+            <a:lnRef idx="2">
+              <a:schemeClr val="accent1"/>
+            </a:lnRef>
+            <a:fillRef idx="0">
+              <a:srgbClr val="FFFFFF"/>
+            </a:fillRef>
+            <a:effectRef idx="0">
+              <a:srgbClr val="FFFFFF"/>
+            </a:effectRef>
+            <a:fontRef idx="minor">
+              <a:schemeClr val="tx1"/>
+            </a:fontRef>
+          </p:style>
+        </p:cxnSp>
+        <p:cxnSp>
+          <p:nvCxnSpPr>
+            <p:cNvPr id="47" name="直接连接符 46"/>
+            <p:cNvCxnSpPr>
+              <a:stCxn id="32" idx="6"/>
+              <a:endCxn id="28" idx="2"/>
+            </p:cNvCxnSpPr>
+            <p:nvPr>
+              <p:custDataLst>
+                <p:tags r:id="rId14"/>
+              </p:custDataLst>
+            </p:nvPr>
+          </p:nvCxnSpPr>
+          <p:spPr>
+            <a:xfrm flipV="1">
+              <a:off x="4209" y="6623"/>
+              <a:ext cx="1734" cy="1201"/>
+            </a:xfrm>
+            <a:prstGeom prst="line">
+              <a:avLst/>
+            </a:prstGeom>
+            <a:ln w="28575" cap="flat" cmpd="sng">
+              <a:solidFill>
+                <a:schemeClr val="bg2">
+                  <a:lumMod val="50000"/>
+                </a:schemeClr>
+              </a:solidFill>
+              <a:prstDash val="solid"/>
+              <a:miter lim="800000"/>
+              <a:headEnd type="none"/>
+              <a:tailEnd type="none"/>
+            </a:ln>
+          </p:spPr>
+          <p:style>
+            <a:lnRef idx="2">
+              <a:schemeClr val="accent1"/>
+            </a:lnRef>
+            <a:fillRef idx="0">
+              <a:srgbClr val="FFFFFF"/>
+            </a:fillRef>
+            <a:effectRef idx="0">
+              <a:srgbClr val="FFFFFF"/>
+            </a:effectRef>
+            <a:fontRef idx="minor">
+              <a:schemeClr val="tx1"/>
+            </a:fontRef>
+          </p:style>
+        </p:cxnSp>
+        <p:cxnSp>
+          <p:nvCxnSpPr>
+            <p:cNvPr id="48" name="直接连接符 47"/>
+            <p:cNvCxnSpPr>
+              <a:stCxn id="32" idx="6"/>
+              <a:endCxn id="29" idx="2"/>
+            </p:cNvCxnSpPr>
+            <p:nvPr>
+              <p:custDataLst>
+                <p:tags r:id="rId15"/>
+              </p:custDataLst>
+            </p:nvPr>
+          </p:nvCxnSpPr>
+          <p:spPr>
+            <a:xfrm flipV="1">
+              <a:off x="4209" y="4216"/>
+              <a:ext cx="1734" cy="3608"/>
+            </a:xfrm>
+            <a:prstGeom prst="line">
+              <a:avLst/>
+            </a:prstGeom>
+            <a:ln w="28575" cap="flat" cmpd="sng">
+              <a:solidFill>
+                <a:schemeClr val="bg2">
+                  <a:lumMod val="50000"/>
+                </a:schemeClr>
+              </a:solidFill>
+              <a:prstDash val="solid"/>
+              <a:miter lim="800000"/>
+              <a:headEnd type="none"/>
+              <a:tailEnd type="none"/>
+            </a:ln>
+          </p:spPr>
+          <p:style>
+            <a:lnRef idx="2">
+              <a:schemeClr val="accent1"/>
+            </a:lnRef>
+            <a:fillRef idx="0">
+              <a:srgbClr val="FFFFFF"/>
+            </a:fillRef>
+            <a:effectRef idx="0">
+              <a:srgbClr val="FFFFFF"/>
+            </a:effectRef>
+            <a:fontRef idx="minor">
+              <a:schemeClr val="tx1"/>
+            </a:fontRef>
+          </p:style>
+        </p:cxnSp>
+        <p:cxnSp>
+          <p:nvCxnSpPr>
+            <p:cNvPr id="49" name="直接连接符 48"/>
+            <p:cNvCxnSpPr>
+              <a:stCxn id="32" idx="6"/>
+              <a:endCxn id="30" idx="2"/>
+            </p:cNvCxnSpPr>
+            <p:nvPr>
+              <p:custDataLst>
+                <p:tags r:id="rId16"/>
+              </p:custDataLst>
+            </p:nvPr>
+          </p:nvCxnSpPr>
+          <p:spPr>
+            <a:xfrm flipV="1">
+              <a:off x="4209" y="2248"/>
+              <a:ext cx="1734" cy="5576"/>
+            </a:xfrm>
+            <a:prstGeom prst="line">
+              <a:avLst/>
+            </a:prstGeom>
+            <a:ln w="28575" cap="flat" cmpd="sng">
+              <a:solidFill>
+                <a:schemeClr val="bg2">
+                  <a:lumMod val="50000"/>
+                </a:schemeClr>
+              </a:solidFill>
+              <a:prstDash val="solid"/>
+              <a:miter lim="800000"/>
+              <a:headEnd type="none"/>
+              <a:tailEnd type="none"/>
+            </a:ln>
+          </p:spPr>
+          <p:style>
+            <a:lnRef idx="2">
+              <a:schemeClr val="accent1"/>
+            </a:lnRef>
+            <a:fillRef idx="0">
+              <a:srgbClr val="FFFFFF"/>
+            </a:fillRef>
+            <a:effectRef idx="0">
+              <a:srgbClr val="FFFFFF"/>
+            </a:effectRef>
+            <a:fontRef idx="minor">
+              <a:schemeClr val="tx1"/>
+            </a:fontRef>
+          </p:style>
+        </p:cxnSp>
+        <p:sp>
+          <p:nvSpPr>
+            <p:cNvPr id="62" name="椭圆 61"/>
+            <p:cNvSpPr/>
+            <p:nvPr>
+              <p:custDataLst>
+                <p:tags r:id="rId17"/>
+              </p:custDataLst>
+            </p:nvPr>
+          </p:nvSpPr>
+          <p:spPr>
+            <a:xfrm>
+              <a:off x="9378" y="3488"/>
+              <a:ext cx="1440" cy="1440"/>
+            </a:xfrm>
+            <a:prstGeom prst="ellipse">
+              <a:avLst/>
+            </a:prstGeom>
+            <a:solidFill>
+              <a:schemeClr val="accent5">
+                <a:lumMod val="20000"/>
+                <a:lumOff val="80000"/>
+              </a:schemeClr>
+            </a:solidFill>
+          </p:spPr>
+          <p:style>
+            <a:lnRef idx="2">
+              <a:schemeClr val="accent1">
+                <a:lumMod val="75000"/>
+              </a:schemeClr>
+            </a:lnRef>
+            <a:fillRef idx="1">
+              <a:schemeClr val="accent1"/>
+            </a:fillRef>
+            <a:effectRef idx="0">
+              <a:srgbClr val="FFFFFF"/>
+            </a:effectRef>
+            <a:fontRef idx="minor">
+              <a:schemeClr val="lt1"/>
+            </a:fontRef>
+          </p:style>
+          <p:txBody>
+            <a:bodyPr rtlCol="0" anchor="ctr"/>
+            <a:p>
+              <a:pPr algn="ctr"/>
+              <a:endParaRPr lang="zh-CN" altLang="en-US"/>
+            </a:p>
+          </p:txBody>
+        </p:sp>
+        <p:sp>
+          <p:nvSpPr>
+            <p:cNvPr id="63" name="椭圆 62"/>
+            <p:cNvSpPr/>
+            <p:nvPr>
+              <p:custDataLst>
+                <p:tags r:id="rId18"/>
+              </p:custDataLst>
+            </p:nvPr>
+          </p:nvSpPr>
+          <p:spPr>
+            <a:xfrm>
+              <a:off x="9378" y="5903"/>
+              <a:ext cx="1440" cy="1440"/>
+            </a:xfrm>
+            <a:prstGeom prst="ellipse">
+              <a:avLst/>
+            </a:prstGeom>
+            <a:solidFill>
+              <a:schemeClr val="accent5">
+                <a:lumMod val="20000"/>
+                <a:lumOff val="80000"/>
+              </a:schemeClr>
+            </a:solidFill>
+          </p:spPr>
+          <p:style>
+            <a:lnRef idx="2">
+              <a:schemeClr val="accent1">
+                <a:lumMod val="75000"/>
+              </a:schemeClr>
+            </a:lnRef>
+            <a:fillRef idx="1">
+              <a:schemeClr val="accent1"/>
+            </a:fillRef>
+            <a:effectRef idx="0">
+              <a:srgbClr val="FFFFFF"/>
+            </a:effectRef>
+            <a:fontRef idx="minor">
+              <a:schemeClr val="lt1"/>
+            </a:fontRef>
+          </p:style>
+          <p:txBody>
+            <a:bodyPr rtlCol="0" anchor="ctr"/>
+            <a:p>
+              <a:pPr algn="ctr"/>
+              <a:endParaRPr lang="zh-CN" altLang="en-US"/>
+            </a:p>
+          </p:txBody>
+        </p:sp>
+        <p:cxnSp>
+          <p:nvCxnSpPr>
+            <p:cNvPr id="70" name="直接连接符 69"/>
+            <p:cNvCxnSpPr>
+              <a:stCxn id="33" idx="2"/>
+              <a:endCxn id="32" idx="6"/>
+            </p:cNvCxnSpPr>
+            <p:nvPr>
+              <p:custDataLst>
+                <p:tags r:id="rId19"/>
+              </p:custDataLst>
+            </p:nvPr>
+          </p:nvCxnSpPr>
+          <p:spPr>
+            <a:xfrm flipH="1" flipV="1">
+              <a:off x="4209" y="7824"/>
+              <a:ext cx="1734" cy="890"/>
+            </a:xfrm>
+            <a:prstGeom prst="line">
+              <a:avLst/>
+            </a:prstGeom>
+            <a:ln w="28575" cap="flat" cmpd="sng">
+              <a:solidFill>
+                <a:schemeClr val="bg2">
+                  <a:lumMod val="50000"/>
+                </a:schemeClr>
+              </a:solidFill>
+              <a:prstDash val="solid"/>
+              <a:miter lim="800000"/>
+              <a:headEnd type="none"/>
+              <a:tailEnd type="none"/>
+            </a:ln>
+          </p:spPr>
+          <p:style>
+            <a:lnRef idx="2">
+              <a:schemeClr val="accent1"/>
+            </a:lnRef>
+            <a:fillRef idx="0">
+              <a:srgbClr val="FFFFFF"/>
+            </a:fillRef>
+            <a:effectRef idx="0">
+              <a:srgbClr val="FFFFFF"/>
+            </a:effectRef>
+            <a:fontRef idx="minor">
+              <a:schemeClr val="tx1"/>
+            </a:fontRef>
+          </p:style>
+        </p:cxnSp>
+        <p:cxnSp>
+          <p:nvCxnSpPr>
+            <p:cNvPr id="71" name="直接连接符 70"/>
+            <p:cNvCxnSpPr>
+              <a:stCxn id="33" idx="2"/>
+              <a:endCxn id="31" idx="6"/>
+            </p:cNvCxnSpPr>
+            <p:nvPr>
+              <p:custDataLst>
+                <p:tags r:id="rId20"/>
+              </p:custDataLst>
+            </p:nvPr>
+          </p:nvCxnSpPr>
+          <p:spPr>
+            <a:xfrm flipH="1" flipV="1">
+              <a:off x="4209" y="5656"/>
+              <a:ext cx="1734" cy="3058"/>
+            </a:xfrm>
+            <a:prstGeom prst="line">
+              <a:avLst/>
+            </a:prstGeom>
+            <a:ln w="28575" cap="flat" cmpd="sng">
+              <a:solidFill>
+                <a:schemeClr val="bg2">
+                  <a:lumMod val="50000"/>
+                </a:schemeClr>
+              </a:solidFill>
+              <a:prstDash val="solid"/>
+              <a:miter lim="800000"/>
+              <a:headEnd type="none"/>
+              <a:tailEnd type="none"/>
+            </a:ln>
+          </p:spPr>
+          <p:style>
+            <a:lnRef idx="2">
+              <a:schemeClr val="accent1"/>
+            </a:lnRef>
+            <a:fillRef idx="0">
+              <a:srgbClr val="FFFFFF"/>
+            </a:fillRef>
+            <a:effectRef idx="0">
+              <a:srgbClr val="FFFFFF"/>
+            </a:effectRef>
+            <a:fontRef idx="minor">
+              <a:schemeClr val="tx1"/>
+            </a:fontRef>
+          </p:style>
+        </p:cxnSp>
+        <p:cxnSp>
+          <p:nvCxnSpPr>
+            <p:cNvPr id="72" name="直接连接符 71"/>
+            <p:cNvCxnSpPr>
+              <a:stCxn id="33" idx="2"/>
+            </p:cNvCxnSpPr>
+            <p:nvPr>
+              <p:custDataLst>
+                <p:tags r:id="rId21"/>
+              </p:custDataLst>
+            </p:nvPr>
+          </p:nvCxnSpPr>
+          <p:spPr>
+            <a:xfrm flipH="1" flipV="1">
+              <a:off x="4209" y="3488"/>
+              <a:ext cx="1734" cy="5226"/>
+            </a:xfrm>
+            <a:prstGeom prst="line">
+              <a:avLst/>
+            </a:prstGeom>
+            <a:ln w="28575" cap="flat" cmpd="sng">
+              <a:solidFill>
+                <a:schemeClr val="bg2">
+                  <a:lumMod val="50000"/>
+                </a:schemeClr>
+              </a:solidFill>
+              <a:prstDash val="solid"/>
+              <a:miter lim="800000"/>
+              <a:headEnd type="none"/>
+              <a:tailEnd type="none"/>
+            </a:ln>
+          </p:spPr>
+          <p:style>
+            <a:lnRef idx="2">
+              <a:schemeClr val="accent1"/>
+            </a:lnRef>
+            <a:fillRef idx="0">
+              <a:srgbClr val="FFFFFF"/>
+            </a:fillRef>
+            <a:effectRef idx="0">
+              <a:srgbClr val="FFFFFF"/>
+            </a:effectRef>
+            <a:fontRef idx="minor">
+              <a:schemeClr val="tx1"/>
+            </a:fontRef>
+          </p:style>
+        </p:cxnSp>
+        <p:cxnSp>
+          <p:nvCxnSpPr>
+            <p:cNvPr id="4" name="直接连接符 3"/>
+            <p:cNvCxnSpPr>
+              <a:stCxn id="62" idx="2"/>
+              <a:endCxn id="30" idx="6"/>
+            </p:cNvCxnSpPr>
+            <p:nvPr>
+              <p:custDataLst>
+                <p:tags r:id="rId22"/>
+              </p:custDataLst>
+            </p:nvPr>
+          </p:nvCxnSpPr>
+          <p:spPr>
+            <a:xfrm flipH="1" flipV="1">
+              <a:off x="7383" y="2248"/>
+              <a:ext cx="1995" cy="1960"/>
+            </a:xfrm>
+            <a:prstGeom prst="line">
+              <a:avLst/>
+            </a:prstGeom>
+            <a:ln w="28575" cap="flat" cmpd="sng">
+              <a:solidFill>
+                <a:schemeClr val="bg2">
+                  <a:lumMod val="50000"/>
+                </a:schemeClr>
+              </a:solidFill>
+              <a:prstDash val="solid"/>
+              <a:miter lim="800000"/>
+              <a:headEnd type="none"/>
+              <a:tailEnd type="none"/>
+            </a:ln>
+          </p:spPr>
+          <p:style>
+            <a:lnRef idx="2">
+              <a:schemeClr val="accent1"/>
+            </a:lnRef>
+            <a:fillRef idx="0">
+              <a:srgbClr val="FFFFFF"/>
+            </a:fillRef>
+            <a:effectRef idx="0">
+              <a:srgbClr val="FFFFFF"/>
+            </a:effectRef>
+            <a:fontRef idx="minor">
+              <a:schemeClr val="tx1"/>
+            </a:fontRef>
+          </p:style>
+        </p:cxnSp>
+        <p:cxnSp>
+          <p:nvCxnSpPr>
+            <p:cNvPr id="5" name="直接连接符 4"/>
+            <p:cNvCxnSpPr>
+              <a:stCxn id="63" idx="2"/>
+              <a:endCxn id="30" idx="6"/>
+            </p:cNvCxnSpPr>
+            <p:nvPr>
+              <p:custDataLst>
+                <p:tags r:id="rId23"/>
+              </p:custDataLst>
+            </p:nvPr>
+          </p:nvCxnSpPr>
+          <p:spPr>
+            <a:xfrm flipH="1" flipV="1">
+              <a:off x="7383" y="2248"/>
+              <a:ext cx="1995" cy="4375"/>
+            </a:xfrm>
+            <a:prstGeom prst="line">
+              <a:avLst/>
+            </a:prstGeom>
+            <a:ln w="28575" cap="flat" cmpd="sng">
+              <a:solidFill>
+                <a:schemeClr val="bg2">
+                  <a:lumMod val="50000"/>
+                </a:schemeClr>
+              </a:solidFill>
+              <a:prstDash val="solid"/>
+              <a:miter lim="800000"/>
+              <a:headEnd type="none"/>
+              <a:tailEnd type="none"/>
+            </a:ln>
+          </p:spPr>
+          <p:style>
+            <a:lnRef idx="2">
+              <a:schemeClr val="accent1"/>
+            </a:lnRef>
+            <a:fillRef idx="0">
+              <a:srgbClr val="FFFFFF"/>
+            </a:fillRef>
+            <a:effectRef idx="0">
+              <a:srgbClr val="FFFFFF"/>
+            </a:effectRef>
+            <a:fontRef idx="minor">
+              <a:schemeClr val="tx1"/>
+            </a:fontRef>
+          </p:style>
+        </p:cxnSp>
+        <p:cxnSp>
+          <p:nvCxnSpPr>
+            <p:cNvPr id="6" name="直接连接符 5"/>
+            <p:cNvCxnSpPr>
+              <a:endCxn id="29" idx="6"/>
+            </p:cNvCxnSpPr>
+            <p:nvPr>
+              <p:custDataLst>
+                <p:tags r:id="rId24"/>
+              </p:custDataLst>
+            </p:nvPr>
+          </p:nvCxnSpPr>
+          <p:spPr>
+            <a:xfrm flipH="1" flipV="1">
+              <a:off x="7383" y="4216"/>
+              <a:ext cx="1995" cy="2407"/>
+            </a:xfrm>
+            <a:prstGeom prst="line">
+              <a:avLst/>
+            </a:prstGeom>
+            <a:ln w="28575" cap="flat" cmpd="sng">
+              <a:solidFill>
+                <a:schemeClr val="bg2">
+                  <a:lumMod val="50000"/>
+                </a:schemeClr>
+              </a:solidFill>
+              <a:prstDash val="solid"/>
+              <a:miter lim="800000"/>
+              <a:headEnd type="none"/>
+              <a:tailEnd type="none"/>
+            </a:ln>
+          </p:spPr>
+          <p:style>
+            <a:lnRef idx="2">
+              <a:schemeClr val="accent1"/>
+            </a:lnRef>
+            <a:fillRef idx="0">
+              <a:srgbClr val="FFFFFF"/>
+            </a:fillRef>
+            <a:effectRef idx="0">
+              <a:srgbClr val="FFFFFF"/>
+            </a:effectRef>
+            <a:fontRef idx="minor">
+              <a:schemeClr val="tx1"/>
+            </a:fontRef>
+          </p:style>
+        </p:cxnSp>
+        <p:cxnSp>
+          <p:nvCxnSpPr>
+            <p:cNvPr id="7" name="直接连接符 6"/>
+            <p:cNvCxnSpPr>
+              <a:stCxn id="63" idx="2"/>
+              <a:endCxn id="28" idx="6"/>
+            </p:cNvCxnSpPr>
+            <p:nvPr>
+              <p:custDataLst>
+                <p:tags r:id="rId25"/>
+              </p:custDataLst>
+            </p:nvPr>
+          </p:nvCxnSpPr>
+          <p:spPr>
+            <a:xfrm flipH="1">
+              <a:off x="7383" y="6623"/>
+              <a:ext cx="1995" cy="0"/>
+            </a:xfrm>
+            <a:prstGeom prst="line">
+              <a:avLst/>
+            </a:prstGeom>
+            <a:ln w="28575" cap="flat" cmpd="sng">
+              <a:solidFill>
+                <a:schemeClr val="bg2">
+                  <a:lumMod val="50000"/>
+                </a:schemeClr>
+              </a:solidFill>
+              <a:prstDash val="solid"/>
+              <a:miter lim="800000"/>
+              <a:headEnd type="none"/>
+              <a:tailEnd type="none"/>
+            </a:ln>
+          </p:spPr>
+          <p:style>
+            <a:lnRef idx="2">
+              <a:schemeClr val="accent1"/>
+            </a:lnRef>
+            <a:fillRef idx="0">
+              <a:srgbClr val="FFFFFF"/>
+            </a:fillRef>
+            <a:effectRef idx="0">
+              <a:srgbClr val="FFFFFF"/>
+            </a:effectRef>
+            <a:fontRef idx="minor">
+              <a:schemeClr val="tx1"/>
+            </a:fontRef>
+          </p:style>
+        </p:cxnSp>
+        <p:cxnSp>
+          <p:nvCxnSpPr>
+            <p:cNvPr id="8" name="直接连接符 7"/>
+            <p:cNvCxnSpPr>
+              <a:stCxn id="63" idx="2"/>
+              <a:endCxn id="33" idx="6"/>
+            </p:cNvCxnSpPr>
+            <p:nvPr>
+              <p:custDataLst>
+                <p:tags r:id="rId26"/>
+              </p:custDataLst>
+            </p:nvPr>
+          </p:nvCxnSpPr>
+          <p:spPr>
+            <a:xfrm flipH="1">
+              <a:off x="7383" y="6623"/>
+              <a:ext cx="1995" cy="2091"/>
+            </a:xfrm>
+            <a:prstGeom prst="line">
+              <a:avLst/>
+            </a:prstGeom>
+            <a:ln w="28575" cap="flat" cmpd="sng">
+              <a:solidFill>
+                <a:schemeClr val="bg2">
+                  <a:lumMod val="50000"/>
+                </a:schemeClr>
+              </a:solidFill>
+              <a:prstDash val="solid"/>
+              <a:miter lim="800000"/>
+              <a:headEnd type="none"/>
+              <a:tailEnd type="none"/>
+            </a:ln>
+          </p:spPr>
+          <p:style>
+            <a:lnRef idx="2">
+              <a:schemeClr val="accent1"/>
+            </a:lnRef>
+            <a:fillRef idx="0">
+              <a:srgbClr val="FFFFFF"/>
+            </a:fillRef>
+            <a:effectRef idx="0">
+              <a:srgbClr val="FFFFFF"/>
+            </a:effectRef>
+            <a:fontRef idx="minor">
+              <a:schemeClr val="tx1"/>
+            </a:fontRef>
+          </p:style>
+        </p:cxnSp>
+        <p:cxnSp>
+          <p:nvCxnSpPr>
+            <p:cNvPr id="9" name="直接连接符 8"/>
+            <p:cNvCxnSpPr>
+              <a:stCxn id="62" idx="2"/>
+              <a:endCxn id="29" idx="6"/>
+            </p:cNvCxnSpPr>
+            <p:nvPr>
+              <p:custDataLst>
+                <p:tags r:id="rId27"/>
+              </p:custDataLst>
+            </p:nvPr>
+          </p:nvCxnSpPr>
+          <p:spPr>
+            <a:xfrm flipH="1">
+              <a:off x="7383" y="4208"/>
+              <a:ext cx="1995" cy="8"/>
+            </a:xfrm>
+            <a:prstGeom prst="line">
+              <a:avLst/>
+            </a:prstGeom>
+            <a:ln w="28575" cap="flat" cmpd="sng">
+              <a:solidFill>
+                <a:schemeClr val="bg2">
+                  <a:lumMod val="50000"/>
+                </a:schemeClr>
+              </a:solidFill>
+              <a:prstDash val="solid"/>
+              <a:miter lim="800000"/>
+              <a:headEnd type="none"/>
+              <a:tailEnd type="none"/>
+            </a:ln>
+          </p:spPr>
+          <p:style>
+            <a:lnRef idx="2">
+              <a:schemeClr val="accent1"/>
+            </a:lnRef>
+            <a:fillRef idx="0">
+              <a:srgbClr val="FFFFFF"/>
+            </a:fillRef>
+            <a:effectRef idx="0">
+              <a:srgbClr val="FFFFFF"/>
+            </a:effectRef>
+            <a:fontRef idx="minor">
+              <a:schemeClr val="tx1"/>
+            </a:fontRef>
+          </p:style>
+        </p:cxnSp>
+        <p:cxnSp>
+          <p:nvCxnSpPr>
+            <p:cNvPr id="10" name="直接连接符 9"/>
+            <p:cNvCxnSpPr>
+              <a:stCxn id="62" idx="2"/>
+              <a:endCxn id="28" idx="6"/>
+            </p:cNvCxnSpPr>
+            <p:nvPr>
+              <p:custDataLst>
+                <p:tags r:id="rId28"/>
+              </p:custDataLst>
+            </p:nvPr>
+          </p:nvCxnSpPr>
+          <p:spPr>
+            <a:xfrm flipH="1">
+              <a:off x="7383" y="4208"/>
+              <a:ext cx="1995" cy="2415"/>
+            </a:xfrm>
+            <a:prstGeom prst="line">
+              <a:avLst/>
+            </a:prstGeom>
+            <a:ln w="28575" cap="flat" cmpd="sng">
+              <a:solidFill>
+                <a:schemeClr val="bg2">
+                  <a:lumMod val="50000"/>
+                </a:schemeClr>
+              </a:solidFill>
+              <a:prstDash val="solid"/>
+              <a:miter lim="800000"/>
+              <a:headEnd type="none"/>
+              <a:tailEnd type="none"/>
+            </a:ln>
+          </p:spPr>
+          <p:style>
+            <a:lnRef idx="2">
+              <a:schemeClr val="accent1"/>
+            </a:lnRef>
+            <a:fillRef idx="0">
+              <a:srgbClr val="FFFFFF"/>
+            </a:fillRef>
+            <a:effectRef idx="0">
+              <a:srgbClr val="FFFFFF"/>
+            </a:effectRef>
+            <a:fontRef idx="minor">
+              <a:schemeClr val="tx1"/>
+            </a:fontRef>
+          </p:style>
+        </p:cxnSp>
+        <p:cxnSp>
+          <p:nvCxnSpPr>
+            <p:cNvPr id="11" name="直接连接符 10"/>
+            <p:cNvCxnSpPr>
+              <a:endCxn id="33" idx="6"/>
+            </p:cNvCxnSpPr>
+            <p:nvPr>
+              <p:custDataLst>
+                <p:tags r:id="rId29"/>
+              </p:custDataLst>
+            </p:nvPr>
+          </p:nvCxnSpPr>
+          <p:spPr>
+            <a:xfrm flipH="1">
+              <a:off x="7383" y="4208"/>
+              <a:ext cx="1995" cy="4506"/>
+            </a:xfrm>
+            <a:prstGeom prst="line">
+              <a:avLst/>
+            </a:prstGeom>
+            <a:ln w="28575" cap="flat" cmpd="sng">
+              <a:solidFill>
+                <a:schemeClr val="bg2">
+                  <a:lumMod val="50000"/>
+                </a:schemeClr>
+              </a:solidFill>
+              <a:prstDash val="solid"/>
+              <a:miter lim="800000"/>
+              <a:headEnd type="none"/>
+              <a:tailEnd type="none"/>
+            </a:ln>
+          </p:spPr>
+          <p:style>
+            <a:lnRef idx="2">
+              <a:schemeClr val="accent1"/>
+            </a:lnRef>
+            <a:fillRef idx="0">
+              <a:srgbClr val="FFFFFF"/>
+            </a:fillRef>
+            <a:effectRef idx="0">
+              <a:srgbClr val="FFFFFF"/>
+            </a:effectRef>
+            <a:fontRef idx="minor">
+              <a:schemeClr val="tx1"/>
+            </a:fontRef>
+          </p:style>
+        </p:cxnSp>
+      </p:grpSp>
+    </p:spTree>
+  </p:cSld>
+  <p:clrMapOvr>
+    <a:masterClrMapping/>
+  </p:clrMapOvr>
+</p:sld>
+</file>
+
+<file path=ppt/slides/slide7.xml><?xml version="1.0" encoding="utf-8"?>
+<p:sld xmlns:a="http://schemas.openxmlformats.org/drawingml/2006/main" xmlns:r="http://schemas.openxmlformats.org/officeDocument/2006/relationships" xmlns:p="http://schemas.openxmlformats.org/presentationml/2006/main">
+  <p:cSld>
+    <p:spTree>
+      <p:nvGrpSpPr>
+        <p:cNvPr id="1" name=""/>
+        <p:cNvGrpSpPr/>
+        <p:nvPr/>
+      </p:nvGrpSpPr>
+      <p:grpSpPr/>
+    </p:spTree>
+  </p:cSld>
+  <p:clrMapOvr>
+    <a:masterClrMapping/>
+  </p:clrMapOvr>
+</p:sld>
+</file>
+
 <file path=ppt/tags/tag1.xml><?xml version="1.0" encoding="utf-8"?>
 <p:tagLst xmlns:p="http://schemas.openxmlformats.org/presentationml/2006/main">
   <p:tag name="KSO_WM_BEAUTIFY_FLAG" val=""/>
@@ -9501,7 +10951,61 @@
 
 <file path=ppt/tags/tag20.xml><?xml version="1.0" encoding="utf-8"?>
 <p:tagLst xmlns:p="http://schemas.openxmlformats.org/presentationml/2006/main">
-  <p:tag name="commondata" val="eyJoZGlkIjoiZGRkYjQ2MDljZDFkZWNlN2RlZGFlMzAwNWFkMzZlYmEifQ=="/>
+  <p:tag name="KSO_WM_BEAUTIFY_FLAG" val=""/>
+</p:tagLst>
+</file>
+
+<file path=ppt/tags/tag21.xml><?xml version="1.0" encoding="utf-8"?>
+<p:tagLst xmlns:p="http://schemas.openxmlformats.org/presentationml/2006/main">
+  <p:tag name="KSO_WM_BEAUTIFY_FLAG" val=""/>
+</p:tagLst>
+</file>
+
+<file path=ppt/tags/tag22.xml><?xml version="1.0" encoding="utf-8"?>
+<p:tagLst xmlns:p="http://schemas.openxmlformats.org/presentationml/2006/main">
+  <p:tag name="KSO_WM_BEAUTIFY_FLAG" val=""/>
+</p:tagLst>
+</file>
+
+<file path=ppt/tags/tag23.xml><?xml version="1.0" encoding="utf-8"?>
+<p:tagLst xmlns:p="http://schemas.openxmlformats.org/presentationml/2006/main">
+  <p:tag name="KSO_WM_BEAUTIFY_FLAG" val=""/>
+</p:tagLst>
+</file>
+
+<file path=ppt/tags/tag24.xml><?xml version="1.0" encoding="utf-8"?>
+<p:tagLst xmlns:p="http://schemas.openxmlformats.org/presentationml/2006/main">
+  <p:tag name="KSO_WM_BEAUTIFY_FLAG" val=""/>
+</p:tagLst>
+</file>
+
+<file path=ppt/tags/tag25.xml><?xml version="1.0" encoding="utf-8"?>
+<p:tagLst xmlns:p="http://schemas.openxmlformats.org/presentationml/2006/main">
+  <p:tag name="KSO_WM_BEAUTIFY_FLAG" val=""/>
+</p:tagLst>
+</file>
+
+<file path=ppt/tags/tag26.xml><?xml version="1.0" encoding="utf-8"?>
+<p:tagLst xmlns:p="http://schemas.openxmlformats.org/presentationml/2006/main">
+  <p:tag name="KSO_WM_BEAUTIFY_FLAG" val=""/>
+</p:tagLst>
+</file>
+
+<file path=ppt/tags/tag27.xml><?xml version="1.0" encoding="utf-8"?>
+<p:tagLst xmlns:p="http://schemas.openxmlformats.org/presentationml/2006/main">
+  <p:tag name="KSO_WM_BEAUTIFY_FLAG" val=""/>
+</p:tagLst>
+</file>
+
+<file path=ppt/tags/tag28.xml><?xml version="1.0" encoding="utf-8"?>
+<p:tagLst xmlns:p="http://schemas.openxmlformats.org/presentationml/2006/main">
+  <p:tag name="KSO_WM_BEAUTIFY_FLAG" val=""/>
+</p:tagLst>
+</file>
+
+<file path=ppt/tags/tag29.xml><?xml version="1.0" encoding="utf-8"?>
+<p:tagLst xmlns:p="http://schemas.openxmlformats.org/presentationml/2006/main">
+  <p:tag name="KSO_WM_BEAUTIFY_FLAG" val=""/>
 </p:tagLst>
 </file>
 
@@ -9511,9 +11015,129 @@
 </p:tagLst>
 </file>
 
+<file path=ppt/tags/tag30.xml><?xml version="1.0" encoding="utf-8"?>
+<p:tagLst xmlns:p="http://schemas.openxmlformats.org/presentationml/2006/main">
+  <p:tag name="KSO_WM_BEAUTIFY_FLAG" val=""/>
+</p:tagLst>
+</file>
+
+<file path=ppt/tags/tag31.xml><?xml version="1.0" encoding="utf-8"?>
+<p:tagLst xmlns:p="http://schemas.openxmlformats.org/presentationml/2006/main">
+  <p:tag name="KSO_WM_BEAUTIFY_FLAG" val=""/>
+</p:tagLst>
+</file>
+
+<file path=ppt/tags/tag32.xml><?xml version="1.0" encoding="utf-8"?>
+<p:tagLst xmlns:p="http://schemas.openxmlformats.org/presentationml/2006/main">
+  <p:tag name="KSO_WM_BEAUTIFY_FLAG" val=""/>
+</p:tagLst>
+</file>
+
+<file path=ppt/tags/tag33.xml><?xml version="1.0" encoding="utf-8"?>
+<p:tagLst xmlns:p="http://schemas.openxmlformats.org/presentationml/2006/main">
+  <p:tag name="KSO_WM_BEAUTIFY_FLAG" val=""/>
+</p:tagLst>
+</file>
+
+<file path=ppt/tags/tag34.xml><?xml version="1.0" encoding="utf-8"?>
+<p:tagLst xmlns:p="http://schemas.openxmlformats.org/presentationml/2006/main">
+  <p:tag name="KSO_WM_BEAUTIFY_FLAG" val=""/>
+</p:tagLst>
+</file>
+
+<file path=ppt/tags/tag35.xml><?xml version="1.0" encoding="utf-8"?>
+<p:tagLst xmlns:p="http://schemas.openxmlformats.org/presentationml/2006/main">
+  <p:tag name="KSO_WM_BEAUTIFY_FLAG" val=""/>
+</p:tagLst>
+</file>
+
+<file path=ppt/tags/tag36.xml><?xml version="1.0" encoding="utf-8"?>
+<p:tagLst xmlns:p="http://schemas.openxmlformats.org/presentationml/2006/main">
+  <p:tag name="KSO_WM_BEAUTIFY_FLAG" val=""/>
+</p:tagLst>
+</file>
+
+<file path=ppt/tags/tag37.xml><?xml version="1.0" encoding="utf-8"?>
+<p:tagLst xmlns:p="http://schemas.openxmlformats.org/presentationml/2006/main">
+  <p:tag name="KSO_WM_BEAUTIFY_FLAG" val=""/>
+</p:tagLst>
+</file>
+
+<file path=ppt/tags/tag38.xml><?xml version="1.0" encoding="utf-8"?>
+<p:tagLst xmlns:p="http://schemas.openxmlformats.org/presentationml/2006/main">
+  <p:tag name="KSO_WM_BEAUTIFY_FLAG" val=""/>
+</p:tagLst>
+</file>
+
+<file path=ppt/tags/tag39.xml><?xml version="1.0" encoding="utf-8"?>
+<p:tagLst xmlns:p="http://schemas.openxmlformats.org/presentationml/2006/main">
+  <p:tag name="KSO_WM_BEAUTIFY_FLAG" val=""/>
+</p:tagLst>
+</file>
+
 <file path=ppt/tags/tag4.xml><?xml version="1.0" encoding="utf-8"?>
 <p:tagLst xmlns:p="http://schemas.openxmlformats.org/presentationml/2006/main">
   <p:tag name="KSO_WM_BEAUTIFY_FLAG" val=""/>
+</p:tagLst>
+</file>
+
+<file path=ppt/tags/tag40.xml><?xml version="1.0" encoding="utf-8"?>
+<p:tagLst xmlns:p="http://schemas.openxmlformats.org/presentationml/2006/main">
+  <p:tag name="KSO_WM_BEAUTIFY_FLAG" val=""/>
+</p:tagLst>
+</file>
+
+<file path=ppt/tags/tag41.xml><?xml version="1.0" encoding="utf-8"?>
+<p:tagLst xmlns:p="http://schemas.openxmlformats.org/presentationml/2006/main">
+  <p:tag name="KSO_WM_BEAUTIFY_FLAG" val=""/>
+</p:tagLst>
+</file>
+
+<file path=ppt/tags/tag42.xml><?xml version="1.0" encoding="utf-8"?>
+<p:tagLst xmlns:p="http://schemas.openxmlformats.org/presentationml/2006/main">
+  <p:tag name="KSO_WM_BEAUTIFY_FLAG" val=""/>
+</p:tagLst>
+</file>
+
+<file path=ppt/tags/tag43.xml><?xml version="1.0" encoding="utf-8"?>
+<p:tagLst xmlns:p="http://schemas.openxmlformats.org/presentationml/2006/main">
+  <p:tag name="KSO_WM_BEAUTIFY_FLAG" val=""/>
+</p:tagLst>
+</file>
+
+<file path=ppt/tags/tag44.xml><?xml version="1.0" encoding="utf-8"?>
+<p:tagLst xmlns:p="http://schemas.openxmlformats.org/presentationml/2006/main">
+  <p:tag name="KSO_WM_BEAUTIFY_FLAG" val=""/>
+</p:tagLst>
+</file>
+
+<file path=ppt/tags/tag45.xml><?xml version="1.0" encoding="utf-8"?>
+<p:tagLst xmlns:p="http://schemas.openxmlformats.org/presentationml/2006/main">
+  <p:tag name="KSO_WM_BEAUTIFY_FLAG" val=""/>
+</p:tagLst>
+</file>
+
+<file path=ppt/tags/tag46.xml><?xml version="1.0" encoding="utf-8"?>
+<p:tagLst xmlns:p="http://schemas.openxmlformats.org/presentationml/2006/main">
+  <p:tag name="KSO_WM_BEAUTIFY_FLAG" val=""/>
+</p:tagLst>
+</file>
+
+<file path=ppt/tags/tag47.xml><?xml version="1.0" encoding="utf-8"?>
+<p:tagLst xmlns:p="http://schemas.openxmlformats.org/presentationml/2006/main">
+  <p:tag name="KSO_WM_BEAUTIFY_FLAG" val=""/>
+</p:tagLst>
+</file>
+
+<file path=ppt/tags/tag48.xml><?xml version="1.0" encoding="utf-8"?>
+<p:tagLst xmlns:p="http://schemas.openxmlformats.org/presentationml/2006/main">
+  <p:tag name="KSO_WM_BEAUTIFY_FLAG" val=""/>
+</p:tagLst>
+</file>
+
+<file path=ppt/tags/tag49.xml><?xml version="1.0" encoding="utf-8"?>
+<p:tagLst xmlns:p="http://schemas.openxmlformats.org/presentationml/2006/main">
+  <p:tag name="commondata" val="eyJoZGlkIjoiZGRkYjQ2MDljZDFkZWNlN2RlZGFlMzAwNWFkMzZlYmEifQ=="/>
 </p:tagLst>
 </file>
 
